--- a/Santa Fe SQL User Group/What's New in SQL 2019.pptx
+++ b/Santa Fe SQL User Group/What's New in SQL 2019.pptx
@@ -22552,13 +22552,7 @@
               <a:rPr lang="en-US" u="sng" dirty="0">
                 <a:hlinkClick r:id="rId4"/>
               </a:rPr>
-              <a:t>-</a:t>
-            </a:r>
-            <a:r>
-              <a:rPr lang="en-US" u="sng" dirty="0">
-                <a:hlinkClick r:id="rId4"/>
-              </a:rPr>
-              <a:t>in-sql-server</a:t>
+              <a:t>-in-sql-server</a:t>
             </a:r>
             <a:endParaRPr lang="en-US" dirty="0"/>
           </a:p>
@@ -22660,33 +22654,23 @@
             </a:r>
           </a:p>
           <a:p>
-            <a:pPr marL="457200" indent="-457200">
-              <a:buFont typeface="Arial" panose="020B0604020202020204" pitchFamily="34" charset="0"/>
-              <a:buChar char="•"/>
-            </a:pPr>
-            <a:r>
-              <a:rPr lang="en-US" sz="3600" dirty="0"/>
-              <a:t>Stated goal of one CU per month at least for one year.</a:t>
-            </a:r>
-          </a:p>
-          <a:p>
             <a:pPr marL="889208" lvl="1" indent="-457200"/>
             <a:r>
-              <a:rPr lang="en-US" sz="3222" dirty="0"/>
+              <a:rPr lang="en-US" sz="3300" dirty="0"/>
               <a:t>Within 12 months, 12 CU’s for SQL 2017.</a:t>
             </a:r>
           </a:p>
           <a:p>
             <a:pPr marL="889208" lvl="1" indent="-457200"/>
             <a:r>
-              <a:rPr lang="en-US" sz="3222" dirty="0"/>
+              <a:rPr lang="en-US" sz="3300" dirty="0"/>
               <a:t>17 SQL 2017 CU’s in first 24 months</a:t>
             </a:r>
           </a:p>
           <a:p>
             <a:pPr marL="889208" lvl="1" indent="-457200"/>
             <a:r>
-              <a:rPr lang="en-US" sz="3222" dirty="0"/>
+              <a:rPr lang="en-US" sz="3300" dirty="0"/>
               <a:t>SQL 2019 CU1 release January 7, 2020</a:t>
             </a:r>
           </a:p>
@@ -22838,33 +22822,15 @@
                                   </p:childTnLst>
                                 </p:cTn>
                               </p:par>
-                            </p:childTnLst>
-                          </p:cTn>
-                        </p:par>
-                      </p:childTnLst>
-                    </p:cTn>
-                  </p:par>
-                  <p:par>
-                    <p:cTn id="10" fill="hold">
-                      <p:stCondLst>
-                        <p:cond delay="indefinite"/>
-                      </p:stCondLst>
-                      <p:childTnLst>
-                        <p:par>
-                          <p:cTn id="11" fill="hold">
-                            <p:stCondLst>
-                              <p:cond delay="0"/>
-                            </p:stCondLst>
-                            <p:childTnLst>
                               <p:par>
-                                <p:cTn id="12" presetID="53" presetClass="entr" presetSubtype="16" fill="hold" grpId="0" nodeType="clickEffect">
+                                <p:cTn id="10" presetID="53" presetClass="entr" presetSubtype="16" fill="hold" grpId="0" nodeType="withEffect">
                                   <p:stCondLst>
                                     <p:cond delay="0"/>
                                   </p:stCondLst>
                                   <p:childTnLst>
                                     <p:set>
                                       <p:cBhvr>
-                                        <p:cTn id="13" dur="1" fill="hold">
+                                        <p:cTn id="11" dur="1" fill="hold">
                                           <p:stCondLst>
                                             <p:cond delay="0"/>
                                           </p:stCondLst>
@@ -22886,7 +22852,7 @@
                                     </p:set>
                                     <p:anim calcmode="lin" valueType="num">
                                       <p:cBhvr>
-                                        <p:cTn id="14" dur="500" fill="hold"/>
+                                        <p:cTn id="12" dur="500" fill="hold"/>
                                         <p:tgtEl>
                                           <p:spTgt spid="19">
                                             <p:txEl>
@@ -22913,7 +22879,7 @@
                                     </p:anim>
                                     <p:anim calcmode="lin" valueType="num">
                                       <p:cBhvr>
-                                        <p:cTn id="15" dur="500" fill="hold"/>
+                                        <p:cTn id="13" dur="500" fill="hold"/>
                                         <p:tgtEl>
                                           <p:spTgt spid="19">
                                             <p:txEl>
@@ -22940,7 +22906,7 @@
                                     </p:anim>
                                     <p:animEffect transition="in" filter="fade">
                                       <p:cBhvr>
-                                        <p:cTn id="16" dur="500"/>
+                                        <p:cTn id="14" dur="500"/>
                                         <p:tgtEl>
                                           <p:spTgt spid="19">
                                             <p:txEl>
@@ -22954,14 +22920,14 @@
                                 </p:cTn>
                               </p:par>
                               <p:par>
-                                <p:cTn id="17" presetID="53" presetClass="entr" presetSubtype="16" fill="hold" grpId="0" nodeType="withEffect">
+                                <p:cTn id="15" presetID="53" presetClass="entr" presetSubtype="16" fill="hold" grpId="0" nodeType="withEffect">
                                   <p:stCondLst>
                                     <p:cond delay="0"/>
                                   </p:stCondLst>
                                   <p:childTnLst>
                                     <p:set>
                                       <p:cBhvr>
-                                        <p:cTn id="18" dur="1" fill="hold">
+                                        <p:cTn id="16" dur="1" fill="hold">
                                           <p:stCondLst>
                                             <p:cond delay="0"/>
                                           </p:stCondLst>
@@ -22983,7 +22949,7 @@
                                     </p:set>
                                     <p:anim calcmode="lin" valueType="num">
                                       <p:cBhvr>
-                                        <p:cTn id="19" dur="500" fill="hold"/>
+                                        <p:cTn id="17" dur="500" fill="hold"/>
                                         <p:tgtEl>
                                           <p:spTgt spid="19">
                                             <p:txEl>
@@ -23010,7 +22976,7 @@
                                     </p:anim>
                                     <p:anim calcmode="lin" valueType="num">
                                       <p:cBhvr>
-                                        <p:cTn id="20" dur="500" fill="hold"/>
+                                        <p:cTn id="18" dur="500" fill="hold"/>
                                         <p:tgtEl>
                                           <p:spTgt spid="19">
                                             <p:txEl>
@@ -23037,7 +23003,7 @@
                                     </p:anim>
                                     <p:animEffect transition="in" filter="fade">
                                       <p:cBhvr>
-                                        <p:cTn id="21" dur="500"/>
+                                        <p:cTn id="19" dur="500"/>
                                         <p:tgtEl>
                                           <p:spTgt spid="19">
                                             <p:txEl>
@@ -23051,14 +23017,14 @@
                                 </p:cTn>
                               </p:par>
                               <p:par>
-                                <p:cTn id="22" presetID="53" presetClass="entr" presetSubtype="16" fill="hold" grpId="0" nodeType="withEffect">
+                                <p:cTn id="20" presetID="53" presetClass="entr" presetSubtype="16" fill="hold" grpId="0" nodeType="withEffect">
                                   <p:stCondLst>
                                     <p:cond delay="0"/>
                                   </p:stCondLst>
                                   <p:childTnLst>
                                     <p:set>
                                       <p:cBhvr>
-                                        <p:cTn id="23" dur="1" fill="hold">
+                                        <p:cTn id="21" dur="1" fill="hold">
                                           <p:stCondLst>
                                             <p:cond delay="0"/>
                                           </p:stCondLst>
@@ -23080,7 +23046,7 @@
                                     </p:set>
                                     <p:anim calcmode="lin" valueType="num">
                                       <p:cBhvr>
-                                        <p:cTn id="24" dur="500" fill="hold"/>
+                                        <p:cTn id="22" dur="500" fill="hold"/>
                                         <p:tgtEl>
                                           <p:spTgt spid="19">
                                             <p:txEl>
@@ -23107,7 +23073,7 @@
                                     </p:anim>
                                     <p:anim calcmode="lin" valueType="num">
                                       <p:cBhvr>
-                                        <p:cTn id="25" dur="500" fill="hold"/>
+                                        <p:cTn id="23" dur="500" fill="hold"/>
                                         <p:tgtEl>
                                           <p:spTgt spid="19">
                                             <p:txEl>
@@ -23134,7 +23100,7 @@
                                     </p:anim>
                                     <p:animEffect transition="in" filter="fade">
                                       <p:cBhvr>
-                                        <p:cTn id="26" dur="500"/>
+                                        <p:cTn id="24" dur="500"/>
                                         <p:tgtEl>
                                           <p:spTgt spid="19">
                                             <p:txEl>
@@ -23147,8 +23113,26 @@
                                   </p:childTnLst>
                                 </p:cTn>
                               </p:par>
+                            </p:childTnLst>
+                          </p:cTn>
+                        </p:par>
+                      </p:childTnLst>
+                    </p:cTn>
+                  </p:par>
+                  <p:par>
+                    <p:cTn id="25" fill="hold">
+                      <p:stCondLst>
+                        <p:cond delay="indefinite"/>
+                      </p:stCondLst>
+                      <p:childTnLst>
+                        <p:par>
+                          <p:cTn id="26" fill="hold">
+                            <p:stCondLst>
+                              <p:cond delay="0"/>
+                            </p:stCondLst>
+                            <p:childTnLst>
                               <p:par>
-                                <p:cTn id="27" presetID="53" presetClass="entr" presetSubtype="16" fill="hold" grpId="0" nodeType="withEffect">
+                                <p:cTn id="27" presetID="53" presetClass="entr" presetSubtype="16" fill="hold" grpId="0" nodeType="clickEffect">
                                   <p:stCondLst>
                                     <p:cond delay="0"/>
                                   </p:stCondLst>
@@ -23236,121 +23220,6 @@
                                           <p:spTgt spid="19">
                                             <p:txEl>
                                               <p:pRg st="4" end="4"/>
-                                            </p:txEl>
-                                          </p:spTgt>
-                                        </p:tgtEl>
-                                      </p:cBhvr>
-                                    </p:animEffect>
-                                  </p:childTnLst>
-                                </p:cTn>
-                              </p:par>
-                            </p:childTnLst>
-                          </p:cTn>
-                        </p:par>
-                      </p:childTnLst>
-                    </p:cTn>
-                  </p:par>
-                  <p:par>
-                    <p:cTn id="32" fill="hold">
-                      <p:stCondLst>
-                        <p:cond delay="indefinite"/>
-                      </p:stCondLst>
-                      <p:childTnLst>
-                        <p:par>
-                          <p:cTn id="33" fill="hold">
-                            <p:stCondLst>
-                              <p:cond delay="0"/>
-                            </p:stCondLst>
-                            <p:childTnLst>
-                              <p:par>
-                                <p:cTn id="34" presetID="53" presetClass="entr" presetSubtype="16" fill="hold" grpId="0" nodeType="clickEffect">
-                                  <p:stCondLst>
-                                    <p:cond delay="0"/>
-                                  </p:stCondLst>
-                                  <p:childTnLst>
-                                    <p:set>
-                                      <p:cBhvr>
-                                        <p:cTn id="35" dur="1" fill="hold">
-                                          <p:stCondLst>
-                                            <p:cond delay="0"/>
-                                          </p:stCondLst>
-                                        </p:cTn>
-                                        <p:tgtEl>
-                                          <p:spTgt spid="19">
-                                            <p:txEl>
-                                              <p:pRg st="5" end="5"/>
-                                            </p:txEl>
-                                          </p:spTgt>
-                                        </p:tgtEl>
-                                        <p:attrNameLst>
-                                          <p:attrName>style.visibility</p:attrName>
-                                        </p:attrNameLst>
-                                      </p:cBhvr>
-                                      <p:to>
-                                        <p:strVal val="visible"/>
-                                      </p:to>
-                                    </p:set>
-                                    <p:anim calcmode="lin" valueType="num">
-                                      <p:cBhvr>
-                                        <p:cTn id="36" dur="500" fill="hold"/>
-                                        <p:tgtEl>
-                                          <p:spTgt spid="19">
-                                            <p:txEl>
-                                              <p:pRg st="5" end="5"/>
-                                            </p:txEl>
-                                          </p:spTgt>
-                                        </p:tgtEl>
-                                        <p:attrNameLst>
-                                          <p:attrName>ppt_w</p:attrName>
-                                        </p:attrNameLst>
-                                      </p:cBhvr>
-                                      <p:tavLst>
-                                        <p:tav tm="0">
-                                          <p:val>
-                                            <p:fltVal val="0"/>
-                                          </p:val>
-                                        </p:tav>
-                                        <p:tav tm="100000">
-                                          <p:val>
-                                            <p:strVal val="#ppt_w"/>
-                                          </p:val>
-                                        </p:tav>
-                                      </p:tavLst>
-                                    </p:anim>
-                                    <p:anim calcmode="lin" valueType="num">
-                                      <p:cBhvr>
-                                        <p:cTn id="37" dur="500" fill="hold"/>
-                                        <p:tgtEl>
-                                          <p:spTgt spid="19">
-                                            <p:txEl>
-                                              <p:pRg st="5" end="5"/>
-                                            </p:txEl>
-                                          </p:spTgt>
-                                        </p:tgtEl>
-                                        <p:attrNameLst>
-                                          <p:attrName>ppt_h</p:attrName>
-                                        </p:attrNameLst>
-                                      </p:cBhvr>
-                                      <p:tavLst>
-                                        <p:tav tm="0">
-                                          <p:val>
-                                            <p:fltVal val="0"/>
-                                          </p:val>
-                                        </p:tav>
-                                        <p:tav tm="100000">
-                                          <p:val>
-                                            <p:strVal val="#ppt_h"/>
-                                          </p:val>
-                                        </p:tav>
-                                      </p:tavLst>
-                                    </p:anim>
-                                    <p:animEffect transition="in" filter="fade">
-                                      <p:cBhvr>
-                                        <p:cTn id="38" dur="500"/>
-                                        <p:tgtEl>
-                                          <p:spTgt spid="19">
-                                            <p:txEl>
-                                              <p:pRg st="5" end="5"/>
                                             </p:txEl>
                                           </p:spTgt>
                                         </p:tgtEl>

--- a/Santa Fe SQL User Group/What's New in SQL 2019.pptx
+++ b/Santa Fe SQL User Group/What's New in SQL 2019.pptx
@@ -29286,7 +29286,7 @@
         </p:spPr>
         <p:txBody>
           <a:bodyPr>
-            <a:normAutofit lnSpcReduction="10000"/>
+            <a:normAutofit fontScale="85000" lnSpcReduction="20000"/>
           </a:bodyPr>
           <a:lstStyle/>
           <a:p>
@@ -29345,6 +29345,27 @@
               <a:rPr lang="en-US" sz="3222" dirty="0"/>
               <a:t>Will help with the 2014 Cardinality Estimator change</a:t>
             </a:r>
+          </a:p>
+          <a:p>
+            <a:pPr marL="457200" indent="-457200"/>
+            <a:r>
+              <a:rPr lang="en-US" sz="3600" b="1" dirty="0"/>
+              <a:t>Azure Migrate – </a:t>
+            </a:r>
+            <a:r>
+              <a:rPr lang="en-US" sz="3600" dirty="0"/>
+              <a:t>Can upload a .csv for an assessment n Azure to be given estimates on compatibility, expected cost for compute and storage.</a:t>
+            </a:r>
+            <a:br>
+              <a:rPr lang="en-US" sz="3600" dirty="0"/>
+            </a:br>
+            <a:r>
+              <a:rPr lang="en-US" sz="1500" dirty="0">
+                <a:hlinkClick r:id="rId3"/>
+              </a:rPr>
+              <a:t>https://azure.microsoft.com/en-us/blog/assess-your-servers-with-a-csv-import-into-azure-migrate/</a:t>
+            </a:r>
+            <a:endParaRPr lang="en-US" sz="1500" b="1" dirty="0"/>
           </a:p>
           <a:p>
             <a:pPr marL="457200" indent="-457200">
@@ -29538,6 +29559,55 @@
                                           <p:spTgt spid="19">
                                             <p:txEl>
                                               <p:pRg st="3" end="3"/>
+                                            </p:txEl>
+                                          </p:spTgt>
+                                        </p:tgtEl>
+                                        <p:attrNameLst>
+                                          <p:attrName>style.visibility</p:attrName>
+                                        </p:attrNameLst>
+                                      </p:cBhvr>
+                                      <p:to>
+                                        <p:strVal val="visible"/>
+                                      </p:to>
+                                    </p:set>
+                                  </p:childTnLst>
+                                </p:cTn>
+                              </p:par>
+                            </p:childTnLst>
+                          </p:cTn>
+                        </p:par>
+                      </p:childTnLst>
+                    </p:cTn>
+                  </p:par>
+                  <p:par>
+                    <p:cTn id="17" fill="hold">
+                      <p:stCondLst>
+                        <p:cond delay="indefinite"/>
+                      </p:stCondLst>
+                      <p:childTnLst>
+                        <p:par>
+                          <p:cTn id="18" fill="hold">
+                            <p:stCondLst>
+                              <p:cond delay="0"/>
+                            </p:stCondLst>
+                            <p:childTnLst>
+                              <p:par>
+                                <p:cTn id="19" presetID="1" presetClass="entr" presetSubtype="0" fill="hold" grpId="0" nodeType="clickEffect">
+                                  <p:stCondLst>
+                                    <p:cond delay="0"/>
+                                  </p:stCondLst>
+                                  <p:childTnLst>
+                                    <p:set>
+                                      <p:cBhvr>
+                                        <p:cTn id="20" dur="1" fill="hold">
+                                          <p:stCondLst>
+                                            <p:cond delay="0"/>
+                                          </p:stCondLst>
+                                        </p:cTn>
+                                        <p:tgtEl>
+                                          <p:spTgt spid="19">
+                                            <p:txEl>
+                                              <p:pRg st="4" end="4"/>
                                             </p:txEl>
                                           </p:spTgt>
                                         </p:tgtEl>

--- a/Santa Fe SQL User Group/What's New in SQL 2019.pptx
+++ b/Santa Fe SQL User Group/What's New in SQL 2019.pptx
@@ -6,10 +6,10 @@
     <p:sldMasterId id="2147483704" r:id="rId2"/>
   </p:sldMasterIdLst>
   <p:notesMasterIdLst>
-    <p:notesMasterId r:id="rId61"/>
+    <p:notesMasterId r:id="rId62"/>
   </p:notesMasterIdLst>
   <p:handoutMasterIdLst>
-    <p:handoutMasterId r:id="rId62"/>
+    <p:handoutMasterId r:id="rId63"/>
   </p:handoutMasterIdLst>
   <p:sldIdLst>
     <p:sldId id="451" r:id="rId3"/>
@@ -59,17 +59,18 @@
     <p:sldId id="423" r:id="rId47"/>
     <p:sldId id="424" r:id="rId48"/>
     <p:sldId id="420" r:id="rId49"/>
-    <p:sldId id="447" r:id="rId50"/>
-    <p:sldId id="454" r:id="rId51"/>
-    <p:sldId id="419" r:id="rId52"/>
-    <p:sldId id="421" r:id="rId53"/>
-    <p:sldId id="446" r:id="rId54"/>
-    <p:sldId id="337" r:id="rId55"/>
-    <p:sldId id="334" r:id="rId56"/>
-    <p:sldId id="336" r:id="rId57"/>
-    <p:sldId id="439" r:id="rId58"/>
-    <p:sldId id="414" r:id="rId59"/>
-    <p:sldId id="413" r:id="rId60"/>
+    <p:sldId id="459" r:id="rId50"/>
+    <p:sldId id="447" r:id="rId51"/>
+    <p:sldId id="454" r:id="rId52"/>
+    <p:sldId id="419" r:id="rId53"/>
+    <p:sldId id="421" r:id="rId54"/>
+    <p:sldId id="446" r:id="rId55"/>
+    <p:sldId id="337" r:id="rId56"/>
+    <p:sldId id="334" r:id="rId57"/>
+    <p:sldId id="336" r:id="rId58"/>
+    <p:sldId id="439" r:id="rId59"/>
+    <p:sldId id="414" r:id="rId60"/>
+    <p:sldId id="413" r:id="rId61"/>
   </p:sldIdLst>
   <p:sldSz cx="11520488" cy="6480175"/>
   <p:notesSz cx="6858000" cy="9144000"/>
@@ -284,7 +285,7 @@
           <a:p>
             <a:fld id="{F2AAB19A-044A-4188-95F7-FE3CC087FFBA}" type="datetimeFigureOut">
               <a:rPr lang="en-US" smtClean="0"/>
-              <a:t>2/13/2020</a:t>
+              <a:t>2/14/2020</a:t>
             </a:fld>
             <a:endParaRPr lang="en-US"/>
           </a:p>
@@ -461,7 +462,7 @@
           <a:p>
             <a:fld id="{3A12807D-DF51-4782-A6A0-E53C53F8DBAA}" type="datetimeFigureOut">
               <a:rPr lang="en-US" smtClean="0"/>
-              <a:t>2/13/2020</a:t>
+              <a:t>2/14/2020</a:t>
             </a:fld>
             <a:endParaRPr lang="en-US"/>
           </a:p>
@@ -1297,7 +1298,7 @@
           <a:p>
             <a:fld id="{2169F59F-0EB0-7641-AD82-6C091FC4275B}" type="slidenum">
               <a:rPr lang="en-US" smtClean="0"/>
-              <a:t>53</a:t>
+              <a:t>54</a:t>
             </a:fld>
             <a:endParaRPr lang="en-US"/>
           </a:p>
@@ -1381,7 +1382,7 @@
           <a:p>
             <a:fld id="{2169F59F-0EB0-7641-AD82-6C091FC4275B}" type="slidenum">
               <a:rPr lang="en-US" smtClean="0"/>
-              <a:t>54</a:t>
+              <a:t>55</a:t>
             </a:fld>
             <a:endParaRPr lang="en-US"/>
           </a:p>
@@ -1465,7 +1466,7 @@
           <a:p>
             <a:fld id="{2169F59F-0EB0-7641-AD82-6C091FC4275B}" type="slidenum">
               <a:rPr lang="en-US" smtClean="0"/>
-              <a:t>55</a:t>
+              <a:t>56</a:t>
             </a:fld>
             <a:endParaRPr lang="en-US"/>
           </a:p>
@@ -11116,7 +11117,7 @@
           <a:p>
             <a:fld id="{73B86625-C2D0-43E1-A831-5EEBAAFB5F44}" type="datetimeFigureOut">
               <a:rPr lang="en-US" smtClean="0"/>
-              <a:t>2/13/2020</a:t>
+              <a:t>2/14/2020</a:t>
             </a:fld>
             <a:endParaRPr lang="en-US"/>
           </a:p>
@@ -18216,7 +18217,25 @@
                 </a:solidFill>
                 <a:latin typeface="Arial" panose="020B0604020202020204" pitchFamily="34" charset="0"/>
               </a:rPr>
-              <a:t>scalar UDF in-lining. Both are going to really going to help a lot of folks. </a:t>
+              <a:t>scalar UDF </a:t>
+            </a:r>
+            <a:r>
+              <a:rPr lang="en-US" sz="2000" dirty="0" err="1">
+                <a:solidFill>
+                  <a:srgbClr val="282801"/>
+                </a:solidFill>
+                <a:latin typeface="Arial" panose="020B0604020202020204" pitchFamily="34" charset="0"/>
+              </a:rPr>
+              <a:t>inlining</a:t>
+            </a:r>
+            <a:r>
+              <a:rPr lang="en-US" sz="2000" dirty="0">
+                <a:solidFill>
+                  <a:srgbClr val="282801"/>
+                </a:solidFill>
+                <a:latin typeface="Arial" panose="020B0604020202020204" pitchFamily="34" charset="0"/>
+              </a:rPr>
+              <a:t>. Both are going to really going to help a lot of folks. </a:t>
             </a:r>
           </a:p>
           <a:p>
@@ -22671,7 +22690,7 @@
             <a:pPr marL="889208" lvl="1" indent="-457200"/>
             <a:r>
               <a:rPr lang="en-US" sz="3300" dirty="0"/>
-              <a:t>SQL 2019 CU1 release January 7, 2020</a:t>
+              <a:t>SQL 2019 CU2 released Feb 13, 2020</a:t>
             </a:r>
           </a:p>
           <a:p>
@@ -24422,7 +24441,11 @@
             </a:r>
             <a:r>
               <a:rPr lang="en-US" sz="4000" b="1" dirty="0"/>
-              <a:t>Scalar UDF in-lining</a:t>
+              <a:t>Scalar UDF </a:t>
+            </a:r>
+            <a:r>
+              <a:rPr lang="en-US" sz="4000" b="1" dirty="0" err="1"/>
+              <a:t>inlining</a:t>
             </a:r>
             <a:endParaRPr lang="en-US" b="1" dirty="0"/>
           </a:p>
@@ -24443,7 +24466,7 @@
         <p:spPr>
           <a:xfrm>
             <a:off x="110985" y="1172633"/>
-            <a:ext cx="11128648" cy="5078313"/>
+            <a:ext cx="11128648" cy="4524315"/>
           </a:xfrm>
           <a:prstGeom prst="rect">
             <a:avLst/>
@@ -24455,13 +24478,27 @@
           </a:bodyPr>
           <a:lstStyle/>
           <a:p>
+            <a:r>
+              <a:rPr lang="en-US" sz="3600" i="1" dirty="0"/>
+              <a:t>	Developers now off the hook for some bad habits.</a:t>
+            </a:r>
+            <a:br>
+              <a:rPr lang="en-US" sz="3600" i="1" dirty="0"/>
+            </a:br>
+            <a:endParaRPr lang="en-US" sz="3600" i="1" dirty="0"/>
+          </a:p>
+          <a:p>
             <a:pPr marL="571500" indent="-571500">
               <a:buFont typeface="Arial" panose="020B0604020202020204" pitchFamily="34" charset="0"/>
               <a:buChar char="•"/>
             </a:pPr>
             <a:r>
-              <a:rPr lang="en-US" sz="3600" i="1" dirty="0"/>
-              <a:t>Developers now off the hook for some bad habits.</a:t>
+              <a:rPr lang="en-US" sz="3600" b="1" dirty="0"/>
+              <a:t>Will immediately, dramatically improve performance </a:t>
+            </a:r>
+            <a:r>
+              <a:rPr lang="en-US" sz="3600" dirty="0"/>
+              <a:t>where Scalar UDF’s are abused. Doesn’t help TVF’s.</a:t>
             </a:r>
           </a:p>
           <a:p>
@@ -24470,12 +24507,16 @@
               <a:buChar char="•"/>
             </a:pPr>
             <a:r>
-              <a:rPr lang="en-US" sz="3600" b="1" dirty="0"/>
-              <a:t>Will immediately, dramatically improve performance </a:t>
-            </a:r>
-            <a:r>
               <a:rPr lang="en-US" sz="3600" dirty="0"/>
-              <a:t>where Scalar UDF’s are abused. Doesn’t help TVF’s.</a:t>
+              <a:t>“Scalar UDF </a:t>
+            </a:r>
+            <a:r>
+              <a:rPr lang="en-US" sz="3600" dirty="0" err="1"/>
+              <a:t>Inlining</a:t>
+            </a:r>
+            <a:r>
+              <a:rPr lang="en-US" sz="3600" dirty="0"/>
+              <a:t>” automatically transforms inline-able UDFs into relational expressions. </a:t>
             </a:r>
           </a:p>
           <a:p>
@@ -24487,27 +24528,6 @@
               <a:rPr lang="en-US" sz="3600" dirty="0"/>
               <a:t>Prevents UDF's in the SELECT or ON part of queries from exploding query cost with RBAR.</a:t>
             </a:r>
-          </a:p>
-          <a:p>
-            <a:pPr marL="571500" indent="-571500">
-              <a:buFont typeface="Arial" panose="020B0604020202020204" pitchFamily="34" charset="0"/>
-              <a:buChar char="•"/>
-            </a:pPr>
-            <a:r>
-              <a:rPr lang="en-US" sz="3600" dirty="0"/>
-              <a:t>On by default with Compatibility Level 150 (SQL 2019), in all editions.</a:t>
-            </a:r>
-          </a:p>
-          <a:p>
-            <a:pPr marL="571500" indent="-571500">
-              <a:buFont typeface="Arial" panose="020B0604020202020204" pitchFamily="34" charset="0"/>
-              <a:buChar char="•"/>
-            </a:pPr>
-            <a:r>
-              <a:rPr lang="en-US" sz="3200" dirty="0"/>
-              <a:t>Another feature introduced in SQL 2017, Interleaved Execution can help with TVF’s.</a:t>
-            </a:r>
-            <a:endParaRPr lang="en-US" sz="1400" dirty="0"/>
           </a:p>
         </p:txBody>
       </p:sp>
@@ -24543,6 +24563,44 @@
       </p:grpSpPr>
       <p:sp>
         <p:nvSpPr>
+          <p:cNvPr id="4" name="Title 3"/>
+          <p:cNvSpPr>
+            <a:spLocks noGrp="1"/>
+          </p:cNvSpPr>
+          <p:nvPr>
+            <p:ph type="title" idx="4294967295"/>
+          </p:nvPr>
+        </p:nvSpPr>
+        <p:spPr>
+          <a:xfrm>
+            <a:off x="719138" y="360363"/>
+            <a:ext cx="10801350" cy="720725"/>
+          </a:xfrm>
+        </p:spPr>
+        <p:txBody>
+          <a:bodyPr>
+            <a:normAutofit/>
+          </a:bodyPr>
+          <a:lstStyle/>
+          <a:p>
+            <a:r>
+              <a:rPr lang="en-US" b="1" dirty="0"/>
+              <a:t>Performance Boost: </a:t>
+            </a:r>
+            <a:r>
+              <a:rPr lang="en-US" sz="4000" b="1" dirty="0"/>
+              <a:t>Scalar UDF </a:t>
+            </a:r>
+            <a:r>
+              <a:rPr lang="en-US" sz="4000" b="1" dirty="0" err="1"/>
+              <a:t>inlining</a:t>
+            </a:r>
+            <a:endParaRPr lang="en-US" b="1" dirty="0"/>
+          </a:p>
+        </p:txBody>
+      </p:sp>
+      <p:sp>
+        <p:nvSpPr>
           <p:cNvPr id="2" name="Rectangle 1">
             <a:extLst>
               <a:ext uri="{FF2B5EF4-FFF2-40B4-BE49-F238E27FC236}">
@@ -24556,7 +24614,7 @@
         <p:spPr>
           <a:xfrm>
             <a:off x="110985" y="1172633"/>
-            <a:ext cx="11128648" cy="4339650"/>
+            <a:ext cx="11128648" cy="3847207"/>
           </a:xfrm>
           <a:prstGeom prst="rect">
             <a:avLst/>
@@ -24574,7 +24632,7 @@
             </a:pPr>
             <a:r>
               <a:rPr lang="en-US" sz="3600" dirty="0"/>
-              <a:t>Improves plan quality, performance of table variables</a:t>
+              <a:t>On by default with Compatibility Level 150 (SQL 2019), in all editions.</a:t>
             </a:r>
           </a:p>
           <a:p>
@@ -24582,7 +24640,40 @@
               <a:buFont typeface="Arial" panose="020B0604020202020204" pitchFamily="34" charset="0"/>
               <a:buChar char="•"/>
             </a:pPr>
-            <a:endParaRPr lang="en-US" sz="3600" dirty="0"/>
+            <a:r>
+              <a:rPr lang="en-US" sz="3600" dirty="0"/>
+              <a:t>This can be disabled – there were “several” issues resolved in CU2, one still reported with nested UDF’s.</a:t>
+            </a:r>
+          </a:p>
+          <a:p>
+            <a:pPr lvl="1"/>
+            <a:r>
+              <a:rPr lang="en-US" sz="1200" dirty="0">
+                <a:hlinkClick r:id="rId2"/>
+              </a:rPr>
+              <a:t>https://support.microsoft.com/en-us/help/4538581/fix-scalar-udf-inlining-issues-in-sql-server-2019</a:t>
+            </a:r>
+            <a:endParaRPr lang="en-US" sz="1200" dirty="0"/>
+          </a:p>
+          <a:p>
+            <a:pPr lvl="1"/>
+            <a:r>
+              <a:rPr lang="en-US" sz="1200" dirty="0">
+                <a:hlinkClick r:id="rId3"/>
+              </a:rPr>
+              <a:t>https://twitter.com/tarynpivots/status</a:t>
+            </a:r>
+            <a:r>
+              <a:rPr lang="en-US" sz="1200">
+                <a:hlinkClick r:id="rId3"/>
+              </a:rPr>
+              <a:t>/1228334842300882944</a:t>
+            </a:r>
+            <a:endParaRPr lang="en-US" sz="1200"/>
+          </a:p>
+          <a:p>
+            <a:pPr lvl="1"/>
+            <a:endParaRPr lang="en-US" sz="1200" dirty="0"/>
           </a:p>
           <a:p>
             <a:pPr marL="571500" indent="-571500">
@@ -24590,134 +24681,17 @@
               <a:buChar char="•"/>
             </a:pPr>
             <a:r>
-              <a:rPr lang="en-US" sz="3600" dirty="0"/>
-              <a:t>Biggest difference from Temp Tables: Table variables still lack column statistics.</a:t>
-            </a:r>
-          </a:p>
-          <a:p>
-            <a:pPr marL="571500" indent="-571500">
-              <a:buFont typeface="Arial" panose="020B0604020202020204" pitchFamily="34" charset="0"/>
-              <a:buChar char="•"/>
-            </a:pPr>
-            <a:r>
-              <a:rPr lang="en-US" sz="3600" dirty="0"/>
-              <a:t>On by default with </a:t>
-            </a:r>
-            <a:r>
-              <a:rPr lang="en-US" sz="3600" dirty="0" err="1"/>
-              <a:t>compat</a:t>
-            </a:r>
-            <a:r>
-              <a:rPr lang="en-US" sz="3600" dirty="0"/>
-              <a:t> level 150.</a:t>
-            </a:r>
-          </a:p>
-          <a:p>
-            <a:pPr marL="571500" indent="-571500">
-              <a:buFont typeface="Arial" panose="020B0604020202020204" pitchFamily="34" charset="0"/>
-              <a:buChar char="•"/>
-            </a:pPr>
-            <a:endParaRPr lang="en-US" sz="1600" dirty="0"/>
-          </a:p>
-          <a:p>
-            <a:pPr marL="571500" indent="-571500">
-              <a:buFont typeface="Arial" panose="020B0604020202020204" pitchFamily="34" charset="0"/>
-              <a:buChar char="•"/>
-            </a:pPr>
-            <a:endParaRPr lang="en-US" sz="1600" dirty="0">
-              <a:hlinkClick r:id="rId2"/>
-            </a:endParaRPr>
-          </a:p>
-          <a:p>
-            <a:pPr marL="571500" indent="-571500">
-              <a:buFont typeface="Arial" panose="020B0604020202020204" pitchFamily="34" charset="0"/>
-              <a:buChar char="•"/>
-            </a:pPr>
-            <a:endParaRPr lang="en-US" sz="1600" dirty="0">
-              <a:hlinkClick r:id="rId2"/>
-            </a:endParaRPr>
-          </a:p>
-          <a:p>
-            <a:pPr marL="571500" indent="-571500">
-              <a:buFont typeface="Arial" panose="020B0604020202020204" pitchFamily="34" charset="0"/>
-              <a:buChar char="•"/>
-            </a:pPr>
-            <a:r>
-              <a:rPr lang="en-US" sz="1600" dirty="0">
-                <a:hlinkClick r:id="rId2"/>
-              </a:rPr>
-              <a:t>https://blogs.msdn.microsoft.com/sqlserverstorageengine/2018/07/16/public-preview-of-table-variable-deferred-compilation-in-azure-sql-database/</a:t>
-            </a:r>
-            <a:endParaRPr lang="en-US" sz="1600" dirty="0"/>
-          </a:p>
-          <a:p>
-            <a:pPr marL="571500" indent="-571500">
-              <a:buFont typeface="Arial" panose="020B0604020202020204" pitchFamily="34" charset="0"/>
-              <a:buChar char="•"/>
-            </a:pPr>
-            <a:endParaRPr lang="en-US" sz="1600" dirty="0"/>
-          </a:p>
-        </p:txBody>
-      </p:sp>
-      <p:sp>
-        <p:nvSpPr>
-          <p:cNvPr id="5" name="Title 3">
-            <a:extLst>
-              <a:ext uri="{FF2B5EF4-FFF2-40B4-BE49-F238E27FC236}">
-                <a16:creationId xmlns:a16="http://schemas.microsoft.com/office/drawing/2014/main" id="{F9E68D72-7E6F-4867-B835-93B9B113E7E2}"/>
-              </a:ext>
-            </a:extLst>
-          </p:cNvPr>
-          <p:cNvSpPr txBox="1">
-            <a:spLocks/>
-          </p:cNvSpPr>
-          <p:nvPr/>
-        </p:nvSpPr>
-        <p:spPr>
-          <a:xfrm>
-            <a:off x="719138" y="360363"/>
-            <a:ext cx="10801350" cy="720725"/>
-          </a:xfrm>
-          <a:prstGeom prst="rect">
-            <a:avLst/>
-          </a:prstGeom>
-        </p:spPr>
-        <p:txBody>
-          <a:bodyPr vert="horz" lIns="91440" tIns="45720" rIns="91440" bIns="45720" rtlCol="0" anchor="ctr">
-            <a:noAutofit/>
-          </a:bodyPr>
-          <a:lstStyle>
-            <a:lvl1pPr algn="l" defTabSz="864017" rtl="0" eaLnBrk="1" latinLnBrk="0" hangingPunct="1">
-              <a:lnSpc>
-                <a:spcPct val="90000"/>
-              </a:lnSpc>
-              <a:spcBef>
-                <a:spcPct val="0"/>
-              </a:spcBef>
-              <a:buNone/>
-              <a:defRPr sz="3780" b="0" kern="1200">
-                <a:solidFill>
-                  <a:schemeClr val="tx1"/>
-                </a:solidFill>
-                <a:latin typeface="+mn-lt"/>
-                <a:ea typeface="+mj-ea"/>
-                <a:cs typeface="+mj-cs"/>
-              </a:defRPr>
-            </a:lvl1pPr>
-          </a:lstStyle>
-          <a:p>
-            <a:r>
-              <a:rPr lang="en-US" sz="3600" b="1"/>
-              <a:t>Performance Boost: Table variable deferred compilation</a:t>
-            </a:r>
-            <a:endParaRPr lang="en-US" sz="3600" b="1" dirty="0"/>
+              <a:rPr lang="en-US" sz="3200" dirty="0"/>
+              <a:t>Another feature introduced in SQL 2017, Interleaved Execution can help with TVF’s.</a:t>
+            </a:r>
+            <a:endParaRPr lang="en-US" sz="1400" dirty="0"/>
           </a:p>
         </p:txBody>
       </p:sp>
     </p:spTree>
     <p:extLst>
       <p:ext uri="{BB962C8B-B14F-4D97-AF65-F5344CB8AC3E}">
-        <p14:creationId xmlns:p14="http://schemas.microsoft.com/office/powerpoint/2010/main" val="3129846281"/>
+        <p14:creationId xmlns:p14="http://schemas.microsoft.com/office/powerpoint/2010/main" val="172816241"/>
       </p:ext>
     </p:extLst>
   </p:cSld>
@@ -24746,35 +24720,6 @@
       </p:grpSpPr>
       <p:sp>
         <p:nvSpPr>
-          <p:cNvPr id="4" name="Title 3"/>
-          <p:cNvSpPr>
-            <a:spLocks noGrp="1"/>
-          </p:cNvSpPr>
-          <p:nvPr>
-            <p:ph type="title" idx="4294967295"/>
-          </p:nvPr>
-        </p:nvSpPr>
-        <p:spPr>
-          <a:xfrm>
-            <a:off x="719138" y="360363"/>
-            <a:ext cx="10801350" cy="720725"/>
-          </a:xfrm>
-        </p:spPr>
-        <p:txBody>
-          <a:bodyPr>
-            <a:noAutofit/>
-          </a:bodyPr>
-          <a:lstStyle/>
-          <a:p>
-            <a:r>
-              <a:rPr lang="en-US" sz="3600" b="1" dirty="0"/>
-              <a:t>Performance Boost: Table variable deferred compilation</a:t>
-            </a:r>
-          </a:p>
-        </p:txBody>
-      </p:sp>
-      <p:sp>
-        <p:nvSpPr>
           <p:cNvPr id="2" name="Rectangle 1">
             <a:extLst>
               <a:ext uri="{FF2B5EF4-FFF2-40B4-BE49-F238E27FC236}">
@@ -24788,7 +24733,7 @@
         <p:spPr>
           <a:xfrm>
             <a:off x="110985" y="1172633"/>
-            <a:ext cx="11128648" cy="4401205"/>
+            <a:ext cx="11128648" cy="4339650"/>
           </a:xfrm>
           <a:prstGeom prst="rect">
             <a:avLst/>
@@ -24805,53 +24750,8 @@
               <a:buChar char="•"/>
             </a:pPr>
             <a:r>
-              <a:rPr lang="en-US" sz="3200" b="1" dirty="0"/>
-              <a:t>Existing behavior: </a:t>
-            </a:r>
-            <a:r>
-              <a:rPr lang="en-US" sz="3200" dirty="0"/>
-              <a:t>Table variables are compiled along with all other statements, cannot know the actual row count at time of execution, so a fixed guess </a:t>
-            </a:r>
-            <a:r>
-              <a:rPr lang="en-US" sz="3200" b="1" dirty="0"/>
-              <a:t>of one row </a:t>
-            </a:r>
-            <a:r>
-              <a:rPr lang="en-US" sz="3200" dirty="0"/>
-              <a:t>is used.  </a:t>
-            </a:r>
-          </a:p>
-          <a:p>
-            <a:pPr marL="1028700" lvl="1" indent="-571500">
-              <a:buFont typeface="Arial" panose="020B0604020202020204" pitchFamily="34" charset="0"/>
-              <a:buChar char="•"/>
-            </a:pPr>
-            <a:r>
-              <a:rPr lang="en-US" sz="2800" dirty="0"/>
-              <a:t>This is why table variables are only good for very small </a:t>
-            </a:r>
-            <a:r>
-              <a:rPr lang="en-US" sz="2800" dirty="0" err="1"/>
-              <a:t>rowcounts</a:t>
-            </a:r>
-            <a:endParaRPr lang="en-US" sz="2800" dirty="0"/>
-          </a:p>
-          <a:p>
-            <a:pPr marL="1028700" lvl="1" indent="-571500">
-              <a:buFont typeface="Arial" panose="020B0604020202020204" pitchFamily="34" charset="0"/>
-              <a:buChar char="•"/>
-            </a:pPr>
-            <a:r>
-              <a:rPr lang="en-US" sz="2800" dirty="0"/>
-              <a:t>Underestimation of </a:t>
-            </a:r>
-            <a:r>
-              <a:rPr lang="en-US" sz="2800" dirty="0" err="1"/>
-              <a:t>rowcount</a:t>
-            </a:r>
-            <a:r>
-              <a:rPr lang="en-US" sz="2800" dirty="0"/>
-              <a:t> caused poor performance</a:t>
+              <a:rPr lang="en-US" sz="3600" dirty="0"/>
+              <a:t>Improves plan quality, performance of table variables</a:t>
             </a:r>
           </a:p>
           <a:p>
@@ -24859,42 +24759,142 @@
               <a:buFont typeface="Arial" panose="020B0604020202020204" pitchFamily="34" charset="0"/>
               <a:buChar char="•"/>
             </a:pPr>
-            <a:r>
-              <a:rPr lang="en-US" sz="3200" b="1" dirty="0"/>
-              <a:t>In SQL 2019: </a:t>
-            </a:r>
-            <a:r>
-              <a:rPr lang="en-US" sz="3200" dirty="0"/>
-              <a:t>compilation behavior matches that of temp tables, and results in the actual </a:t>
-            </a:r>
-            <a:r>
-              <a:rPr lang="en-US" sz="3200" dirty="0" err="1"/>
-              <a:t>rowcount</a:t>
-            </a:r>
-            <a:r>
-              <a:rPr lang="en-US" sz="3200" dirty="0"/>
-              <a:t> being used in the plan, much better plans. </a:t>
-            </a:r>
-            <a:r>
-              <a:rPr lang="en-US" sz="3200" i="1" dirty="0"/>
-              <a:t>No change if you’re already using Table vars appropriately (for very small </a:t>
-            </a:r>
-            <a:r>
-              <a:rPr lang="en-US" sz="3200" i="1" dirty="0" err="1"/>
-              <a:t>rowcounts</a:t>
-            </a:r>
-            <a:r>
-              <a:rPr lang="en-US" sz="3200" i="1" dirty="0"/>
-              <a:t> only).</a:t>
-            </a:r>
-            <a:endParaRPr lang="en-US" sz="1600" i="1" dirty="0"/>
+            <a:endParaRPr lang="en-US" sz="3600" dirty="0"/>
+          </a:p>
+          <a:p>
+            <a:pPr marL="571500" indent="-571500">
+              <a:buFont typeface="Arial" panose="020B0604020202020204" pitchFamily="34" charset="0"/>
+              <a:buChar char="•"/>
+            </a:pPr>
+            <a:r>
+              <a:rPr lang="en-US" sz="3600" dirty="0"/>
+              <a:t>Biggest difference from Temp Tables: Table variables still lack column statistics.</a:t>
+            </a:r>
+          </a:p>
+          <a:p>
+            <a:pPr marL="571500" indent="-571500">
+              <a:buFont typeface="Arial" panose="020B0604020202020204" pitchFamily="34" charset="0"/>
+              <a:buChar char="•"/>
+            </a:pPr>
+            <a:r>
+              <a:rPr lang="en-US" sz="3600" dirty="0"/>
+              <a:t>On by default with </a:t>
+            </a:r>
+            <a:r>
+              <a:rPr lang="en-US" sz="3600" dirty="0" err="1"/>
+              <a:t>compat</a:t>
+            </a:r>
+            <a:r>
+              <a:rPr lang="en-US" sz="3600" dirty="0"/>
+              <a:t> level 150.</a:t>
+            </a:r>
+          </a:p>
+          <a:p>
+            <a:pPr marL="571500" indent="-571500">
+              <a:buFont typeface="Arial" panose="020B0604020202020204" pitchFamily="34" charset="0"/>
+              <a:buChar char="•"/>
+            </a:pPr>
+            <a:endParaRPr lang="en-US" sz="1600" dirty="0"/>
+          </a:p>
+          <a:p>
+            <a:pPr marL="571500" indent="-571500">
+              <a:buFont typeface="Arial" panose="020B0604020202020204" pitchFamily="34" charset="0"/>
+              <a:buChar char="•"/>
+            </a:pPr>
+            <a:endParaRPr lang="en-US" sz="1600" dirty="0">
+              <a:hlinkClick r:id="rId2"/>
+            </a:endParaRPr>
+          </a:p>
+          <a:p>
+            <a:pPr marL="571500" indent="-571500">
+              <a:buFont typeface="Arial" panose="020B0604020202020204" pitchFamily="34" charset="0"/>
+              <a:buChar char="•"/>
+            </a:pPr>
+            <a:endParaRPr lang="en-US" sz="1600" dirty="0">
+              <a:hlinkClick r:id="rId2"/>
+            </a:endParaRPr>
+          </a:p>
+          <a:p>
+            <a:pPr marL="571500" indent="-571500">
+              <a:buFont typeface="Arial" panose="020B0604020202020204" pitchFamily="34" charset="0"/>
+              <a:buChar char="•"/>
+            </a:pPr>
+            <a:r>
+              <a:rPr lang="en-US" sz="1600" dirty="0">
+                <a:hlinkClick r:id="rId2"/>
+              </a:rPr>
+              <a:t>https://blogs.msdn.microsoft.com/sqlserverstorageengine/2018/07/16/public-preview-of-table-variable-deferred-compilation-in-azure-sql-database/</a:t>
+            </a:r>
+            <a:endParaRPr lang="en-US" sz="1600" dirty="0"/>
+          </a:p>
+          <a:p>
+            <a:pPr marL="571500" indent="-571500">
+              <a:buFont typeface="Arial" panose="020B0604020202020204" pitchFamily="34" charset="0"/>
+              <a:buChar char="•"/>
+            </a:pPr>
+            <a:endParaRPr lang="en-US" sz="1600" dirty="0"/>
+          </a:p>
+        </p:txBody>
+      </p:sp>
+      <p:sp>
+        <p:nvSpPr>
+          <p:cNvPr id="5" name="Title 3">
+            <a:extLst>
+              <a:ext uri="{FF2B5EF4-FFF2-40B4-BE49-F238E27FC236}">
+                <a16:creationId xmlns:a16="http://schemas.microsoft.com/office/drawing/2014/main" id="{F9E68D72-7E6F-4867-B835-93B9B113E7E2}"/>
+              </a:ext>
+            </a:extLst>
+          </p:cNvPr>
+          <p:cNvSpPr txBox="1">
+            <a:spLocks/>
+          </p:cNvSpPr>
+          <p:nvPr/>
+        </p:nvSpPr>
+        <p:spPr>
+          <a:xfrm>
+            <a:off x="719138" y="360363"/>
+            <a:ext cx="10801350" cy="720725"/>
+          </a:xfrm>
+          <a:prstGeom prst="rect">
+            <a:avLst/>
+          </a:prstGeom>
+        </p:spPr>
+        <p:txBody>
+          <a:bodyPr vert="horz" lIns="91440" tIns="45720" rIns="91440" bIns="45720" rtlCol="0" anchor="ctr">
+            <a:noAutofit/>
+          </a:bodyPr>
+          <a:lstStyle>
+            <a:lvl1pPr algn="l" defTabSz="864017" rtl="0" eaLnBrk="1" latinLnBrk="0" hangingPunct="1">
+              <a:lnSpc>
+                <a:spcPct val="90000"/>
+              </a:lnSpc>
+              <a:spcBef>
+                <a:spcPct val="0"/>
+              </a:spcBef>
+              <a:buNone/>
+              <a:defRPr sz="3780" b="0" kern="1200">
+                <a:solidFill>
+                  <a:schemeClr val="tx1"/>
+                </a:solidFill>
+                <a:latin typeface="+mn-lt"/>
+                <a:ea typeface="+mj-ea"/>
+                <a:cs typeface="+mj-cs"/>
+              </a:defRPr>
+            </a:lvl1pPr>
+          </a:lstStyle>
+          <a:p>
+            <a:r>
+              <a:rPr lang="en-US" sz="3600" b="1"/>
+              <a:t>Performance Boost: Table variable deferred compilation</a:t>
+            </a:r>
+            <a:endParaRPr lang="en-US" sz="3600" b="1" dirty="0"/>
           </a:p>
         </p:txBody>
       </p:sp>
     </p:spTree>
     <p:extLst>
       <p:ext uri="{BB962C8B-B14F-4D97-AF65-F5344CB8AC3E}">
-        <p14:creationId xmlns:p14="http://schemas.microsoft.com/office/powerpoint/2010/main" val="1128674684"/>
+        <p14:creationId xmlns:p14="http://schemas.microsoft.com/office/powerpoint/2010/main" val="3129846281"/>
       </p:ext>
     </p:extLst>
   </p:cSld>
@@ -25270,34 +25270,29 @@
         </p:nvSpPr>
         <p:spPr>
           <a:xfrm>
-            <a:off x="719138" y="256669"/>
+            <a:off x="719138" y="360363"/>
             <a:ext cx="10801350" cy="720725"/>
           </a:xfrm>
         </p:spPr>
         <p:txBody>
           <a:bodyPr>
-            <a:normAutofit fontScale="90000"/>
+            <a:noAutofit/>
           </a:bodyPr>
           <a:lstStyle/>
           <a:p>
-            <a:pPr>
-              <a:lnSpc>
-                <a:spcPct val="150000"/>
-              </a:lnSpc>
-            </a:pPr>
-            <a:r>
-              <a:rPr lang="en-US" sz="4000" b="1" dirty="0"/>
-              <a:t>More Specific string truncation error messages </a:t>
-            </a:r>
-          </a:p>
-        </p:txBody>
-      </p:sp>
-      <p:sp>
-        <p:nvSpPr>
-          <p:cNvPr id="6" name="Rectangle 5">
+            <a:r>
+              <a:rPr lang="en-US" sz="3600" b="1" dirty="0"/>
+              <a:t>Performance Boost: Table variable deferred compilation</a:t>
+            </a:r>
+          </a:p>
+        </p:txBody>
+      </p:sp>
+      <p:sp>
+        <p:nvSpPr>
+          <p:cNvPr id="2" name="Rectangle 1">
             <a:extLst>
               <a:ext uri="{FF2B5EF4-FFF2-40B4-BE49-F238E27FC236}">
-                <a16:creationId xmlns:a16="http://schemas.microsoft.com/office/drawing/2014/main" id="{9FD716AD-0B4D-4E8B-A3D8-87DF012EBF35}"/>
+                <a16:creationId xmlns:a16="http://schemas.microsoft.com/office/drawing/2014/main" id="{3A456A49-D9F1-4953-8152-0834928543C1}"/>
               </a:ext>
             </a:extLst>
           </p:cNvPr>
@@ -25306,8 +25301,8 @@
         </p:nvSpPr>
         <p:spPr>
           <a:xfrm>
-            <a:off x="7289" y="1172633"/>
-            <a:ext cx="11653667" cy="4832092"/>
+            <a:off x="110985" y="1172633"/>
+            <a:ext cx="11128648" cy="4401205"/>
           </a:xfrm>
           <a:prstGeom prst="rect">
             <a:avLst/>
@@ -25319,206 +25314,101 @@
           </a:bodyPr>
           <a:lstStyle/>
           <a:p>
-            <a:pPr marL="457200" indent="-457200">
+            <a:pPr marL="571500" indent="-571500">
               <a:buFont typeface="Arial" panose="020B0604020202020204" pitchFamily="34" charset="0"/>
               <a:buChar char="•"/>
             </a:pPr>
             <a:r>
-              <a:rPr lang="en-US" sz="3000" dirty="0"/>
-              <a:t>Introduced in </a:t>
-            </a:r>
-            <a:r>
-              <a:rPr lang="en-US" sz="3000" b="1" dirty="0"/>
-              <a:t>SQL 2019</a:t>
-            </a:r>
-            <a:r>
-              <a:rPr lang="en-US" sz="3000" dirty="0"/>
-              <a:t>. With </a:t>
-            </a:r>
-            <a:r>
-              <a:rPr lang="en-US" sz="3000" b="1" dirty="0"/>
-              <a:t>SQL 2017 CU12 </a:t>
-            </a:r>
-            <a:r>
-              <a:rPr lang="en-US" sz="3000" dirty="0"/>
-              <a:t>and </a:t>
-            </a:r>
-            <a:r>
-              <a:rPr lang="en-US" sz="3000" b="1" dirty="0"/>
-              <a:t>SQL 2016 SP2 CU6 </a:t>
-            </a:r>
-            <a:r>
-              <a:rPr lang="en-US" sz="3000" dirty="0"/>
-              <a:t>this can be enabled with trace flag 460 (recommended!) </a:t>
-            </a:r>
-            <a:endParaRPr lang="en-US" sz="1200" dirty="0"/>
-          </a:p>
-          <a:p>
-            <a:r>
-              <a:rPr lang="en-US" sz="2800" dirty="0"/>
-              <a:t>Old: </a:t>
-            </a:r>
-          </a:p>
-          <a:p>
-            <a:r>
-              <a:rPr lang="en-US" sz="1600" dirty="0">
-                <a:solidFill>
-                  <a:srgbClr val="FF0000"/>
-                </a:solidFill>
-                <a:latin typeface="Consolas" panose="020B0609020204030204" pitchFamily="49" charset="0"/>
-              </a:rPr>
-              <a:t>Msg 2628, Level 16, State 1, Line 10</a:t>
-            </a:r>
-          </a:p>
-          <a:p>
-            <a:r>
-              <a:rPr lang="en-US" sz="1600" dirty="0">
-                <a:solidFill>
-                  <a:srgbClr val="FF0000"/>
-                </a:solidFill>
-                <a:latin typeface="Consolas" panose="020B0609020204030204" pitchFamily="49" charset="0"/>
-              </a:rPr>
-              <a:t>String or binary data would be truncated.</a:t>
-            </a:r>
-          </a:p>
-          <a:p>
-            <a:r>
-              <a:rPr lang="en-US" sz="1600" dirty="0">
-                <a:latin typeface="Consolas" panose="020B0609020204030204" pitchFamily="49" charset="0"/>
-              </a:rPr>
-              <a:t>The statement has been terminated.</a:t>
-            </a:r>
-          </a:p>
-          <a:p>
-            <a:endParaRPr lang="en-US" sz="1600" dirty="0">
-              <a:latin typeface="Consolas" panose="020B0609020204030204" pitchFamily="49" charset="0"/>
-            </a:endParaRPr>
-          </a:p>
-          <a:p>
-            <a:r>
-              <a:rPr lang="en-US" sz="2800" dirty="0"/>
-              <a:t>New:</a:t>
-            </a:r>
-            <a:br>
-              <a:rPr lang="en-US" sz="2800" dirty="0"/>
-            </a:br>
-            <a:r>
-              <a:rPr lang="en-US" sz="1600" dirty="0">
-                <a:solidFill>
-                  <a:srgbClr val="FF0000"/>
-                </a:solidFill>
-                <a:latin typeface="Consolas" panose="020B0609020204030204" pitchFamily="49" charset="0"/>
-              </a:rPr>
-              <a:t>Msg 2628, Level 16, State 1, Line 37</a:t>
-            </a:r>
-          </a:p>
-          <a:p>
-            <a:r>
-              <a:rPr lang="en-US" sz="1600" dirty="0">
-                <a:solidFill>
-                  <a:srgbClr val="FF0000"/>
-                </a:solidFill>
-                <a:latin typeface="Consolas" panose="020B0609020204030204" pitchFamily="49" charset="0"/>
-              </a:rPr>
-              <a:t>String or binary data would be truncated in table '</a:t>
-            </a:r>
-            <a:r>
-              <a:rPr lang="en-US" sz="1600" dirty="0" err="1">
-                <a:solidFill>
-                  <a:srgbClr val="FF0000"/>
-                </a:solidFill>
-                <a:latin typeface="Consolas" panose="020B0609020204030204" pitchFamily="49" charset="0"/>
-              </a:rPr>
-              <a:t>tempdb.dbo.string_truncation_test</a:t>
-            </a:r>
-            <a:r>
-              <a:rPr lang="en-US" sz="1600" dirty="0">
-                <a:solidFill>
-                  <a:srgbClr val="FF0000"/>
-                </a:solidFill>
-                <a:latin typeface="Consolas" panose="020B0609020204030204" pitchFamily="49" charset="0"/>
-              </a:rPr>
-              <a:t>', column 'chars'. </a:t>
-            </a:r>
-          </a:p>
-          <a:p>
-            <a:r>
-              <a:rPr lang="en-US" sz="1600" dirty="0">
-                <a:solidFill>
-                  <a:srgbClr val="FF0000"/>
-                </a:solidFill>
-                <a:latin typeface="Consolas" panose="020B0609020204030204" pitchFamily="49" charset="0"/>
-              </a:rPr>
-              <a:t>Truncated value: 'aaaaaaaaaaaaaaaaaaaaaaaaaaaaaaaaaaaaaaaaaaaaaaaaaaaaaaaaaaaaaaaaaaaaaaaaaaaaaaaaaaaa</a:t>
-            </a:r>
-            <a:br>
-              <a:rPr lang="en-US" sz="1600" dirty="0">
-                <a:solidFill>
-                  <a:srgbClr val="FF0000"/>
-                </a:solidFill>
-                <a:latin typeface="Consolas" panose="020B0609020204030204" pitchFamily="49" charset="0"/>
-              </a:rPr>
-            </a:br>
-            <a:r>
-              <a:rPr lang="en-US" sz="1600" dirty="0" err="1">
-                <a:solidFill>
-                  <a:srgbClr val="FF0000"/>
-                </a:solidFill>
-                <a:latin typeface="Consolas" panose="020B0609020204030204" pitchFamily="49" charset="0"/>
-              </a:rPr>
-              <a:t>aaaaaaaaaaaaaaaa</a:t>
-            </a:r>
-            <a:r>
-              <a:rPr lang="en-US" sz="1600" dirty="0">
-                <a:solidFill>
-                  <a:srgbClr val="FF0000"/>
-                </a:solidFill>
-                <a:latin typeface="Consolas" panose="020B0609020204030204" pitchFamily="49" charset="0"/>
-              </a:rPr>
-              <a:t>'.</a:t>
-            </a:r>
-          </a:p>
-          <a:p>
-            <a:r>
-              <a:rPr lang="en-US" sz="1600" dirty="0">
-                <a:latin typeface="Consolas" panose="020B0609020204030204" pitchFamily="49" charset="0"/>
-              </a:rPr>
-              <a:t>The statement has been terminated.</a:t>
-            </a:r>
-            <a:br>
-              <a:rPr lang="en-US" dirty="0">
-                <a:latin typeface="Consolas" panose="020B0609020204030204" pitchFamily="49" charset="0"/>
-              </a:rPr>
-            </a:br>
-            <a:endParaRPr lang="en-US" dirty="0">
-              <a:latin typeface="Consolas" panose="020B0609020204030204" pitchFamily="49" charset="0"/>
-            </a:endParaRPr>
-          </a:p>
-          <a:p>
-            <a:pPr marL="285750" indent="-285750">
+              <a:rPr lang="en-US" sz="3200" b="1" dirty="0"/>
+              <a:t>Existing behavior: </a:t>
+            </a:r>
+            <a:r>
+              <a:rPr lang="en-US" sz="3200" dirty="0"/>
+              <a:t>Table variables are compiled along with all other statements, cannot know the actual row count at time of execution, so a fixed guess </a:t>
+            </a:r>
+            <a:r>
+              <a:rPr lang="en-US" sz="3200" b="1" dirty="0"/>
+              <a:t>of one row </a:t>
+            </a:r>
+            <a:r>
+              <a:rPr lang="en-US" sz="3200" dirty="0"/>
+              <a:t>is used.  </a:t>
+            </a:r>
+          </a:p>
+          <a:p>
+            <a:pPr marL="1028700" lvl="1" indent="-571500">
               <a:buFont typeface="Arial" panose="020B0604020202020204" pitchFamily="34" charset="0"/>
               <a:buChar char="•"/>
             </a:pPr>
             <a:r>
-              <a:rPr lang="en-US" sz="1600" dirty="0"/>
-              <a:t>Lab - toolbox\lab - string truncation error message improvement in SQL 2019.sql</a:t>
-            </a:r>
-          </a:p>
-          <a:p>
-            <a:r>
-              <a:rPr lang="en-US" sz="1200" dirty="0">
-                <a:hlinkClick r:id="rId2"/>
-              </a:rPr>
-              <a:t>https://support.microsoft.com/en-us/help/4468101/optional-replacement-for-string-or-binary-data-would-be-truncated</a:t>
-            </a:r>
-            <a:endParaRPr lang="en-US" sz="1200" dirty="0"/>
+              <a:rPr lang="en-US" sz="2800" dirty="0"/>
+              <a:t>This is why table variables are only good for very small </a:t>
+            </a:r>
+            <a:r>
+              <a:rPr lang="en-US" sz="2800" dirty="0" err="1"/>
+              <a:t>rowcounts</a:t>
+            </a:r>
+            <a:endParaRPr lang="en-US" sz="2800" dirty="0"/>
+          </a:p>
+          <a:p>
+            <a:pPr marL="1028700" lvl="1" indent="-571500">
+              <a:buFont typeface="Arial" panose="020B0604020202020204" pitchFamily="34" charset="0"/>
+              <a:buChar char="•"/>
+            </a:pPr>
+            <a:r>
+              <a:rPr lang="en-US" sz="2800" dirty="0"/>
+              <a:t>Underestimation of </a:t>
+            </a:r>
+            <a:r>
+              <a:rPr lang="en-US" sz="2800" dirty="0" err="1"/>
+              <a:t>rowcount</a:t>
+            </a:r>
+            <a:r>
+              <a:rPr lang="en-US" sz="2800" dirty="0"/>
+              <a:t> caused poor performance</a:t>
+            </a:r>
+          </a:p>
+          <a:p>
+            <a:pPr marL="571500" indent="-571500">
+              <a:buFont typeface="Arial" panose="020B0604020202020204" pitchFamily="34" charset="0"/>
+              <a:buChar char="•"/>
+            </a:pPr>
+            <a:r>
+              <a:rPr lang="en-US" sz="3200" b="1" dirty="0"/>
+              <a:t>In SQL 2019: </a:t>
+            </a:r>
+            <a:r>
+              <a:rPr lang="en-US" sz="3200" dirty="0"/>
+              <a:t>compilation behavior matches that of temp tables, and results in the actual </a:t>
+            </a:r>
+            <a:r>
+              <a:rPr lang="en-US" sz="3200" dirty="0" err="1"/>
+              <a:t>rowcount</a:t>
+            </a:r>
+            <a:r>
+              <a:rPr lang="en-US" sz="3200" dirty="0"/>
+              <a:t> being used in the plan, much better plans. </a:t>
+            </a:r>
+            <a:r>
+              <a:rPr lang="en-US" sz="3200" i="1" dirty="0"/>
+              <a:t>No change if you’re already using Table vars appropriately (for very small </a:t>
+            </a:r>
+            <a:r>
+              <a:rPr lang="en-US" sz="3200" i="1" dirty="0" err="1"/>
+              <a:t>rowcounts</a:t>
+            </a:r>
+            <a:r>
+              <a:rPr lang="en-US" sz="3200" i="1" dirty="0"/>
+              <a:t> only).</a:t>
+            </a:r>
+            <a:endParaRPr lang="en-US" sz="1600" i="1" dirty="0"/>
           </a:p>
         </p:txBody>
       </p:sp>
     </p:spTree>
     <p:extLst>
       <p:ext uri="{BB962C8B-B14F-4D97-AF65-F5344CB8AC3E}">
-        <p14:creationId xmlns:p14="http://schemas.microsoft.com/office/powerpoint/2010/main" val="1313392188"/>
+        <p14:creationId xmlns:p14="http://schemas.microsoft.com/office/powerpoint/2010/main" val="1128674684"/>
       </p:ext>
     </p:extLst>
   </p:cSld>
@@ -25557,7 +25447,7 @@
         </p:nvSpPr>
         <p:spPr>
           <a:xfrm>
-            <a:off x="719138" y="360363"/>
+            <a:off x="719138" y="256669"/>
             <a:ext cx="10801350" cy="720725"/>
           </a:xfrm>
         </p:spPr>
@@ -25574,17 +25464,17 @@
             </a:pPr>
             <a:r>
               <a:rPr lang="en-US" sz="4000" b="1" dirty="0"/>
-              <a:t>New Data Classification Schema</a:t>
-            </a:r>
-          </a:p>
-        </p:txBody>
-      </p:sp>
-      <p:sp>
-        <p:nvSpPr>
-          <p:cNvPr id="3" name="Rectangle 2">
+              <a:t>More Specific string truncation error messages </a:t>
+            </a:r>
+          </a:p>
+        </p:txBody>
+      </p:sp>
+      <p:sp>
+        <p:nvSpPr>
+          <p:cNvPr id="6" name="Rectangle 5">
             <a:extLst>
               <a:ext uri="{FF2B5EF4-FFF2-40B4-BE49-F238E27FC236}">
-                <a16:creationId xmlns:a16="http://schemas.microsoft.com/office/drawing/2014/main" id="{5FE92851-6189-408B-832C-D2FB84FA89B1}"/>
+                <a16:creationId xmlns:a16="http://schemas.microsoft.com/office/drawing/2014/main" id="{9FD716AD-0B4D-4E8B-A3D8-87DF012EBF35}"/>
               </a:ext>
             </a:extLst>
           </p:cNvPr>
@@ -25593,8 +25483,8 @@
         </p:nvSpPr>
         <p:spPr>
           <a:xfrm>
-            <a:off x="110985" y="1172633"/>
-            <a:ext cx="11128648" cy="4216539"/>
+            <a:off x="7289" y="1172633"/>
+            <a:ext cx="11653667" cy="4832092"/>
           </a:xfrm>
           <a:prstGeom prst="rect">
             <a:avLst/>
@@ -25606,79 +25496,206 @@
           </a:bodyPr>
           <a:lstStyle/>
           <a:p>
-            <a:pPr marL="571500" indent="-571500">
+            <a:pPr marL="457200" indent="-457200">
               <a:buFont typeface="Arial" panose="020B0604020202020204" pitchFamily="34" charset="0"/>
               <a:buChar char="•"/>
             </a:pPr>
             <a:r>
-              <a:rPr lang="en-US" sz="3600" dirty="0"/>
-              <a:t>Before SQL 2019, Data Classification feature used database extended properties to store this data.</a:t>
-            </a:r>
-          </a:p>
-          <a:p>
-            <a:pPr marL="571500" indent="-571500">
+              <a:rPr lang="en-US" sz="3000" dirty="0"/>
+              <a:t>Introduced in </a:t>
+            </a:r>
+            <a:r>
+              <a:rPr lang="en-US" sz="3000" b="1" dirty="0"/>
+              <a:t>SQL 2019</a:t>
+            </a:r>
+            <a:r>
+              <a:rPr lang="en-US" sz="3000" dirty="0"/>
+              <a:t>. With </a:t>
+            </a:r>
+            <a:r>
+              <a:rPr lang="en-US" sz="3000" b="1" dirty="0"/>
+              <a:t>SQL 2017 CU12 </a:t>
+            </a:r>
+            <a:r>
+              <a:rPr lang="en-US" sz="3000" dirty="0"/>
+              <a:t>and </a:t>
+            </a:r>
+            <a:r>
+              <a:rPr lang="en-US" sz="3000" b="1" dirty="0"/>
+              <a:t>SQL 2016 SP2 CU6 </a:t>
+            </a:r>
+            <a:r>
+              <a:rPr lang="en-US" sz="3000" dirty="0"/>
+              <a:t>this can be enabled with trace flag 460 (recommended!) </a:t>
+            </a:r>
+            <a:endParaRPr lang="en-US" sz="1200" dirty="0"/>
+          </a:p>
+          <a:p>
+            <a:r>
+              <a:rPr lang="en-US" sz="2800" dirty="0"/>
+              <a:t>Old: </a:t>
+            </a:r>
+          </a:p>
+          <a:p>
+            <a:r>
+              <a:rPr lang="en-US" sz="1600" dirty="0">
+                <a:solidFill>
+                  <a:srgbClr val="FF0000"/>
+                </a:solidFill>
+                <a:latin typeface="Consolas" panose="020B0609020204030204" pitchFamily="49" charset="0"/>
+              </a:rPr>
+              <a:t>Msg 2628, Level 16, State 1, Line 10</a:t>
+            </a:r>
+          </a:p>
+          <a:p>
+            <a:r>
+              <a:rPr lang="en-US" sz="1600" dirty="0">
+                <a:solidFill>
+                  <a:srgbClr val="FF0000"/>
+                </a:solidFill>
+                <a:latin typeface="Consolas" panose="020B0609020204030204" pitchFamily="49" charset="0"/>
+              </a:rPr>
+              <a:t>String or binary data would be truncated.</a:t>
+            </a:r>
+          </a:p>
+          <a:p>
+            <a:r>
+              <a:rPr lang="en-US" sz="1600" dirty="0">
+                <a:latin typeface="Consolas" panose="020B0609020204030204" pitchFamily="49" charset="0"/>
+              </a:rPr>
+              <a:t>The statement has been terminated.</a:t>
+            </a:r>
+          </a:p>
+          <a:p>
+            <a:endParaRPr lang="en-US" sz="1600" dirty="0">
+              <a:latin typeface="Consolas" panose="020B0609020204030204" pitchFamily="49" charset="0"/>
+            </a:endParaRPr>
+          </a:p>
+          <a:p>
+            <a:r>
+              <a:rPr lang="en-US" sz="2800" dirty="0"/>
+              <a:t>New:</a:t>
+            </a:r>
+            <a:br>
+              <a:rPr lang="en-US" sz="2800" dirty="0"/>
+            </a:br>
+            <a:r>
+              <a:rPr lang="en-US" sz="1600" dirty="0">
+                <a:solidFill>
+                  <a:srgbClr val="FF0000"/>
+                </a:solidFill>
+                <a:latin typeface="Consolas" panose="020B0609020204030204" pitchFamily="49" charset="0"/>
+              </a:rPr>
+              <a:t>Msg 2628, Level 16, State 1, Line 37</a:t>
+            </a:r>
+          </a:p>
+          <a:p>
+            <a:r>
+              <a:rPr lang="en-US" sz="1600" dirty="0">
+                <a:solidFill>
+                  <a:srgbClr val="FF0000"/>
+                </a:solidFill>
+                <a:latin typeface="Consolas" panose="020B0609020204030204" pitchFamily="49" charset="0"/>
+              </a:rPr>
+              <a:t>String or binary data would be truncated in table '</a:t>
+            </a:r>
+            <a:r>
+              <a:rPr lang="en-US" sz="1600" dirty="0" err="1">
+                <a:solidFill>
+                  <a:srgbClr val="FF0000"/>
+                </a:solidFill>
+                <a:latin typeface="Consolas" panose="020B0609020204030204" pitchFamily="49" charset="0"/>
+              </a:rPr>
+              <a:t>tempdb.dbo.string_truncation_test</a:t>
+            </a:r>
+            <a:r>
+              <a:rPr lang="en-US" sz="1600" dirty="0">
+                <a:solidFill>
+                  <a:srgbClr val="FF0000"/>
+                </a:solidFill>
+                <a:latin typeface="Consolas" panose="020B0609020204030204" pitchFamily="49" charset="0"/>
+              </a:rPr>
+              <a:t>', column 'chars'. </a:t>
+            </a:r>
+          </a:p>
+          <a:p>
+            <a:r>
+              <a:rPr lang="en-US" sz="1600" dirty="0">
+                <a:solidFill>
+                  <a:srgbClr val="FF0000"/>
+                </a:solidFill>
+                <a:latin typeface="Consolas" panose="020B0609020204030204" pitchFamily="49" charset="0"/>
+              </a:rPr>
+              <a:t>Truncated value: 'aaaaaaaaaaaaaaaaaaaaaaaaaaaaaaaaaaaaaaaaaaaaaaaaaaaaaaaaaaaaaaaaaaaaaaaaaaaaaaaaaaaa</a:t>
+            </a:r>
+            <a:br>
+              <a:rPr lang="en-US" sz="1600" dirty="0">
+                <a:solidFill>
+                  <a:srgbClr val="FF0000"/>
+                </a:solidFill>
+                <a:latin typeface="Consolas" panose="020B0609020204030204" pitchFamily="49" charset="0"/>
+              </a:rPr>
+            </a:br>
+            <a:r>
+              <a:rPr lang="en-US" sz="1600" dirty="0" err="1">
+                <a:solidFill>
+                  <a:srgbClr val="FF0000"/>
+                </a:solidFill>
+                <a:latin typeface="Consolas" panose="020B0609020204030204" pitchFamily="49" charset="0"/>
+              </a:rPr>
+              <a:t>aaaaaaaaaaaaaaaa</a:t>
+            </a:r>
+            <a:r>
+              <a:rPr lang="en-US" sz="1600" dirty="0">
+                <a:solidFill>
+                  <a:srgbClr val="FF0000"/>
+                </a:solidFill>
+                <a:latin typeface="Consolas" panose="020B0609020204030204" pitchFamily="49" charset="0"/>
+              </a:rPr>
+              <a:t>'.</a:t>
+            </a:r>
+          </a:p>
+          <a:p>
+            <a:r>
+              <a:rPr lang="en-US" sz="1600" dirty="0">
+                <a:latin typeface="Consolas" panose="020B0609020204030204" pitchFamily="49" charset="0"/>
+              </a:rPr>
+              <a:t>The statement has been terminated.</a:t>
+            </a:r>
+            <a:br>
+              <a:rPr lang="en-US" dirty="0">
+                <a:latin typeface="Consolas" panose="020B0609020204030204" pitchFamily="49" charset="0"/>
+              </a:rPr>
+            </a:br>
+            <a:endParaRPr lang="en-US" dirty="0">
+              <a:latin typeface="Consolas" panose="020B0609020204030204" pitchFamily="49" charset="0"/>
+            </a:endParaRPr>
+          </a:p>
+          <a:p>
+            <a:pPr marL="285750" indent="-285750">
               <a:buFont typeface="Arial" panose="020B0604020202020204" pitchFamily="34" charset="0"/>
               <a:buChar char="•"/>
             </a:pPr>
             <a:r>
-              <a:rPr lang="en-US" sz="3600" dirty="0"/>
-              <a:t>Now, a dedicated schema for this data in SQL 2019.</a:t>
-            </a:r>
-          </a:p>
-          <a:p>
-            <a:pPr marL="571500" indent="-571500">
-              <a:buFont typeface="Arial" panose="020B0604020202020204" pitchFamily="34" charset="0"/>
-              <a:buChar char="•"/>
-            </a:pPr>
-            <a:r>
-              <a:rPr lang="en-US" sz="3600" dirty="0"/>
-              <a:t>Designed to aid auditing, GDPR, and compliance.</a:t>
-            </a:r>
-          </a:p>
-          <a:p>
-            <a:pPr marL="571500" indent="-571500">
-              <a:buFont typeface="Arial" panose="020B0604020202020204" pitchFamily="34" charset="0"/>
-              <a:buChar char="•"/>
-            </a:pPr>
-            <a:r>
-              <a:rPr lang="en-US" sz="3200" dirty="0"/>
-              <a:t>Related to the “SQL Data Discovery and Classification” tool introduced in SSMS 17.5.</a:t>
-            </a:r>
-            <a:br>
-              <a:rPr lang="en-US" sz="3200" dirty="0"/>
-            </a:br>
+              <a:rPr lang="en-US" sz="1600" dirty="0"/>
+              <a:t>Lab - toolbox\lab - string truncation error message improvement in SQL 2019.sql</a:t>
+            </a:r>
+          </a:p>
+          <a:p>
             <a:r>
               <a:rPr lang="en-US" sz="1200" dirty="0">
                 <a:hlinkClick r:id="rId2"/>
               </a:rPr>
-              <a:t>https://docs.microsoft.com/en-us/sql/relational-databases/security/sql-data-discovery-and-classification?view=sql-server-ver15&amp;tabs=t-sql</a:t>
+              <a:t>https://support.microsoft.com/en-us/help/4468101/optional-replacement-for-string-or-binary-data-would-be-truncated</a:t>
             </a:r>
             <a:endParaRPr lang="en-US" sz="1200" dirty="0"/>
-          </a:p>
-          <a:p>
-            <a:pPr marL="571500" indent="-571500">
-              <a:buFont typeface="Arial" panose="020B0604020202020204" pitchFamily="34" charset="0"/>
-              <a:buChar char="•"/>
-            </a:pPr>
-            <a:endParaRPr lang="en-US" sz="1200" dirty="0"/>
-          </a:p>
-          <a:p>
-            <a:pPr marL="571500" indent="-571500">
-              <a:buFont typeface="Arial" panose="020B0604020202020204" pitchFamily="34" charset="0"/>
-              <a:buChar char="•"/>
-            </a:pPr>
-            <a:r>
-              <a:rPr lang="en-US" sz="3600" dirty="0"/>
-              <a:t>Available in all editions.</a:t>
-            </a:r>
-            <a:endParaRPr lang="en-US" sz="1600" dirty="0"/>
           </a:p>
         </p:txBody>
       </p:sp>
     </p:spTree>
     <p:extLst>
       <p:ext uri="{BB962C8B-B14F-4D97-AF65-F5344CB8AC3E}">
-        <p14:creationId xmlns:p14="http://schemas.microsoft.com/office/powerpoint/2010/main" val="462918957"/>
+        <p14:creationId xmlns:p14="http://schemas.microsoft.com/office/powerpoint/2010/main" val="1313392188"/>
       </p:ext>
     </p:extLst>
   </p:cSld>
@@ -25734,7 +25751,7 @@
             </a:pPr>
             <a:r>
               <a:rPr lang="en-US" sz="4000" b="1" dirty="0"/>
-              <a:t>SQL Assessment API</a:t>
+              <a:t>New Data Classification Schema</a:t>
             </a:r>
           </a:p>
         </p:txBody>
@@ -25754,7 +25771,7 @@
         <p:spPr>
           <a:xfrm>
             <a:off x="110985" y="1172633"/>
-            <a:ext cx="11128648" cy="3693319"/>
+            <a:ext cx="11128648" cy="4216539"/>
           </a:xfrm>
           <a:prstGeom prst="rect">
             <a:avLst/>
@@ -25772,7 +25789,7 @@
             </a:pPr>
             <a:r>
               <a:rPr lang="en-US" sz="3600" dirty="0"/>
-              <a:t>New programmatic interface for Microsoft-provided SQL Server Health Checks.</a:t>
+              <a:t>Before SQL 2019, Data Classification feature used database extended properties to store this data.</a:t>
             </a:r>
           </a:p>
           <a:p>
@@ -25782,7 +25799,7 @@
             </a:pPr>
             <a:r>
               <a:rPr lang="en-US" sz="3600" dirty="0"/>
-              <a:t>Can access with .NET, PowerShell, etc.</a:t>
+              <a:t>Now, a dedicated schema for this data in SQL 2019.</a:t>
             </a:r>
           </a:p>
           <a:p>
@@ -25792,7 +25809,7 @@
             </a:pPr>
             <a:r>
               <a:rPr lang="en-US" sz="3600" dirty="0"/>
-              <a:t>Part of the new SMO, actually delivered with the latest editions of SSMS, not SQL Server.</a:t>
+              <a:t>Designed to aid auditing, GDPR, and compliance.</a:t>
             </a:r>
           </a:p>
           <a:p>
@@ -25801,29 +25818,44 @@
               <a:buChar char="•"/>
             </a:pPr>
             <a:r>
-              <a:rPr lang="en-US" sz="3600" dirty="0"/>
-              <a:t>Available in all editions.</a:t>
-            </a:r>
+              <a:rPr lang="en-US" sz="3200" dirty="0"/>
+              <a:t>Related to the “SQL Data Discovery and Classification” tool introduced in SSMS 17.5.</a:t>
+            </a:r>
+            <a:br>
+              <a:rPr lang="en-US" sz="3200" dirty="0"/>
+            </a:br>
+            <a:r>
+              <a:rPr lang="en-US" sz="1200" dirty="0">
+                <a:hlinkClick r:id="rId2"/>
+              </a:rPr>
+              <a:t>https://docs.microsoft.com/en-us/sql/relational-databases/security/sql-data-discovery-and-classification?view=sql-server-ver15&amp;tabs=t-sql</a:t>
+            </a:r>
+            <a:endParaRPr lang="en-US" sz="1200" dirty="0"/>
           </a:p>
           <a:p>
             <a:pPr marL="571500" indent="-571500">
               <a:buFont typeface="Arial" panose="020B0604020202020204" pitchFamily="34" charset="0"/>
               <a:buChar char="•"/>
             </a:pPr>
-            <a:r>
-              <a:rPr lang="en-US" dirty="0">
-                <a:hlinkClick r:id="rId2"/>
-              </a:rPr>
-              <a:t>https://docs.microsoft.com/en-us/sql/sql-assessment-api/sql-assessment-api-overview?view=sql-server-ver15</a:t>
-            </a:r>
-            <a:endParaRPr lang="en-US" dirty="0"/>
+            <a:endParaRPr lang="en-US" sz="1200" dirty="0"/>
+          </a:p>
+          <a:p>
+            <a:pPr marL="571500" indent="-571500">
+              <a:buFont typeface="Arial" panose="020B0604020202020204" pitchFamily="34" charset="0"/>
+              <a:buChar char="•"/>
+            </a:pPr>
+            <a:r>
+              <a:rPr lang="en-US" sz="3600" dirty="0"/>
+              <a:t>Available in all editions.</a:t>
+            </a:r>
+            <a:endParaRPr lang="en-US" sz="1600" dirty="0"/>
           </a:p>
         </p:txBody>
       </p:sp>
     </p:spTree>
     <p:extLst>
       <p:ext uri="{BB962C8B-B14F-4D97-AF65-F5344CB8AC3E}">
-        <p14:creationId xmlns:p14="http://schemas.microsoft.com/office/powerpoint/2010/main" val="919756478"/>
+        <p14:creationId xmlns:p14="http://schemas.microsoft.com/office/powerpoint/2010/main" val="462918957"/>
       </p:ext>
     </p:extLst>
   </p:cSld>
@@ -25852,6 +25884,151 @@
       </p:grpSpPr>
       <p:sp>
         <p:nvSpPr>
+          <p:cNvPr id="4" name="Title 3"/>
+          <p:cNvSpPr>
+            <a:spLocks noGrp="1"/>
+          </p:cNvSpPr>
+          <p:nvPr>
+            <p:ph type="title" idx="4294967295"/>
+          </p:nvPr>
+        </p:nvSpPr>
+        <p:spPr>
+          <a:xfrm>
+            <a:off x="719138" y="360363"/>
+            <a:ext cx="10801350" cy="720725"/>
+          </a:xfrm>
+        </p:spPr>
+        <p:txBody>
+          <a:bodyPr>
+            <a:normAutofit fontScale="90000"/>
+          </a:bodyPr>
+          <a:lstStyle/>
+          <a:p>
+            <a:pPr>
+              <a:lnSpc>
+                <a:spcPct val="150000"/>
+              </a:lnSpc>
+            </a:pPr>
+            <a:r>
+              <a:rPr lang="en-US" sz="4000" b="1" dirty="0"/>
+              <a:t>SQL Assessment API</a:t>
+            </a:r>
+          </a:p>
+        </p:txBody>
+      </p:sp>
+      <p:sp>
+        <p:nvSpPr>
+          <p:cNvPr id="3" name="Rectangle 2">
+            <a:extLst>
+              <a:ext uri="{FF2B5EF4-FFF2-40B4-BE49-F238E27FC236}">
+                <a16:creationId xmlns:a16="http://schemas.microsoft.com/office/drawing/2014/main" id="{5FE92851-6189-408B-832C-D2FB84FA89B1}"/>
+              </a:ext>
+            </a:extLst>
+          </p:cNvPr>
+          <p:cNvSpPr/>
+          <p:nvPr/>
+        </p:nvSpPr>
+        <p:spPr>
+          <a:xfrm>
+            <a:off x="110985" y="1172633"/>
+            <a:ext cx="11128648" cy="3693319"/>
+          </a:xfrm>
+          <a:prstGeom prst="rect">
+            <a:avLst/>
+          </a:prstGeom>
+        </p:spPr>
+        <p:txBody>
+          <a:bodyPr wrap="square">
+            <a:spAutoFit/>
+          </a:bodyPr>
+          <a:lstStyle/>
+          <a:p>
+            <a:pPr marL="571500" indent="-571500">
+              <a:buFont typeface="Arial" panose="020B0604020202020204" pitchFamily="34" charset="0"/>
+              <a:buChar char="•"/>
+            </a:pPr>
+            <a:r>
+              <a:rPr lang="en-US" sz="3600" dirty="0"/>
+              <a:t>New programmatic interface for Microsoft-provided SQL Server Health Checks.</a:t>
+            </a:r>
+          </a:p>
+          <a:p>
+            <a:pPr marL="571500" indent="-571500">
+              <a:buFont typeface="Arial" panose="020B0604020202020204" pitchFamily="34" charset="0"/>
+              <a:buChar char="•"/>
+            </a:pPr>
+            <a:r>
+              <a:rPr lang="en-US" sz="3600" dirty="0"/>
+              <a:t>Can access with .NET, PowerShell, etc.</a:t>
+            </a:r>
+          </a:p>
+          <a:p>
+            <a:pPr marL="571500" indent="-571500">
+              <a:buFont typeface="Arial" panose="020B0604020202020204" pitchFamily="34" charset="0"/>
+              <a:buChar char="•"/>
+            </a:pPr>
+            <a:r>
+              <a:rPr lang="en-US" sz="3600" dirty="0"/>
+              <a:t>Part of the new SMO, actually delivered with the latest editions of SSMS, not SQL Server.</a:t>
+            </a:r>
+          </a:p>
+          <a:p>
+            <a:pPr marL="571500" indent="-571500">
+              <a:buFont typeface="Arial" panose="020B0604020202020204" pitchFamily="34" charset="0"/>
+              <a:buChar char="•"/>
+            </a:pPr>
+            <a:r>
+              <a:rPr lang="en-US" sz="3600" dirty="0"/>
+              <a:t>Available in all editions.</a:t>
+            </a:r>
+          </a:p>
+          <a:p>
+            <a:pPr marL="571500" indent="-571500">
+              <a:buFont typeface="Arial" panose="020B0604020202020204" pitchFamily="34" charset="0"/>
+              <a:buChar char="•"/>
+            </a:pPr>
+            <a:r>
+              <a:rPr lang="en-US" dirty="0">
+                <a:hlinkClick r:id="rId2"/>
+              </a:rPr>
+              <a:t>https://docs.microsoft.com/en-us/sql/sql-assessment-api/sql-assessment-api-overview?view=sql-server-ver15</a:t>
+            </a:r>
+            <a:endParaRPr lang="en-US" dirty="0"/>
+          </a:p>
+        </p:txBody>
+      </p:sp>
+    </p:spTree>
+    <p:extLst>
+      <p:ext uri="{BB962C8B-B14F-4D97-AF65-F5344CB8AC3E}">
+        <p14:creationId xmlns:p14="http://schemas.microsoft.com/office/powerpoint/2010/main" val="919756478"/>
+      </p:ext>
+    </p:extLst>
+  </p:cSld>
+  <p:clrMapOvr>
+    <a:masterClrMapping/>
+  </p:clrMapOvr>
+</p:sld>
+</file>
+
+<file path=ppt/slides/slide54.xml><?xml version="1.0" encoding="utf-8"?>
+<p:sld xmlns:a="http://schemas.openxmlformats.org/drawingml/2006/main" xmlns:r="http://schemas.openxmlformats.org/officeDocument/2006/relationships" xmlns:p="http://schemas.openxmlformats.org/presentationml/2006/main">
+  <p:cSld>
+    <p:spTree>
+      <p:nvGrpSpPr>
+        <p:cNvPr id="1" name=""/>
+        <p:cNvGrpSpPr/>
+        <p:nvPr/>
+      </p:nvGrpSpPr>
+      <p:grpSpPr>
+        <a:xfrm>
+          <a:off x="0" y="0"/>
+          <a:ext cx="0" cy="0"/>
+          <a:chOff x="0" y="0"/>
+          <a:chExt cx="0" cy="0"/>
+        </a:xfrm>
+      </p:grpSpPr>
+      <p:sp>
+        <p:nvSpPr>
           <p:cNvPr id="5" name="Slide Number Placeholder 4"/>
           <p:cNvSpPr>
             <a:spLocks noGrp="1"/>
@@ -25871,7 +26048,7 @@
                   <a:srgbClr val="82BC00"/>
                 </a:solidFill>
               </a:rPr>
-              <a:t>53</a:t>
+              <a:t>54</a:t>
             </a:fld>
             <a:endParaRPr lang="en-US">
               <a:solidFill>
@@ -26559,7 +26736,7 @@
 </p:sld>
 </file>
 
-<file path=ppt/slides/slide54.xml><?xml version="1.0" encoding="utf-8"?>
+<file path=ppt/slides/slide55.xml><?xml version="1.0" encoding="utf-8"?>
 <p:sld xmlns:a="http://schemas.openxmlformats.org/drawingml/2006/main" xmlns:r="http://schemas.openxmlformats.org/officeDocument/2006/relationships" xmlns:p="http://schemas.openxmlformats.org/presentationml/2006/main">
   <p:cSld>
     <p:spTree>
@@ -26663,7 +26840,7 @@
                   <a:srgbClr val="82BC00"/>
                 </a:solidFill>
               </a:rPr>
-              <a:t>54</a:t>
+              <a:t>55</a:t>
             </a:fld>
             <a:endParaRPr lang="en-US">
               <a:solidFill>
@@ -27899,293 +28076,6 @@
     <p:extLst>
       <p:ext uri="{BB962C8B-B14F-4D97-AF65-F5344CB8AC3E}">
         <p14:creationId xmlns:p14="http://schemas.microsoft.com/office/powerpoint/2010/main" val="2066195230"/>
-      </p:ext>
-    </p:extLst>
-  </p:cSld>
-  <p:clrMapOvr>
-    <a:masterClrMapping/>
-  </p:clrMapOvr>
-  <mc:AlternateContent xmlns:mc="http://schemas.openxmlformats.org/markup-compatibility/2006" xmlns:p14="http://schemas.microsoft.com/office/powerpoint/2010/main">
-    <mc:Choice Requires="p14">
-      <p:transition spd="slow" p14:dur="2000" advTm="10000"/>
-    </mc:Choice>
-    <mc:Fallback xmlns="">
-      <p:transition spd="slow" advTm="10000"/>
-    </mc:Fallback>
-  </mc:AlternateContent>
-</p:sld>
-</file>
-
-<file path=ppt/slides/slide55.xml><?xml version="1.0" encoding="utf-8"?>
-<p:sld xmlns:a="http://schemas.openxmlformats.org/drawingml/2006/main" xmlns:r="http://schemas.openxmlformats.org/officeDocument/2006/relationships" xmlns:p="http://schemas.openxmlformats.org/presentationml/2006/main">
-  <p:cSld>
-    <p:spTree>
-      <p:nvGrpSpPr>
-        <p:cNvPr id="1" name=""/>
-        <p:cNvGrpSpPr/>
-        <p:nvPr/>
-      </p:nvGrpSpPr>
-      <p:grpSpPr>
-        <a:xfrm>
-          <a:off x="0" y="0"/>
-          <a:ext cx="0" cy="0"/>
-          <a:chOff x="0" y="0"/>
-          <a:chExt cx="0" cy="0"/>
-        </a:xfrm>
-      </p:grpSpPr>
-      <p:sp>
-        <p:nvSpPr>
-          <p:cNvPr id="21" name="Title 1"/>
-          <p:cNvSpPr txBox="1">
-            <a:spLocks/>
-          </p:cNvSpPr>
-          <p:nvPr/>
-        </p:nvSpPr>
-        <p:spPr>
-          <a:xfrm>
-            <a:off x="373080" y="-29657"/>
-            <a:ext cx="9936268" cy="1056255"/>
-          </a:xfrm>
-          <a:prstGeom prst="rect">
-            <a:avLst/>
-          </a:prstGeom>
-        </p:spPr>
-        <p:txBody>
-          <a:bodyPr vert="horz" lIns="86402" tIns="43201" rIns="86402" bIns="43201" rtlCol="0" anchor="ctr">
-            <a:normAutofit/>
-          </a:bodyPr>
-          <a:lstStyle>
-            <a:lvl1pPr algn="l" defTabSz="914400" rtl="0" eaLnBrk="1" latinLnBrk="0" hangingPunct="1">
-              <a:lnSpc>
-                <a:spcPct val="90000"/>
-              </a:lnSpc>
-              <a:spcBef>
-                <a:spcPct val="0"/>
-              </a:spcBef>
-              <a:buNone/>
-              <a:defRPr sz="4400" kern="1200">
-                <a:solidFill>
-                  <a:schemeClr val="tx1"/>
-                </a:solidFill>
-                <a:latin typeface="+mj-lt"/>
-                <a:ea typeface="+mj-ea"/>
-                <a:cs typeface="+mj-cs"/>
-              </a:defRPr>
-            </a:lvl1pPr>
-          </a:lstStyle>
-          <a:p>
-            <a:r>
-              <a:rPr lang="en-US" sz="3402" b="1" i="1" dirty="0">
-                <a:solidFill>
-                  <a:srgbClr val="82BC00"/>
-                </a:solidFill>
-                <a:latin typeface="Geogrotesque SemiBold" charset="0"/>
-                <a:ea typeface="Geogrotesque SemiBold" charset="0"/>
-                <a:cs typeface="Geogrotesque SemiBold" charset="0"/>
-              </a:rPr>
-              <a:t>Sparkhound SQL DBA Consulting Services</a:t>
-            </a:r>
-          </a:p>
-        </p:txBody>
-      </p:sp>
-      <p:pic>
-        <p:nvPicPr>
-          <p:cNvPr id="38" name="Content Placeholder 3"/>
-          <p:cNvPicPr>
-            <a:picLocks noChangeAspect="1"/>
-          </p:cNvPicPr>
-          <p:nvPr/>
-        </p:nvPicPr>
-        <p:blipFill>
-          <a:blip r:embed="rId3" cstate="email">
-            <a:extLst>
-              <a:ext uri="{28A0092B-C50C-407E-A947-70E740481C1C}">
-                <a14:useLocalDpi xmlns:a14="http://schemas.microsoft.com/office/drawing/2010/main"/>
-              </a:ext>
-            </a:extLst>
-          </a:blip>
-          <a:stretch>
-            <a:fillRect/>
-          </a:stretch>
-        </p:blipFill>
-        <p:spPr>
-          <a:xfrm>
-            <a:off x="90" y="5714162"/>
-            <a:ext cx="11520308" cy="797191"/>
-          </a:xfrm>
-          <a:prstGeom prst="rect">
-            <a:avLst/>
-          </a:prstGeom>
-        </p:spPr>
-      </p:pic>
-      <p:sp>
-        <p:nvSpPr>
-          <p:cNvPr id="4" name="TextBox 3">
-            <a:extLst>
-              <a:ext uri="{FF2B5EF4-FFF2-40B4-BE49-F238E27FC236}">
-                <a16:creationId xmlns:a16="http://schemas.microsoft.com/office/drawing/2014/main" id="{5AA8B08D-D90D-4FD4-BEB0-8875C881F81E}"/>
-              </a:ext>
-            </a:extLst>
-          </p:cNvPr>
-          <p:cNvSpPr txBox="1"/>
-          <p:nvPr/>
-        </p:nvSpPr>
-        <p:spPr>
-          <a:xfrm>
-            <a:off x="90" y="883775"/>
-            <a:ext cx="10967136" cy="5327741"/>
-          </a:xfrm>
-          <a:prstGeom prst="rect">
-            <a:avLst/>
-          </a:prstGeom>
-          <a:noFill/>
-        </p:spPr>
-        <p:txBody>
-          <a:bodyPr wrap="square" rtlCol="0">
-            <a:spAutoFit/>
-          </a:bodyPr>
-          <a:lstStyle/>
-          <a:p>
-            <a:pPr marL="864017" lvl="1" indent="-432008">
-              <a:buFont typeface="Arial" panose="020B0604020202020204" pitchFamily="34" charset="0"/>
-              <a:buChar char="•"/>
-            </a:pPr>
-            <a:r>
-              <a:rPr lang="en-US" sz="3402" b="1" dirty="0">
-                <a:latin typeface="Geogrotesque Regular" panose="02000506040000020004" pitchFamily="50" charset="0"/>
-              </a:rPr>
-              <a:t>Performance Tuning, with App Services team</a:t>
-            </a:r>
-          </a:p>
-          <a:p>
-            <a:pPr marL="864017" lvl="1" indent="-432008">
-              <a:buFont typeface="Arial" panose="020B0604020202020204" pitchFamily="34" charset="0"/>
-              <a:buChar char="•"/>
-            </a:pPr>
-            <a:r>
-              <a:rPr lang="en-US" sz="3402" b="1" dirty="0">
-                <a:latin typeface="Geogrotesque Regular" panose="02000506040000020004" pitchFamily="50" charset="0"/>
-              </a:rPr>
-              <a:t>Reporting, with our Data Analytics team</a:t>
-            </a:r>
-          </a:p>
-          <a:p>
-            <a:pPr marL="864017" lvl="1" indent="-432008">
-              <a:buFont typeface="Arial" panose="020B0604020202020204" pitchFamily="34" charset="0"/>
-              <a:buChar char="•"/>
-            </a:pPr>
-            <a:r>
-              <a:rPr lang="en-US" sz="3402" dirty="0">
-                <a:latin typeface="Geogrotesque Regular" panose="02000506040000020004" pitchFamily="50" charset="0"/>
-              </a:rPr>
-              <a:t>Upgrades/Migrations/Data Conversions</a:t>
-            </a:r>
-          </a:p>
-          <a:p>
-            <a:pPr marL="864017" lvl="1" indent="-432008">
-              <a:buFont typeface="Arial" panose="020B0604020202020204" pitchFamily="34" charset="0"/>
-              <a:buChar char="•"/>
-            </a:pPr>
-            <a:r>
-              <a:rPr lang="en-US" sz="3402" dirty="0">
-                <a:latin typeface="Geogrotesque Regular" panose="02000506040000020004" pitchFamily="50" charset="0"/>
-              </a:rPr>
-              <a:t>High Availability/Disaster Recovery solutions</a:t>
-            </a:r>
-          </a:p>
-          <a:p>
-            <a:pPr marL="864017" lvl="1" indent="-432008">
-              <a:buFont typeface="Arial" panose="020B0604020202020204" pitchFamily="34" charset="0"/>
-              <a:buChar char="•"/>
-            </a:pPr>
-            <a:r>
-              <a:rPr lang="en-US" sz="3402" dirty="0">
-                <a:solidFill>
-                  <a:srgbClr val="FF0000"/>
-                </a:solidFill>
-                <a:latin typeface="Geogrotesque Regular" panose="02000506040000020004" pitchFamily="50" charset="0"/>
-              </a:rPr>
-              <a:t>Pre-audit, encryption, database security</a:t>
-            </a:r>
-          </a:p>
-          <a:p>
-            <a:pPr marL="864017" lvl="1" indent="-432008">
-              <a:buFont typeface="Arial" panose="020B0604020202020204" pitchFamily="34" charset="0"/>
-              <a:buChar char="•"/>
-            </a:pPr>
-            <a:r>
-              <a:rPr lang="en-US" sz="3402" dirty="0">
-                <a:latin typeface="Geogrotesque Regular" panose="02000506040000020004" pitchFamily="50" charset="0"/>
-              </a:rPr>
-              <a:t>Maintenance/administration</a:t>
-            </a:r>
-          </a:p>
-          <a:p>
-            <a:pPr marL="864017" lvl="1" indent="-432008">
-              <a:buFont typeface="Arial" panose="020B0604020202020204" pitchFamily="34" charset="0"/>
-              <a:buChar char="•"/>
-            </a:pPr>
-            <a:r>
-              <a:rPr lang="en-US" sz="3402" dirty="0">
-                <a:latin typeface="Geogrotesque Regular" panose="02000506040000020004" pitchFamily="50" charset="0"/>
-              </a:rPr>
-              <a:t>Automation/PowerShell</a:t>
-            </a:r>
-          </a:p>
-          <a:p>
-            <a:pPr marL="864017" lvl="1" indent="-432008">
-              <a:buFont typeface="Arial" panose="020B0604020202020204" pitchFamily="34" charset="0"/>
-              <a:buChar char="•"/>
-            </a:pPr>
-            <a:r>
-              <a:rPr lang="en-US" sz="3402" dirty="0">
-                <a:latin typeface="Geogrotesque Regular" panose="02000506040000020004" pitchFamily="50" charset="0"/>
-              </a:rPr>
-              <a:t>Azure SQL (IaaS or PaaS) architecture</a:t>
-            </a:r>
-          </a:p>
-          <a:p>
-            <a:pPr marL="864017" lvl="1" indent="-432008">
-              <a:buFont typeface="Arial" panose="020B0604020202020204" pitchFamily="34" charset="0"/>
-              <a:buChar char="•"/>
-            </a:pPr>
-            <a:r>
-              <a:rPr lang="en-US" sz="3402" dirty="0">
-                <a:latin typeface="Geogrotesque Regular" panose="02000506040000020004" pitchFamily="50" charset="0"/>
-              </a:rPr>
-              <a:t>Training/</a:t>
-            </a:r>
-            <a:r>
-              <a:rPr lang="en-US" sz="3402" dirty="0">
-                <a:solidFill>
-                  <a:srgbClr val="FF0000"/>
-                </a:solidFill>
-                <a:latin typeface="Geogrotesque Regular" panose="02000506040000020004" pitchFamily="50" charset="0"/>
-              </a:rPr>
-              <a:t>Knowledge Transfer</a:t>
-            </a:r>
-            <a:r>
-              <a:rPr lang="en-US" sz="3402" dirty="0">
-                <a:latin typeface="Geogrotesque Regular" panose="02000506040000020004" pitchFamily="50" charset="0"/>
-              </a:rPr>
-              <a:t>/skillset updates</a:t>
-            </a:r>
-          </a:p>
-          <a:p>
-            <a:pPr marL="864017" lvl="1" indent="-432008">
-              <a:buFont typeface="Arial" panose="020B0604020202020204" pitchFamily="34" charset="0"/>
-              <a:buChar char="•"/>
-            </a:pPr>
-            <a:endParaRPr lang="en-US" sz="3402" dirty="0">
-              <a:latin typeface="Geogrotesque Regular" panose="02000506040000020004" pitchFamily="50" charset="0"/>
-            </a:endParaRPr>
-          </a:p>
-        </p:txBody>
-      </p:sp>
-    </p:spTree>
-    <p:extLst>
-      <p:ext uri="{BB962C8B-B14F-4D97-AF65-F5344CB8AC3E}">
-        <p14:creationId xmlns:p14="http://schemas.microsoft.com/office/powerpoint/2010/main" val="1994065593"/>
       </p:ext>
     </p:extLst>
   </p:cSld>
@@ -28222,6 +28112,293 @@
       </p:grpSpPr>
       <p:sp>
         <p:nvSpPr>
+          <p:cNvPr id="21" name="Title 1"/>
+          <p:cNvSpPr txBox="1">
+            <a:spLocks/>
+          </p:cNvSpPr>
+          <p:nvPr/>
+        </p:nvSpPr>
+        <p:spPr>
+          <a:xfrm>
+            <a:off x="373080" y="-29657"/>
+            <a:ext cx="9936268" cy="1056255"/>
+          </a:xfrm>
+          <a:prstGeom prst="rect">
+            <a:avLst/>
+          </a:prstGeom>
+        </p:spPr>
+        <p:txBody>
+          <a:bodyPr vert="horz" lIns="86402" tIns="43201" rIns="86402" bIns="43201" rtlCol="0" anchor="ctr">
+            <a:normAutofit/>
+          </a:bodyPr>
+          <a:lstStyle>
+            <a:lvl1pPr algn="l" defTabSz="914400" rtl="0" eaLnBrk="1" latinLnBrk="0" hangingPunct="1">
+              <a:lnSpc>
+                <a:spcPct val="90000"/>
+              </a:lnSpc>
+              <a:spcBef>
+                <a:spcPct val="0"/>
+              </a:spcBef>
+              <a:buNone/>
+              <a:defRPr sz="4400" kern="1200">
+                <a:solidFill>
+                  <a:schemeClr val="tx1"/>
+                </a:solidFill>
+                <a:latin typeface="+mj-lt"/>
+                <a:ea typeface="+mj-ea"/>
+                <a:cs typeface="+mj-cs"/>
+              </a:defRPr>
+            </a:lvl1pPr>
+          </a:lstStyle>
+          <a:p>
+            <a:r>
+              <a:rPr lang="en-US" sz="3402" b="1" i="1" dirty="0">
+                <a:solidFill>
+                  <a:srgbClr val="82BC00"/>
+                </a:solidFill>
+                <a:latin typeface="Geogrotesque SemiBold" charset="0"/>
+                <a:ea typeface="Geogrotesque SemiBold" charset="0"/>
+                <a:cs typeface="Geogrotesque SemiBold" charset="0"/>
+              </a:rPr>
+              <a:t>Sparkhound SQL DBA Consulting Services</a:t>
+            </a:r>
+          </a:p>
+        </p:txBody>
+      </p:sp>
+      <p:pic>
+        <p:nvPicPr>
+          <p:cNvPr id="38" name="Content Placeholder 3"/>
+          <p:cNvPicPr>
+            <a:picLocks noChangeAspect="1"/>
+          </p:cNvPicPr>
+          <p:nvPr/>
+        </p:nvPicPr>
+        <p:blipFill>
+          <a:blip r:embed="rId3" cstate="email">
+            <a:extLst>
+              <a:ext uri="{28A0092B-C50C-407E-A947-70E740481C1C}">
+                <a14:useLocalDpi xmlns:a14="http://schemas.microsoft.com/office/drawing/2010/main"/>
+              </a:ext>
+            </a:extLst>
+          </a:blip>
+          <a:stretch>
+            <a:fillRect/>
+          </a:stretch>
+        </p:blipFill>
+        <p:spPr>
+          <a:xfrm>
+            <a:off x="90" y="5714162"/>
+            <a:ext cx="11520308" cy="797191"/>
+          </a:xfrm>
+          <a:prstGeom prst="rect">
+            <a:avLst/>
+          </a:prstGeom>
+        </p:spPr>
+      </p:pic>
+      <p:sp>
+        <p:nvSpPr>
+          <p:cNvPr id="4" name="TextBox 3">
+            <a:extLst>
+              <a:ext uri="{FF2B5EF4-FFF2-40B4-BE49-F238E27FC236}">
+                <a16:creationId xmlns:a16="http://schemas.microsoft.com/office/drawing/2014/main" id="{5AA8B08D-D90D-4FD4-BEB0-8875C881F81E}"/>
+              </a:ext>
+            </a:extLst>
+          </p:cNvPr>
+          <p:cNvSpPr txBox="1"/>
+          <p:nvPr/>
+        </p:nvSpPr>
+        <p:spPr>
+          <a:xfrm>
+            <a:off x="90" y="883775"/>
+            <a:ext cx="10967136" cy="5327741"/>
+          </a:xfrm>
+          <a:prstGeom prst="rect">
+            <a:avLst/>
+          </a:prstGeom>
+          <a:noFill/>
+        </p:spPr>
+        <p:txBody>
+          <a:bodyPr wrap="square" rtlCol="0">
+            <a:spAutoFit/>
+          </a:bodyPr>
+          <a:lstStyle/>
+          <a:p>
+            <a:pPr marL="864017" lvl="1" indent="-432008">
+              <a:buFont typeface="Arial" panose="020B0604020202020204" pitchFamily="34" charset="0"/>
+              <a:buChar char="•"/>
+            </a:pPr>
+            <a:r>
+              <a:rPr lang="en-US" sz="3402" b="1" dirty="0">
+                <a:latin typeface="Geogrotesque Regular" panose="02000506040000020004" pitchFamily="50" charset="0"/>
+              </a:rPr>
+              <a:t>Performance Tuning, with App Services team</a:t>
+            </a:r>
+          </a:p>
+          <a:p>
+            <a:pPr marL="864017" lvl="1" indent="-432008">
+              <a:buFont typeface="Arial" panose="020B0604020202020204" pitchFamily="34" charset="0"/>
+              <a:buChar char="•"/>
+            </a:pPr>
+            <a:r>
+              <a:rPr lang="en-US" sz="3402" b="1" dirty="0">
+                <a:latin typeface="Geogrotesque Regular" panose="02000506040000020004" pitchFamily="50" charset="0"/>
+              </a:rPr>
+              <a:t>Reporting, with our Data Analytics team</a:t>
+            </a:r>
+          </a:p>
+          <a:p>
+            <a:pPr marL="864017" lvl="1" indent="-432008">
+              <a:buFont typeface="Arial" panose="020B0604020202020204" pitchFamily="34" charset="0"/>
+              <a:buChar char="•"/>
+            </a:pPr>
+            <a:r>
+              <a:rPr lang="en-US" sz="3402" dirty="0">
+                <a:latin typeface="Geogrotesque Regular" panose="02000506040000020004" pitchFamily="50" charset="0"/>
+              </a:rPr>
+              <a:t>Upgrades/Migrations/Data Conversions</a:t>
+            </a:r>
+          </a:p>
+          <a:p>
+            <a:pPr marL="864017" lvl="1" indent="-432008">
+              <a:buFont typeface="Arial" panose="020B0604020202020204" pitchFamily="34" charset="0"/>
+              <a:buChar char="•"/>
+            </a:pPr>
+            <a:r>
+              <a:rPr lang="en-US" sz="3402" dirty="0">
+                <a:latin typeface="Geogrotesque Regular" panose="02000506040000020004" pitchFamily="50" charset="0"/>
+              </a:rPr>
+              <a:t>High Availability/Disaster Recovery solutions</a:t>
+            </a:r>
+          </a:p>
+          <a:p>
+            <a:pPr marL="864017" lvl="1" indent="-432008">
+              <a:buFont typeface="Arial" panose="020B0604020202020204" pitchFamily="34" charset="0"/>
+              <a:buChar char="•"/>
+            </a:pPr>
+            <a:r>
+              <a:rPr lang="en-US" sz="3402" dirty="0">
+                <a:solidFill>
+                  <a:srgbClr val="FF0000"/>
+                </a:solidFill>
+                <a:latin typeface="Geogrotesque Regular" panose="02000506040000020004" pitchFamily="50" charset="0"/>
+              </a:rPr>
+              <a:t>Pre-audit, encryption, database security</a:t>
+            </a:r>
+          </a:p>
+          <a:p>
+            <a:pPr marL="864017" lvl="1" indent="-432008">
+              <a:buFont typeface="Arial" panose="020B0604020202020204" pitchFamily="34" charset="0"/>
+              <a:buChar char="•"/>
+            </a:pPr>
+            <a:r>
+              <a:rPr lang="en-US" sz="3402" dirty="0">
+                <a:latin typeface="Geogrotesque Regular" panose="02000506040000020004" pitchFamily="50" charset="0"/>
+              </a:rPr>
+              <a:t>Maintenance/administration</a:t>
+            </a:r>
+          </a:p>
+          <a:p>
+            <a:pPr marL="864017" lvl="1" indent="-432008">
+              <a:buFont typeface="Arial" panose="020B0604020202020204" pitchFamily="34" charset="0"/>
+              <a:buChar char="•"/>
+            </a:pPr>
+            <a:r>
+              <a:rPr lang="en-US" sz="3402" dirty="0">
+                <a:latin typeface="Geogrotesque Regular" panose="02000506040000020004" pitchFamily="50" charset="0"/>
+              </a:rPr>
+              <a:t>Automation/PowerShell</a:t>
+            </a:r>
+          </a:p>
+          <a:p>
+            <a:pPr marL="864017" lvl="1" indent="-432008">
+              <a:buFont typeface="Arial" panose="020B0604020202020204" pitchFamily="34" charset="0"/>
+              <a:buChar char="•"/>
+            </a:pPr>
+            <a:r>
+              <a:rPr lang="en-US" sz="3402" dirty="0">
+                <a:latin typeface="Geogrotesque Regular" panose="02000506040000020004" pitchFamily="50" charset="0"/>
+              </a:rPr>
+              <a:t>Azure SQL (IaaS or PaaS) architecture</a:t>
+            </a:r>
+          </a:p>
+          <a:p>
+            <a:pPr marL="864017" lvl="1" indent="-432008">
+              <a:buFont typeface="Arial" panose="020B0604020202020204" pitchFamily="34" charset="0"/>
+              <a:buChar char="•"/>
+            </a:pPr>
+            <a:r>
+              <a:rPr lang="en-US" sz="3402" dirty="0">
+                <a:latin typeface="Geogrotesque Regular" panose="02000506040000020004" pitchFamily="50" charset="0"/>
+              </a:rPr>
+              <a:t>Training/</a:t>
+            </a:r>
+            <a:r>
+              <a:rPr lang="en-US" sz="3402" dirty="0">
+                <a:solidFill>
+                  <a:srgbClr val="FF0000"/>
+                </a:solidFill>
+                <a:latin typeface="Geogrotesque Regular" panose="02000506040000020004" pitchFamily="50" charset="0"/>
+              </a:rPr>
+              <a:t>Knowledge Transfer</a:t>
+            </a:r>
+            <a:r>
+              <a:rPr lang="en-US" sz="3402" dirty="0">
+                <a:latin typeface="Geogrotesque Regular" panose="02000506040000020004" pitchFamily="50" charset="0"/>
+              </a:rPr>
+              <a:t>/skillset updates</a:t>
+            </a:r>
+          </a:p>
+          <a:p>
+            <a:pPr marL="864017" lvl="1" indent="-432008">
+              <a:buFont typeface="Arial" panose="020B0604020202020204" pitchFamily="34" charset="0"/>
+              <a:buChar char="•"/>
+            </a:pPr>
+            <a:endParaRPr lang="en-US" sz="3402" dirty="0">
+              <a:latin typeface="Geogrotesque Regular" panose="02000506040000020004" pitchFamily="50" charset="0"/>
+            </a:endParaRPr>
+          </a:p>
+        </p:txBody>
+      </p:sp>
+    </p:spTree>
+    <p:extLst>
+      <p:ext uri="{BB962C8B-B14F-4D97-AF65-F5344CB8AC3E}">
+        <p14:creationId xmlns:p14="http://schemas.microsoft.com/office/powerpoint/2010/main" val="1994065593"/>
+      </p:ext>
+    </p:extLst>
+  </p:cSld>
+  <p:clrMapOvr>
+    <a:masterClrMapping/>
+  </p:clrMapOvr>
+  <mc:AlternateContent xmlns:mc="http://schemas.openxmlformats.org/markup-compatibility/2006" xmlns:p14="http://schemas.microsoft.com/office/powerpoint/2010/main">
+    <mc:Choice Requires="p14">
+      <p:transition spd="slow" p14:dur="2000" advTm="10000"/>
+    </mc:Choice>
+    <mc:Fallback xmlns="">
+      <p:transition spd="slow" advTm="10000"/>
+    </mc:Fallback>
+  </mc:AlternateContent>
+</p:sld>
+</file>
+
+<file path=ppt/slides/slide57.xml><?xml version="1.0" encoding="utf-8"?>
+<p:sld xmlns:a="http://schemas.openxmlformats.org/drawingml/2006/main" xmlns:r="http://schemas.openxmlformats.org/officeDocument/2006/relationships" xmlns:p="http://schemas.openxmlformats.org/presentationml/2006/main">
+  <p:cSld>
+    <p:spTree>
+      <p:nvGrpSpPr>
+        <p:cNvPr id="1" name=""/>
+        <p:cNvGrpSpPr/>
+        <p:nvPr/>
+      </p:nvGrpSpPr>
+      <p:grpSpPr>
+        <a:xfrm>
+          <a:off x="0" y="0"/>
+          <a:ext cx="0" cy="0"/>
+          <a:chOff x="0" y="0"/>
+          <a:chExt cx="0" cy="0"/>
+        </a:xfrm>
+      </p:grpSpPr>
+      <p:sp>
+        <p:nvSpPr>
           <p:cNvPr id="4" name="Title 3">
             <a:extLst>
               <a:ext uri="{FF2B5EF4-FFF2-40B4-BE49-F238E27FC236}">
@@ -28434,7 +28611,7 @@
 </p:sld>
 </file>
 
-<file path=ppt/slides/slide57.xml><?xml version="1.0" encoding="utf-8"?>
+<file path=ppt/slides/slide58.xml><?xml version="1.0" encoding="utf-8"?>
 <p:sld xmlns:a="http://schemas.openxmlformats.org/drawingml/2006/main" xmlns:r="http://schemas.openxmlformats.org/officeDocument/2006/relationships" xmlns:p="http://schemas.openxmlformats.org/presentationml/2006/main">
   <p:cSld>
     <p:bg>
@@ -28779,7 +28956,7 @@
 </p:sld>
 </file>
 
-<file path=ppt/slides/slide58.xml><?xml version="1.0" encoding="utf-8"?>
+<file path=ppt/slides/slide59.xml><?xml version="1.0" encoding="utf-8"?>
 <p:sld xmlns:a="http://schemas.openxmlformats.org/drawingml/2006/main" xmlns:r="http://schemas.openxmlformats.org/officeDocument/2006/relationships" xmlns:p="http://schemas.openxmlformats.org/presentationml/2006/main">
   <p:cSld>
     <p:spTree>
@@ -30252,7 +30429,15 @@
             </a:pPr>
             <a:r>
               <a:rPr lang="en-US" sz="3600" dirty="0"/>
-              <a:t>Major performance boosts: Scalar UDF in-lining (automatic!), memory optimized TempDB metadata, OPTIMIZE_FOR_SEQUENTIAL_KEY, more!</a:t>
+              <a:t>Major performance boosts: Scalar UDF </a:t>
+            </a:r>
+            <a:r>
+              <a:rPr lang="en-US" sz="3600" dirty="0" err="1"/>
+              <a:t>inlining</a:t>
+            </a:r>
+            <a:r>
+              <a:rPr lang="en-US" sz="3600" dirty="0"/>
+              <a:t> (automatic!), memory optimized TempDB metadata, OPTIMIZE_FOR_SEQUENTIAL_KEY, more!</a:t>
             </a:r>
           </a:p>
           <a:p>

--- a/Santa Fe SQL User Group/What's New in SQL 2019.pptx
+++ b/Santa Fe SQL User Group/What's New in SQL 2019.pptx
@@ -6,10 +6,10 @@
     <p:sldMasterId id="2147483704" r:id="rId2"/>
   </p:sldMasterIdLst>
   <p:notesMasterIdLst>
-    <p:notesMasterId r:id="rId62"/>
+    <p:notesMasterId r:id="rId63"/>
   </p:notesMasterIdLst>
   <p:handoutMasterIdLst>
-    <p:handoutMasterId r:id="rId63"/>
+    <p:handoutMasterId r:id="rId64"/>
   </p:handoutMasterIdLst>
   <p:sldIdLst>
     <p:sldId id="451" r:id="rId3"/>
@@ -43,34 +43,35 @@
     <p:sldId id="444" r:id="rId31"/>
     <p:sldId id="445" r:id="rId32"/>
     <p:sldId id="427" r:id="rId33"/>
-    <p:sldId id="449" r:id="rId34"/>
-    <p:sldId id="450" r:id="rId35"/>
-    <p:sldId id="428" r:id="rId36"/>
-    <p:sldId id="426" r:id="rId37"/>
-    <p:sldId id="457" r:id="rId38"/>
-    <p:sldId id="453" r:id="rId39"/>
-    <p:sldId id="417" r:id="rId40"/>
-    <p:sldId id="415" r:id="rId41"/>
-    <p:sldId id="416" r:id="rId42"/>
-    <p:sldId id="441" r:id="rId43"/>
-    <p:sldId id="442" r:id="rId44"/>
-    <p:sldId id="342" r:id="rId45"/>
-    <p:sldId id="422" r:id="rId46"/>
-    <p:sldId id="423" r:id="rId47"/>
-    <p:sldId id="424" r:id="rId48"/>
-    <p:sldId id="420" r:id="rId49"/>
-    <p:sldId id="459" r:id="rId50"/>
-    <p:sldId id="447" r:id="rId51"/>
-    <p:sldId id="454" r:id="rId52"/>
-    <p:sldId id="419" r:id="rId53"/>
-    <p:sldId id="421" r:id="rId54"/>
-    <p:sldId id="446" r:id="rId55"/>
-    <p:sldId id="337" r:id="rId56"/>
-    <p:sldId id="334" r:id="rId57"/>
-    <p:sldId id="336" r:id="rId58"/>
-    <p:sldId id="439" r:id="rId59"/>
-    <p:sldId id="414" r:id="rId60"/>
-    <p:sldId id="413" r:id="rId61"/>
+    <p:sldId id="462" r:id="rId34"/>
+    <p:sldId id="449" r:id="rId35"/>
+    <p:sldId id="450" r:id="rId36"/>
+    <p:sldId id="428" r:id="rId37"/>
+    <p:sldId id="426" r:id="rId38"/>
+    <p:sldId id="457" r:id="rId39"/>
+    <p:sldId id="453" r:id="rId40"/>
+    <p:sldId id="417" r:id="rId41"/>
+    <p:sldId id="415" r:id="rId42"/>
+    <p:sldId id="416" r:id="rId43"/>
+    <p:sldId id="441" r:id="rId44"/>
+    <p:sldId id="442" r:id="rId45"/>
+    <p:sldId id="342" r:id="rId46"/>
+    <p:sldId id="422" r:id="rId47"/>
+    <p:sldId id="423" r:id="rId48"/>
+    <p:sldId id="424" r:id="rId49"/>
+    <p:sldId id="420" r:id="rId50"/>
+    <p:sldId id="459" r:id="rId51"/>
+    <p:sldId id="447" r:id="rId52"/>
+    <p:sldId id="454" r:id="rId53"/>
+    <p:sldId id="419" r:id="rId54"/>
+    <p:sldId id="421" r:id="rId55"/>
+    <p:sldId id="446" r:id="rId56"/>
+    <p:sldId id="337" r:id="rId57"/>
+    <p:sldId id="334" r:id="rId58"/>
+    <p:sldId id="336" r:id="rId59"/>
+    <p:sldId id="439" r:id="rId60"/>
+    <p:sldId id="414" r:id="rId61"/>
+    <p:sldId id="413" r:id="rId62"/>
   </p:sldIdLst>
   <p:sldSz cx="11520488" cy="6480175"/>
   <p:notesSz cx="6858000" cy="9144000"/>
@@ -191,6 +192,65 @@
 </p:presentation>
 </file>
 
+<file path=ppt/revisionInfo.xml><?xml version="1.0" encoding="utf-8"?>
+<p1510:revInfo xmlns:a="http://schemas.openxmlformats.org/drawingml/2006/main" xmlns:r="http://schemas.openxmlformats.org/officeDocument/2006/relationships" xmlns:p1510="http://schemas.microsoft.com/office/powerpoint/2015/10/main">
+  <p1510:revLst>
+    <p1510:client id="{9A527A8E-ACCB-426B-A608-4989C7BED1D8}" v="2" dt="2020-03-06T17:33:50.541"/>
+  </p1510:revLst>
+</p1510:revInfo>
+</file>
+
+<file path=ppt/changesInfos/changesInfo1.xml><?xml version="1.0" encoding="utf-8"?>
+<pc:chgInfo xmlns:a="http://schemas.openxmlformats.org/drawingml/2006/main" xmlns:r="http://schemas.openxmlformats.org/officeDocument/2006/relationships" xmlns:ac="http://schemas.microsoft.com/office/drawing/2013/main/command" xmlns:pc="http://schemas.microsoft.com/office/powerpoint/2013/main/command">
+  <pc:docChgLst>
+    <pc:chgData name="william a" userId="c66c7249b60d4ab2" providerId="LiveId" clId="{9A527A8E-ACCB-426B-A608-4989C7BED1D8}"/>
+    <pc:docChg chg="addSld delSld modSld sldOrd">
+      <pc:chgData name="william a" userId="c66c7249b60d4ab2" providerId="LiveId" clId="{9A527A8E-ACCB-426B-A608-4989C7BED1D8}" dt="2020-03-06T17:37:50.842" v="15" actId="20577"/>
+      <pc:docMkLst>
+        <pc:docMk/>
+      </pc:docMkLst>
+      <pc:sldChg chg="modSp add del ord">
+        <pc:chgData name="william a" userId="c66c7249b60d4ab2" providerId="LiveId" clId="{9A527A8E-ACCB-426B-A608-4989C7BED1D8}" dt="2020-03-06T17:37:50.842" v="15" actId="20577"/>
+        <pc:sldMkLst>
+          <pc:docMk/>
+          <pc:sldMk cId="2340861482" sldId="449"/>
+        </pc:sldMkLst>
+        <pc:spChg chg="mod">
+          <ac:chgData name="william a" userId="c66c7249b60d4ab2" providerId="LiveId" clId="{9A527A8E-ACCB-426B-A608-4989C7BED1D8}" dt="2020-03-06T17:37:50.842" v="15" actId="20577"/>
+          <ac:spMkLst>
+            <pc:docMk/>
+            <pc:sldMk cId="2340861482" sldId="449"/>
+            <ac:spMk id="4" creationId="{00000000-0000-0000-0000-000000000000}"/>
+          </ac:spMkLst>
+        </pc:spChg>
+      </pc:sldChg>
+      <pc:sldChg chg="modSp">
+        <pc:chgData name="william a" userId="c66c7249b60d4ab2" providerId="LiveId" clId="{9A527A8E-ACCB-426B-A608-4989C7BED1D8}" dt="2020-03-06T17:35:54.559" v="3" actId="14100"/>
+        <pc:sldMkLst>
+          <pc:docMk/>
+          <pc:sldMk cId="596468156" sldId="455"/>
+        </pc:sldMkLst>
+        <pc:spChg chg="mod">
+          <ac:chgData name="william a" userId="c66c7249b60d4ab2" providerId="LiveId" clId="{9A527A8E-ACCB-426B-A608-4989C7BED1D8}" dt="2020-03-06T17:35:54.559" v="3" actId="14100"/>
+          <ac:spMkLst>
+            <pc:docMk/>
+            <pc:sldMk cId="596468156" sldId="455"/>
+            <ac:spMk id="4" creationId="{936E64B9-6958-4EA0-B73B-3029689BAE36}"/>
+          </ac:spMkLst>
+        </pc:spChg>
+      </pc:sldChg>
+      <pc:sldChg chg="add ord">
+        <pc:chgData name="william a" userId="c66c7249b60d4ab2" providerId="LiveId" clId="{9A527A8E-ACCB-426B-A608-4989C7BED1D8}" dt="2020-03-06T17:33:50.540" v="2"/>
+        <pc:sldMkLst>
+          <pc:docMk/>
+          <pc:sldMk cId="508234995" sldId="462"/>
+        </pc:sldMkLst>
+      </pc:sldChg>
+    </pc:docChg>
+  </pc:docChgLst>
+</pc:chgInfo>
+</file>
+
 <file path=ppt/handoutMasters/handoutMaster1.xml><?xml version="1.0" encoding="utf-8"?>
 <p:handoutMaster xmlns:a="http://schemas.openxmlformats.org/drawingml/2006/main" xmlns:r="http://schemas.openxmlformats.org/officeDocument/2006/relationships" xmlns:p="http://schemas.openxmlformats.org/presentationml/2006/main">
   <p:cSld>
@@ -285,7 +345,7 @@
           <a:p>
             <a:fld id="{F2AAB19A-044A-4188-95F7-FE3CC087FFBA}" type="datetimeFigureOut">
               <a:rPr lang="en-US" smtClean="0"/>
-              <a:t>2/14/2020</a:t>
+              <a:t>3/6/2020</a:t>
             </a:fld>
             <a:endParaRPr lang="en-US"/>
           </a:p>
@@ -462,7 +522,7 @@
           <a:p>
             <a:fld id="{3A12807D-DF51-4782-A6A0-E53C53F8DBAA}" type="datetimeFigureOut">
               <a:rPr lang="en-US" smtClean="0"/>
-              <a:t>2/14/2020</a:t>
+              <a:t>3/6/2020</a:t>
             </a:fld>
             <a:endParaRPr lang="en-US"/>
           </a:p>
@@ -1130,7 +1190,7 @@
           <a:p>
             <a:fld id="{0FA5C2AB-72C2-4F1F-8100-3B56372C9376}" type="slidenum">
               <a:rPr lang="en-US" smtClean="0"/>
-              <a:t>41</a:t>
+              <a:t>42</a:t>
             </a:fld>
             <a:endParaRPr lang="en-US"/>
           </a:p>
@@ -1214,7 +1274,7 @@
           <a:p>
             <a:fld id="{0FA5C2AB-72C2-4F1F-8100-3B56372C9376}" type="slidenum">
               <a:rPr lang="en-US" smtClean="0"/>
-              <a:t>42</a:t>
+              <a:t>43</a:t>
             </a:fld>
             <a:endParaRPr lang="en-US"/>
           </a:p>
@@ -1298,7 +1358,7 @@
           <a:p>
             <a:fld id="{2169F59F-0EB0-7641-AD82-6C091FC4275B}" type="slidenum">
               <a:rPr lang="en-US" smtClean="0"/>
-              <a:t>54</a:t>
+              <a:t>55</a:t>
             </a:fld>
             <a:endParaRPr lang="en-US"/>
           </a:p>
@@ -1382,7 +1442,7 @@
           <a:p>
             <a:fld id="{2169F59F-0EB0-7641-AD82-6C091FC4275B}" type="slidenum">
               <a:rPr lang="en-US" smtClean="0"/>
-              <a:t>55</a:t>
+              <a:t>56</a:t>
             </a:fld>
             <a:endParaRPr lang="en-US"/>
           </a:p>
@@ -1466,7 +1526,7 @@
           <a:p>
             <a:fld id="{2169F59F-0EB0-7641-AD82-6C091FC4275B}" type="slidenum">
               <a:rPr lang="en-US" smtClean="0"/>
-              <a:t>56</a:t>
+              <a:t>57</a:t>
             </a:fld>
             <a:endParaRPr lang="en-US"/>
           </a:p>
@@ -11117,7 +11177,7 @@
           <a:p>
             <a:fld id="{73B86625-C2D0-43E1-A831-5EEBAAFB5F44}" type="datetimeFigureOut">
               <a:rPr lang="en-US" smtClean="0"/>
-              <a:t>2/14/2020</a:t>
+              <a:t>3/6/2020</a:t>
             </a:fld>
             <a:endParaRPr lang="en-US"/>
           </a:p>
@@ -17242,8 +17302,8 @@
         </p:nvSpPr>
         <p:spPr>
           <a:xfrm>
-            <a:off x="719138" y="1193485"/>
-            <a:ext cx="10630734" cy="4175759"/>
+            <a:off x="209725" y="1193485"/>
+            <a:ext cx="11140147" cy="4175759"/>
           </a:xfrm>
           <a:prstGeom prst="rect">
             <a:avLst/>
@@ -21267,7 +21327,13 @@
       </p:grpSpPr>
       <p:sp>
         <p:nvSpPr>
-          <p:cNvPr id="4" name="Title 3"/>
+          <p:cNvPr id="2" name="Title 1">
+            <a:extLst>
+              <a:ext uri="{FF2B5EF4-FFF2-40B4-BE49-F238E27FC236}">
+                <a16:creationId xmlns:a16="http://schemas.microsoft.com/office/drawing/2014/main" id="{AB2383FB-2B01-4AC2-B007-BF230D859CBD}"/>
+              </a:ext>
+            </a:extLst>
+          </p:cNvPr>
           <p:cNvSpPr>
             <a:spLocks noGrp="1"/>
           </p:cNvSpPr>
@@ -21282,22 +21348,24 @@
           </a:xfrm>
         </p:spPr>
         <p:txBody>
-          <a:bodyPr/>
+          <a:bodyPr>
+            <a:noAutofit/>
+          </a:bodyPr>
           <a:lstStyle/>
           <a:p>
             <a:r>
-              <a:rPr lang="en-US" b="1" dirty="0"/>
-              <a:t>New in Availability Groups</a:t>
-            </a:r>
-          </a:p>
-        </p:txBody>
-      </p:sp>
-      <p:sp>
-        <p:nvSpPr>
-          <p:cNvPr id="2" name="Rectangle 1">
+              <a:rPr lang="en-US" sz="3600" b="1" dirty="0"/>
+              <a:t>Software Assurance + Availability Groups</a:t>
+            </a:r>
+          </a:p>
+        </p:txBody>
+      </p:sp>
+      <p:sp>
+        <p:nvSpPr>
+          <p:cNvPr id="4" name="Rectangle 3">
             <a:extLst>
               <a:ext uri="{FF2B5EF4-FFF2-40B4-BE49-F238E27FC236}">
-                <a16:creationId xmlns:a16="http://schemas.microsoft.com/office/drawing/2014/main" id="{3A456A49-D9F1-4953-8152-0834928543C1}"/>
+                <a16:creationId xmlns:a16="http://schemas.microsoft.com/office/drawing/2014/main" id="{24F51623-B7AE-4C96-A95F-F064FFBEEEB2}"/>
               </a:ext>
             </a:extLst>
           </p:cNvPr>
@@ -21306,8 +21374,8 @@
         </p:nvSpPr>
         <p:spPr>
           <a:xfrm>
-            <a:off x="110985" y="1172633"/>
-            <a:ext cx="11128648" cy="3662541"/>
+            <a:off x="81107" y="6119812"/>
+            <a:ext cx="7806748" cy="215444"/>
           </a:xfrm>
           <a:prstGeom prst="rect">
             <a:avLst/>
@@ -21319,68 +21387,114 @@
           </a:bodyPr>
           <a:lstStyle/>
           <a:p>
-            <a:pPr marL="571500" indent="-571500">
+            <a:r>
+              <a:rPr lang="en-US" sz="800" dirty="0">
+                <a:hlinkClick r:id="rId2"/>
+              </a:rPr>
+              <a:t>https://cloudblogs.microsoft.com/sqlserver/2019/10/30/new-high-availability-and-disaster-recovery-benefits-for-sql-server/</a:t>
+            </a:r>
+            <a:endParaRPr lang="en-US" sz="800" dirty="0"/>
+          </a:p>
+        </p:txBody>
+      </p:sp>
+      <p:sp>
+        <p:nvSpPr>
+          <p:cNvPr id="6" name="TextBox 5">
+            <a:extLst>
+              <a:ext uri="{FF2B5EF4-FFF2-40B4-BE49-F238E27FC236}">
+                <a16:creationId xmlns:a16="http://schemas.microsoft.com/office/drawing/2014/main" id="{DB1CBB6B-C96C-4135-9CF8-90CA8F1D4B29}"/>
+              </a:ext>
+            </a:extLst>
+          </p:cNvPr>
+          <p:cNvSpPr txBox="1"/>
+          <p:nvPr/>
+        </p:nvSpPr>
+        <p:spPr>
+          <a:xfrm>
+            <a:off x="146184" y="1113837"/>
+            <a:ext cx="10908751" cy="6063198"/>
+          </a:xfrm>
+          <a:prstGeom prst="rect">
+            <a:avLst/>
+          </a:prstGeom>
+          <a:noFill/>
+        </p:spPr>
+        <p:txBody>
+          <a:bodyPr wrap="square" rtlCol="0">
+            <a:spAutoFit/>
+          </a:bodyPr>
+          <a:lstStyle/>
+          <a:p>
+            <a:pPr marL="457200" indent="-457200">
               <a:buFont typeface="Arial" panose="020B0604020202020204" pitchFamily="34" charset="0"/>
               <a:buChar char="•"/>
             </a:pPr>
             <a:r>
               <a:rPr lang="en-US" sz="3600" dirty="0"/>
-              <a:t>Software Assurance – Azure VM SQL licensing in your Availability groups are now FREE</a:t>
+              <a:t>Software Assurance – Azure VM SQL licensing for up to 2 secondary replicas in your availability groups are now FREE as of Nov 2019</a:t>
+            </a:r>
+          </a:p>
+          <a:p>
+            <a:pPr marL="457200" indent="-457200">
+              <a:buFont typeface="Arial" panose="020B0604020202020204" pitchFamily="34" charset="0"/>
+              <a:buChar char="•"/>
+            </a:pPr>
+            <a:r>
+              <a:rPr lang="en-US" sz="3600" dirty="0"/>
+              <a:t>In case of availability groups, License the cores on the Primary replica, up to three more secondary licenses</a:t>
+            </a:r>
+          </a:p>
+          <a:p>
+            <a:pPr marL="457200" indent="-457200">
+              <a:buFont typeface="Arial" panose="020B0604020202020204" pitchFamily="34" charset="0"/>
+              <a:buChar char="•"/>
+            </a:pPr>
+            <a:r>
+              <a:rPr lang="en-US" sz="3600" dirty="0"/>
+              <a:t>1 core of Enterprise Edition with SA covers for free: </a:t>
             </a:r>
             <a:br>
               <a:rPr lang="en-US" sz="3600" dirty="0"/>
             </a:br>
             <a:r>
-              <a:rPr lang="en-US" sz="1200" dirty="0">
-                <a:hlinkClick r:id="rId2"/>
-              </a:rPr>
-              <a:t>https://cloudblogs.microsoft.com/sqlserver/2019/10/30/new-high-availability-and-disaster-recovery-benefits-for-sql-server/</a:t>
-            </a:r>
-            <a:endParaRPr lang="en-US" sz="3600" dirty="0"/>
-          </a:p>
-          <a:p>
-            <a:pPr marL="571500" indent="-571500">
+              <a:rPr lang="en-US" sz="3600" dirty="0"/>
+              <a:t>	1 core of HA replica, 1 core of DR replica, PLUS</a:t>
+            </a:r>
+            <a:br>
+              <a:rPr lang="en-US" sz="3600" dirty="0"/>
+            </a:br>
+            <a:r>
+              <a:rPr lang="en-US" sz="3600" dirty="0"/>
+              <a:t>	1 of DR replica in an Azure VM </a:t>
+            </a:r>
+          </a:p>
+          <a:p>
+            <a:pPr marL="914400" lvl="1" indent="-457200">
               <a:buFont typeface="Arial" panose="020B0604020202020204" pitchFamily="34" charset="0"/>
               <a:buChar char="•"/>
             </a:pPr>
-            <a:endParaRPr lang="en-US" sz="3600" dirty="0"/>
-          </a:p>
-          <a:p>
-            <a:pPr marL="571500" indent="-571500">
+            <a:r>
+              <a:rPr lang="en-US" sz="2800" dirty="0"/>
+              <a:t>DR = readable secondary, HA = failover only</a:t>
+            </a:r>
+            <a:br>
+              <a:rPr lang="en-US" sz="3200" dirty="0"/>
+            </a:br>
+            <a:endParaRPr lang="en-US" sz="3200" dirty="0"/>
+          </a:p>
+          <a:p>
+            <a:pPr marL="457200" indent="-457200">
               <a:buFont typeface="Arial" panose="020B0604020202020204" pitchFamily="34" charset="0"/>
               <a:buChar char="•"/>
             </a:pPr>
-            <a:r>
-              <a:rPr lang="en-US" sz="3600" dirty="0"/>
-              <a:t>Now up to 5 synchronous replicas supported</a:t>
-            </a:r>
-          </a:p>
-          <a:p>
-            <a:pPr marL="571500" indent="-571500">
-              <a:buFont typeface="Arial" panose="020B0604020202020204" pitchFamily="34" charset="0"/>
-              <a:buChar char="•"/>
-            </a:pPr>
-            <a:r>
-              <a:rPr lang="en-US" sz="3600" dirty="0"/>
-              <a:t>Availability Groups now supported in Kubernetes</a:t>
-            </a:r>
-          </a:p>
-          <a:p>
-            <a:pPr marL="571500" indent="-571500">
-              <a:buFont typeface="Arial" panose="020B0604020202020204" pitchFamily="34" charset="0"/>
-              <a:buChar char="•"/>
-            </a:pPr>
-            <a:r>
-              <a:rPr lang="en-US" sz="3600" dirty="0"/>
-              <a:t>Not supported in SQL for Windows on Docker (yet)</a:t>
-            </a:r>
+            <a:endParaRPr lang="en-US" sz="3200" dirty="0"/>
           </a:p>
         </p:txBody>
       </p:sp>
     </p:spTree>
     <p:extLst>
       <p:ext uri="{BB962C8B-B14F-4D97-AF65-F5344CB8AC3E}">
-        <p14:creationId xmlns:p14="http://schemas.microsoft.com/office/powerpoint/2010/main" val="2340861482"/>
+        <p14:creationId xmlns:p14="http://schemas.microsoft.com/office/powerpoint/2010/main" val="508234995"/>
       </p:ext>
     </p:extLst>
   </p:cSld>
@@ -21429,8 +21543,13 @@
           <a:p>
             <a:r>
               <a:rPr lang="en-US" b="1" dirty="0"/>
-              <a:t>Hybrid Buffer Pool</a:t>
-            </a:r>
+              <a:t>New in </a:t>
+            </a:r>
+            <a:r>
+              <a:rPr lang="en-US" b="1"/>
+              <a:t>Availability Groups in SQL 2019</a:t>
+            </a:r>
+            <a:endParaRPr lang="en-US" b="1" dirty="0"/>
           </a:p>
         </p:txBody>
       </p:sp>
@@ -21449,7 +21568,7 @@
         <p:spPr>
           <a:xfrm>
             <a:off x="110985" y="1172633"/>
-            <a:ext cx="11128648" cy="4893647"/>
+            <a:ext cx="11128648" cy="1754326"/>
           </a:xfrm>
           <a:prstGeom prst="rect">
             <a:avLst/>
@@ -21466,26 +21585,8 @@
               <a:buChar char="•"/>
             </a:pPr>
             <a:r>
-              <a:rPr lang="en-US" sz="3200" dirty="0"/>
-              <a:t>SQL Server 2019 can take advantage of Persistent Memory Devices (PMEM) (non-volatile RAM).</a:t>
-            </a:r>
-          </a:p>
-          <a:p>
-            <a:pPr marL="1028700" lvl="1" indent="-571500">
-              <a:buFont typeface="Arial" panose="020B0604020202020204" pitchFamily="34" charset="0"/>
-              <a:buChar char="•"/>
-            </a:pPr>
-            <a:r>
-              <a:rPr lang="en-US" sz="2800" dirty="0"/>
-              <a:t>Example: Intel </a:t>
-            </a:r>
-            <a:r>
-              <a:rPr lang="en-US" sz="2800" dirty="0" err="1"/>
-              <a:t>Optane</a:t>
-            </a:r>
-            <a:r>
-              <a:rPr lang="en-US" sz="2800" dirty="0"/>
-              <a:t> DC persistent memory</a:t>
+              <a:rPr lang="en-US" sz="3600" dirty="0"/>
+              <a:t>Now up to 5 synchronous replicas supported</a:t>
             </a:r>
           </a:p>
           <a:p>
@@ -21494,8 +21595,8 @@
               <a:buChar char="•"/>
             </a:pPr>
             <a:r>
-              <a:rPr lang="en-US" sz="3200" dirty="0"/>
-              <a:t>Can be used by Win Server 2019 with Storage Spaces Direct.</a:t>
+              <a:rPr lang="en-US" sz="3600" dirty="0"/>
+              <a:t>Availability Groups now supported in Kubernetes</a:t>
             </a:r>
           </a:p>
           <a:p>
@@ -21504,53 +21605,16 @@
               <a:buChar char="•"/>
             </a:pPr>
             <a:r>
-              <a:rPr lang="en-US" sz="3200" dirty="0"/>
-              <a:t>Moves clean buffer pool pages out of RAM and onto PMEM</a:t>
-            </a:r>
-          </a:p>
-          <a:p>
-            <a:pPr marL="1028700" lvl="1" indent="-571500">
-              <a:buFont typeface="Arial" panose="020B0604020202020204" pitchFamily="34" charset="0"/>
-              <a:buChar char="•"/>
-            </a:pPr>
-            <a:r>
-              <a:rPr lang="en-US" sz="2800" dirty="0"/>
-              <a:t>Dirty pages still stored in DRAM</a:t>
-            </a:r>
-          </a:p>
-          <a:p>
-            <a:pPr marL="571500" indent="-571500">
-              <a:buFont typeface="Arial" panose="020B0604020202020204" pitchFamily="34" charset="0"/>
-              <a:buChar char="•"/>
-            </a:pPr>
-            <a:r>
-              <a:rPr lang="en-US" sz="3200" dirty="0"/>
-              <a:t>Can be disabled at the database level, allowing only the most performance critical databases to take advantage.</a:t>
-            </a:r>
-          </a:p>
-          <a:p>
-            <a:pPr marL="571500" indent="-571500">
-              <a:buFont typeface="Arial" panose="020B0604020202020204" pitchFamily="34" charset="0"/>
-              <a:buChar char="•"/>
-            </a:pPr>
-            <a:r>
-              <a:rPr lang="en-US" sz="3200" dirty="0"/>
-              <a:t>Both Windows and Linux, Enterprise and Standard edition</a:t>
-            </a:r>
-          </a:p>
-          <a:p>
-            <a:pPr marL="571500" indent="-571500">
-              <a:buFont typeface="Arial" panose="020B0604020202020204" pitchFamily="34" charset="0"/>
-              <a:buChar char="•"/>
-            </a:pPr>
-            <a:endParaRPr lang="en-US" sz="3200" dirty="0"/>
+              <a:rPr lang="en-US" sz="3600" dirty="0"/>
+              <a:t>Not supported in SQL for Windows on Docker (yet)</a:t>
+            </a:r>
           </a:p>
         </p:txBody>
       </p:sp>
     </p:spTree>
     <p:extLst>
       <p:ext uri="{BB962C8B-B14F-4D97-AF65-F5344CB8AC3E}">
-        <p14:creationId xmlns:p14="http://schemas.microsoft.com/office/powerpoint/2010/main" val="4242277249"/>
+        <p14:creationId xmlns:p14="http://schemas.microsoft.com/office/powerpoint/2010/main" val="2340861482"/>
       </p:ext>
     </p:extLst>
   </p:cSld>
@@ -21594,24 +21658,22 @@
           </a:xfrm>
         </p:spPr>
         <p:txBody>
-          <a:bodyPr>
-            <a:normAutofit fontScale="90000"/>
-          </a:bodyPr>
+          <a:bodyPr/>
           <a:lstStyle/>
           <a:p>
             <a:r>
               <a:rPr lang="en-US" b="1" dirty="0"/>
-              <a:t>Certificate Management inside Configuration Manager</a:t>
-            </a:r>
-          </a:p>
-        </p:txBody>
-      </p:sp>
-      <p:sp>
-        <p:nvSpPr>
-          <p:cNvPr id="6" name="Rectangle 5">
+              <a:t>Hybrid Buffer Pool</a:t>
+            </a:r>
+          </a:p>
+        </p:txBody>
+      </p:sp>
+      <p:sp>
+        <p:nvSpPr>
+          <p:cNvPr id="2" name="Rectangle 1">
             <a:extLst>
               <a:ext uri="{FF2B5EF4-FFF2-40B4-BE49-F238E27FC236}">
-                <a16:creationId xmlns:a16="http://schemas.microsoft.com/office/drawing/2014/main" id="{33C15D7C-61A7-491C-B26F-D8FD811F2766}"/>
+                <a16:creationId xmlns:a16="http://schemas.microsoft.com/office/drawing/2014/main" id="{3A456A49-D9F1-4953-8152-0834928543C1}"/>
               </a:ext>
             </a:extLst>
           </p:cNvPr>
@@ -21621,7 +21683,7 @@
         <p:spPr>
           <a:xfrm>
             <a:off x="110985" y="1172633"/>
-            <a:ext cx="11128648" cy="584775"/>
+            <a:ext cx="11128648" cy="4893647"/>
           </a:xfrm>
           <a:prstGeom prst="rect">
             <a:avLst/>
@@ -21633,126 +21695,96 @@
           </a:bodyPr>
           <a:lstStyle/>
           <a:p>
-            <a:r>
-              <a:rPr lang="en-US" sz="3200" b="1" dirty="0"/>
-              <a:t> </a:t>
-            </a:r>
-            <a:endParaRPr lang="en-US" sz="3200" dirty="0"/>
-          </a:p>
-        </p:txBody>
-      </p:sp>
-      <p:pic>
-        <p:nvPicPr>
-          <p:cNvPr id="7" name="Picture 6" descr="A screenshot of a cell phone&#10;&#10;Description automatically generated">
-            <a:extLst>
-              <a:ext uri="{FF2B5EF4-FFF2-40B4-BE49-F238E27FC236}">
-                <a16:creationId xmlns:a16="http://schemas.microsoft.com/office/drawing/2014/main" id="{B8B3EC61-35A5-4504-82CA-AD3ED9E6FF32}"/>
-              </a:ext>
-            </a:extLst>
-          </p:cNvPr>
-          <p:cNvPicPr>
-            <a:picLocks noChangeAspect="1"/>
-          </p:cNvPicPr>
-          <p:nvPr/>
-        </p:nvPicPr>
-        <p:blipFill>
-          <a:blip r:embed="rId2"/>
-          <a:stretch>
-            <a:fillRect/>
-          </a:stretch>
-        </p:blipFill>
-        <p:spPr>
-          <a:xfrm>
-            <a:off x="1233352" y="2072879"/>
-            <a:ext cx="5368376" cy="4426556"/>
-          </a:xfrm>
-          <a:prstGeom prst="rect">
-            <a:avLst/>
-          </a:prstGeom>
-        </p:spPr>
-      </p:pic>
-      <p:sp>
-        <p:nvSpPr>
-          <p:cNvPr id="8" name="Rectangle 7">
-            <a:extLst>
-              <a:ext uri="{FF2B5EF4-FFF2-40B4-BE49-F238E27FC236}">
-                <a16:creationId xmlns:a16="http://schemas.microsoft.com/office/drawing/2014/main" id="{8A3B0906-367B-4455-9586-389F91BB3A17}"/>
-              </a:ext>
-            </a:extLst>
-          </p:cNvPr>
-          <p:cNvSpPr/>
-          <p:nvPr/>
-        </p:nvSpPr>
-        <p:spPr>
-          <a:xfrm>
-            <a:off x="277839" y="1180327"/>
-            <a:ext cx="10803025" cy="1015663"/>
-          </a:xfrm>
-          <a:prstGeom prst="rect">
-            <a:avLst/>
-          </a:prstGeom>
-        </p:spPr>
-        <p:txBody>
-          <a:bodyPr wrap="square">
-            <a:spAutoFit/>
-          </a:bodyPr>
-          <a:lstStyle/>
-          <a:p>
-            <a:pPr marL="285750" indent="-285750">
+            <a:pPr marL="571500" indent="-571500">
               <a:buFont typeface="Arial" panose="020B0604020202020204" pitchFamily="34" charset="0"/>
               <a:buChar char="•"/>
             </a:pPr>
             <a:r>
-              <a:rPr lang="en-US" sz="3000" dirty="0"/>
-              <a:t>New in SQL Server 2019: Manage and monitor SSL/TLS certificates</a:t>
-            </a:r>
-          </a:p>
-          <a:p>
-            <a:pPr marL="285750" indent="-285750">
+              <a:rPr lang="en-US" sz="3200" dirty="0"/>
+              <a:t>SQL Server 2019 can take advantage of Persistent Memory Devices (PMEM) (non-volatile RAM).</a:t>
+            </a:r>
+          </a:p>
+          <a:p>
+            <a:pPr marL="1028700" lvl="1" indent="-571500">
               <a:buFont typeface="Arial" panose="020B0604020202020204" pitchFamily="34" charset="0"/>
               <a:buChar char="•"/>
             </a:pPr>
             <a:r>
-              <a:rPr lang="en-US" sz="3000" dirty="0"/>
-              <a:t>Deploy certs to instances in a AG or FCI easily</a:t>
-            </a:r>
-          </a:p>
-        </p:txBody>
-      </p:sp>
-      <p:pic>
-        <p:nvPicPr>
-          <p:cNvPr id="3" name="Picture 2" descr="A screenshot of a social media post&#10;&#10;Description automatically generated">
-            <a:extLst>
-              <a:ext uri="{FF2B5EF4-FFF2-40B4-BE49-F238E27FC236}">
-                <a16:creationId xmlns:a16="http://schemas.microsoft.com/office/drawing/2014/main" id="{5B9626B2-60F3-411F-8FA8-E07D7A6A3C68}"/>
-              </a:ext>
-            </a:extLst>
-          </p:cNvPr>
-          <p:cNvPicPr>
-            <a:picLocks noChangeAspect="1"/>
-          </p:cNvPicPr>
-          <p:nvPr/>
-        </p:nvPicPr>
-        <p:blipFill>
-          <a:blip r:embed="rId3"/>
-          <a:stretch>
-            <a:fillRect/>
-          </a:stretch>
-        </p:blipFill>
-        <p:spPr>
-          <a:xfrm>
-            <a:off x="5759573" y="2072879"/>
-            <a:ext cx="5760915" cy="6479366"/>
-          </a:xfrm>
-          <a:prstGeom prst="rect">
-            <a:avLst/>
-          </a:prstGeom>
-        </p:spPr>
-      </p:pic>
+              <a:rPr lang="en-US" sz="2800" dirty="0"/>
+              <a:t>Example: Intel </a:t>
+            </a:r>
+            <a:r>
+              <a:rPr lang="en-US" sz="2800" dirty="0" err="1"/>
+              <a:t>Optane</a:t>
+            </a:r>
+            <a:r>
+              <a:rPr lang="en-US" sz="2800" dirty="0"/>
+              <a:t> DC persistent memory</a:t>
+            </a:r>
+          </a:p>
+          <a:p>
+            <a:pPr marL="571500" indent="-571500">
+              <a:buFont typeface="Arial" panose="020B0604020202020204" pitchFamily="34" charset="0"/>
+              <a:buChar char="•"/>
+            </a:pPr>
+            <a:r>
+              <a:rPr lang="en-US" sz="3200" dirty="0"/>
+              <a:t>Can be used by Win Server 2019 with Storage Spaces Direct.</a:t>
+            </a:r>
+          </a:p>
+          <a:p>
+            <a:pPr marL="571500" indent="-571500">
+              <a:buFont typeface="Arial" panose="020B0604020202020204" pitchFamily="34" charset="0"/>
+              <a:buChar char="•"/>
+            </a:pPr>
+            <a:r>
+              <a:rPr lang="en-US" sz="3200" dirty="0"/>
+              <a:t>Moves clean buffer pool pages out of RAM and onto PMEM</a:t>
+            </a:r>
+          </a:p>
+          <a:p>
+            <a:pPr marL="1028700" lvl="1" indent="-571500">
+              <a:buFont typeface="Arial" panose="020B0604020202020204" pitchFamily="34" charset="0"/>
+              <a:buChar char="•"/>
+            </a:pPr>
+            <a:r>
+              <a:rPr lang="en-US" sz="2800" dirty="0"/>
+              <a:t>Dirty pages still stored in DRAM</a:t>
+            </a:r>
+          </a:p>
+          <a:p>
+            <a:pPr marL="571500" indent="-571500">
+              <a:buFont typeface="Arial" panose="020B0604020202020204" pitchFamily="34" charset="0"/>
+              <a:buChar char="•"/>
+            </a:pPr>
+            <a:r>
+              <a:rPr lang="en-US" sz="3200" dirty="0"/>
+              <a:t>Can be disabled at the database level, allowing only the most performance critical databases to take advantage.</a:t>
+            </a:r>
+          </a:p>
+          <a:p>
+            <a:pPr marL="571500" indent="-571500">
+              <a:buFont typeface="Arial" panose="020B0604020202020204" pitchFamily="34" charset="0"/>
+              <a:buChar char="•"/>
+            </a:pPr>
+            <a:r>
+              <a:rPr lang="en-US" sz="3200" dirty="0"/>
+              <a:t>Both Windows and Linux, Enterprise and Standard edition</a:t>
+            </a:r>
+          </a:p>
+          <a:p>
+            <a:pPr marL="571500" indent="-571500">
+              <a:buFont typeface="Arial" panose="020B0604020202020204" pitchFamily="34" charset="0"/>
+              <a:buChar char="•"/>
+            </a:pPr>
+            <a:endParaRPr lang="en-US" sz="3200" dirty="0"/>
+          </a:p>
+        </p:txBody>
+      </p:sp>
     </p:spTree>
     <p:extLst>
       <p:ext uri="{BB962C8B-B14F-4D97-AF65-F5344CB8AC3E}">
-        <p14:creationId xmlns:p14="http://schemas.microsoft.com/office/powerpoint/2010/main" val="731142461"/>
+        <p14:creationId xmlns:p14="http://schemas.microsoft.com/office/powerpoint/2010/main" val="4242277249"/>
       </p:ext>
     </p:extLst>
   </p:cSld>
@@ -21796,22 +21828,24 @@
           </a:xfrm>
         </p:spPr>
         <p:txBody>
-          <a:bodyPr/>
+          <a:bodyPr>
+            <a:normAutofit fontScale="90000"/>
+          </a:bodyPr>
           <a:lstStyle/>
           <a:p>
             <a:r>
               <a:rPr lang="en-US" b="1" dirty="0"/>
-              <a:t>UTF-8</a:t>
-            </a:r>
-          </a:p>
-        </p:txBody>
-      </p:sp>
-      <p:sp>
-        <p:nvSpPr>
-          <p:cNvPr id="5" name="Rectangle 4">
+              <a:t>Certificate Management inside Configuration Manager</a:t>
+            </a:r>
+          </a:p>
+        </p:txBody>
+      </p:sp>
+      <p:sp>
+        <p:nvSpPr>
+          <p:cNvPr id="6" name="Rectangle 5">
             <a:extLst>
               <a:ext uri="{FF2B5EF4-FFF2-40B4-BE49-F238E27FC236}">
-                <a16:creationId xmlns:a16="http://schemas.microsoft.com/office/drawing/2014/main" id="{9022255F-B99F-40C9-9C63-688DFB2F9EDA}"/>
+                <a16:creationId xmlns:a16="http://schemas.microsoft.com/office/drawing/2014/main" id="{33C15D7C-61A7-491C-B26F-D8FD811F2766}"/>
               </a:ext>
             </a:extLst>
           </p:cNvPr>
@@ -21821,7 +21855,7 @@
         <p:spPr>
           <a:xfrm>
             <a:off x="110985" y="1172633"/>
-            <a:ext cx="11128648" cy="4401205"/>
+            <a:ext cx="11128648" cy="584775"/>
           </a:xfrm>
           <a:prstGeom prst="rect">
             <a:avLst/>
@@ -21833,83 +21867,126 @@
           </a:bodyPr>
           <a:lstStyle/>
           <a:p>
-            <a:pPr marL="571500" indent="-571500">
+            <a:r>
+              <a:rPr lang="en-US" sz="3200" b="1" dirty="0"/>
+              <a:t> </a:t>
+            </a:r>
+            <a:endParaRPr lang="en-US" sz="3200" dirty="0"/>
+          </a:p>
+        </p:txBody>
+      </p:sp>
+      <p:pic>
+        <p:nvPicPr>
+          <p:cNvPr id="7" name="Picture 6" descr="A screenshot of a cell phone&#10;&#10;Description automatically generated">
+            <a:extLst>
+              <a:ext uri="{FF2B5EF4-FFF2-40B4-BE49-F238E27FC236}">
+                <a16:creationId xmlns:a16="http://schemas.microsoft.com/office/drawing/2014/main" id="{B8B3EC61-35A5-4504-82CA-AD3ED9E6FF32}"/>
+              </a:ext>
+            </a:extLst>
+          </p:cNvPr>
+          <p:cNvPicPr>
+            <a:picLocks noChangeAspect="1"/>
+          </p:cNvPicPr>
+          <p:nvPr/>
+        </p:nvPicPr>
+        <p:blipFill>
+          <a:blip r:embed="rId2"/>
+          <a:stretch>
+            <a:fillRect/>
+          </a:stretch>
+        </p:blipFill>
+        <p:spPr>
+          <a:xfrm>
+            <a:off x="1233352" y="2072879"/>
+            <a:ext cx="5368376" cy="4426556"/>
+          </a:xfrm>
+          <a:prstGeom prst="rect">
+            <a:avLst/>
+          </a:prstGeom>
+        </p:spPr>
+      </p:pic>
+      <p:sp>
+        <p:nvSpPr>
+          <p:cNvPr id="8" name="Rectangle 7">
+            <a:extLst>
+              <a:ext uri="{FF2B5EF4-FFF2-40B4-BE49-F238E27FC236}">
+                <a16:creationId xmlns:a16="http://schemas.microsoft.com/office/drawing/2014/main" id="{8A3B0906-367B-4455-9586-389F91BB3A17}"/>
+              </a:ext>
+            </a:extLst>
+          </p:cNvPr>
+          <p:cNvSpPr/>
+          <p:nvPr/>
+        </p:nvSpPr>
+        <p:spPr>
+          <a:xfrm>
+            <a:off x="277839" y="1180327"/>
+            <a:ext cx="10803025" cy="1015663"/>
+          </a:xfrm>
+          <a:prstGeom prst="rect">
+            <a:avLst/>
+          </a:prstGeom>
+        </p:spPr>
+        <p:txBody>
+          <a:bodyPr wrap="square">
+            <a:spAutoFit/>
+          </a:bodyPr>
+          <a:lstStyle/>
+          <a:p>
+            <a:pPr marL="285750" indent="-285750">
               <a:buFont typeface="Arial" panose="020B0604020202020204" pitchFamily="34" charset="0"/>
               <a:buChar char="•"/>
             </a:pPr>
             <a:r>
-              <a:rPr lang="en-US" sz="3600" dirty="0"/>
-              <a:t>Store char/varchar in UTF-8, replacing(?) char/</a:t>
-            </a:r>
-            <a:r>
-              <a:rPr lang="en-US" sz="3600" dirty="0" err="1"/>
-              <a:t>nvarchar</a:t>
-            </a:r>
-            <a:r>
-              <a:rPr lang="en-US" sz="3600" dirty="0"/>
-              <a:t>.</a:t>
-            </a:r>
-            <a:br>
-              <a:rPr lang="en-US" sz="3600" dirty="0"/>
-            </a:br>
-            <a:endParaRPr lang="en-US" sz="3600" dirty="0"/>
-          </a:p>
-          <a:p>
-            <a:pPr marL="571500" indent="-571500">
+              <a:rPr lang="en-US" sz="3000" dirty="0"/>
+              <a:t>New in SQL Server 2019: Manage and monitor SSL/TLS certificates</a:t>
+            </a:r>
+          </a:p>
+          <a:p>
+            <a:pPr marL="285750" indent="-285750">
               <a:buFont typeface="Arial" panose="020B0604020202020204" pitchFamily="34" charset="0"/>
               <a:buChar char="•"/>
             </a:pPr>
             <a:r>
-              <a:rPr lang="en-US" sz="3600" dirty="0"/>
-              <a:t>UTF-8 is the most popular character encoding set for XML, HTML, and the World Wide Web. </a:t>
-            </a:r>
-          </a:p>
-          <a:p>
-            <a:pPr marL="1028700" lvl="1" indent="-571500">
-              <a:buFont typeface="Arial" panose="020B0604020202020204" pitchFamily="34" charset="0"/>
-              <a:buChar char="•"/>
-            </a:pPr>
-            <a:r>
-              <a:rPr lang="en-US" sz="3200" dirty="0"/>
-              <a:t>90%+ of the web is encoded UTF-8, all languages have </a:t>
-            </a:r>
-            <a:r>
-              <a:rPr lang="en-US" sz="3200" i="1" dirty="0"/>
-              <a:t>most</a:t>
-            </a:r>
-            <a:r>
-              <a:rPr lang="en-US" sz="3200" dirty="0"/>
-              <a:t> of their characters in a single data page of UTF-8. </a:t>
-            </a:r>
-          </a:p>
-          <a:p>
-            <a:pPr marL="571500" indent="-571500">
-              <a:buFont typeface="Arial" panose="020B0604020202020204" pitchFamily="34" charset="0"/>
-              <a:buChar char="•"/>
-            </a:pPr>
-            <a:r>
-              <a:rPr lang="en-US" sz="3600" dirty="0" err="1"/>
-              <a:t>Nchar</a:t>
-            </a:r>
-            <a:r>
-              <a:rPr lang="en-US" sz="3600" dirty="0"/>
-              <a:t>/</a:t>
-            </a:r>
-            <a:r>
-              <a:rPr lang="en-US" sz="3600" dirty="0" err="1"/>
-              <a:t>Nvarchar</a:t>
-            </a:r>
-            <a:r>
-              <a:rPr lang="en-US" sz="3600" dirty="0"/>
-              <a:t> are UTF-16: better character coverage, 2x the space.</a:t>
-            </a:r>
-          </a:p>
-        </p:txBody>
-      </p:sp>
+              <a:rPr lang="en-US" sz="3000" dirty="0"/>
+              <a:t>Deploy certs to instances in a AG or FCI easily</a:t>
+            </a:r>
+          </a:p>
+        </p:txBody>
+      </p:sp>
+      <p:pic>
+        <p:nvPicPr>
+          <p:cNvPr id="3" name="Picture 2" descr="A screenshot of a social media post&#10;&#10;Description automatically generated">
+            <a:extLst>
+              <a:ext uri="{FF2B5EF4-FFF2-40B4-BE49-F238E27FC236}">
+                <a16:creationId xmlns:a16="http://schemas.microsoft.com/office/drawing/2014/main" id="{5B9626B2-60F3-411F-8FA8-E07D7A6A3C68}"/>
+              </a:ext>
+            </a:extLst>
+          </p:cNvPr>
+          <p:cNvPicPr>
+            <a:picLocks noChangeAspect="1"/>
+          </p:cNvPicPr>
+          <p:nvPr/>
+        </p:nvPicPr>
+        <p:blipFill>
+          <a:blip r:embed="rId3"/>
+          <a:stretch>
+            <a:fillRect/>
+          </a:stretch>
+        </p:blipFill>
+        <p:spPr>
+          <a:xfrm>
+            <a:off x="5759573" y="2072879"/>
+            <a:ext cx="5760915" cy="6479366"/>
+          </a:xfrm>
+          <a:prstGeom prst="rect">
+            <a:avLst/>
+          </a:prstGeom>
+        </p:spPr>
+      </p:pic>
     </p:spTree>
     <p:extLst>
       <p:ext uri="{BB962C8B-B14F-4D97-AF65-F5344CB8AC3E}">
-        <p14:creationId xmlns:p14="http://schemas.microsoft.com/office/powerpoint/2010/main" val="1277113126"/>
+        <p14:creationId xmlns:p14="http://schemas.microsoft.com/office/powerpoint/2010/main" val="731142461"/>
       </p:ext>
     </p:extLst>
   </p:cSld>
@@ -21978,7 +22055,7 @@
         <p:spPr>
           <a:xfrm>
             <a:off x="110985" y="1172633"/>
-            <a:ext cx="11128648" cy="3785652"/>
+            <a:ext cx="11128648" cy="4401205"/>
           </a:xfrm>
           <a:prstGeom prst="rect">
             <a:avLst/>
@@ -21995,17 +22072,21 @@
               <a:buChar char="•"/>
             </a:pPr>
             <a:r>
-              <a:rPr lang="en-US" sz="4000" dirty="0"/>
-              <a:t>Choosing a UTF-8 collation allows for a wider variety of character values inside the </a:t>
-            </a:r>
-            <a:r>
-              <a:rPr lang="en-US" sz="4000" b="1" dirty="0"/>
-              <a:t>char/varchar </a:t>
-            </a:r>
-            <a:r>
-              <a:rPr lang="en-US" sz="4000" dirty="0"/>
-              <a:t>data types.</a:t>
-            </a:r>
+              <a:rPr lang="en-US" sz="3600" dirty="0"/>
+              <a:t>Store char/varchar in UTF-8, replacing(?) char/</a:t>
+            </a:r>
+            <a:r>
+              <a:rPr lang="en-US" sz="3600" dirty="0" err="1"/>
+              <a:t>nvarchar</a:t>
+            </a:r>
+            <a:r>
+              <a:rPr lang="en-US" sz="3600" dirty="0"/>
+              <a:t>.</a:t>
+            </a:r>
+            <a:br>
+              <a:rPr lang="en-US" sz="3600" dirty="0"/>
+            </a:br>
+            <a:endParaRPr lang="en-US" sz="3600" dirty="0"/>
           </a:p>
           <a:p>
             <a:pPr marL="571500" indent="-571500">
@@ -22013,24 +22094,48 @@
               <a:buChar char="•"/>
             </a:pPr>
             <a:r>
-              <a:rPr lang="en-US" sz="4000" dirty="0"/>
-              <a:t>For mostly Latin characters, should be more efficient than UTF-16 (</a:t>
-            </a:r>
-            <a:r>
-              <a:rPr lang="en-US" sz="4000" b="1" dirty="0" err="1"/>
-              <a:t>nchar</a:t>
-            </a:r>
-            <a:r>
-              <a:rPr lang="en-US" sz="4000" b="1" dirty="0"/>
+              <a:rPr lang="en-US" sz="3600" dirty="0"/>
+              <a:t>UTF-8 is the most popular character encoding set for XML, HTML, and the World Wide Web. </a:t>
+            </a:r>
+          </a:p>
+          <a:p>
+            <a:pPr marL="1028700" lvl="1" indent="-571500">
+              <a:buFont typeface="Arial" panose="020B0604020202020204" pitchFamily="34" charset="0"/>
+              <a:buChar char="•"/>
+            </a:pPr>
+            <a:r>
+              <a:rPr lang="en-US" sz="3200" dirty="0"/>
+              <a:t>90%+ of the web is encoded UTF-8, all languages have </a:t>
+            </a:r>
+            <a:r>
+              <a:rPr lang="en-US" sz="3200" i="1" dirty="0"/>
+              <a:t>most</a:t>
+            </a:r>
+            <a:r>
+              <a:rPr lang="en-US" sz="3200" dirty="0"/>
+              <a:t> of their characters in a single data page of UTF-8. </a:t>
+            </a:r>
+          </a:p>
+          <a:p>
+            <a:pPr marL="571500" indent="-571500">
+              <a:buFont typeface="Arial" panose="020B0604020202020204" pitchFamily="34" charset="0"/>
+              <a:buChar char="•"/>
+            </a:pPr>
+            <a:r>
+              <a:rPr lang="en-US" sz="3600" dirty="0" err="1"/>
+              <a:t>Nchar</a:t>
+            </a:r>
+            <a:r>
+              <a:rPr lang="en-US" sz="3600" dirty="0"/>
               <a:t>/</a:t>
             </a:r>
             <a:r>
-              <a:rPr lang="en-US" sz="4000" b="1" dirty="0" err="1"/>
-              <a:t>nvarchar</a:t>
-            </a:r>
-            <a:r>
-              <a:rPr lang="en-US" sz="4000" dirty="0"/>
-              <a:t>), reducing storage by 50%. </a:t>
+              <a:rPr lang="en-US" sz="3600" dirty="0" err="1"/>
+              <a:t>Nvarchar</a:t>
+            </a:r>
+            <a:r>
+              <a:rPr lang="en-US" sz="3600" dirty="0"/>
+              <a:t> are UTF-16: better character coverage, 2x the space.</a:t>
             </a:r>
           </a:p>
         </p:txBody>
@@ -22038,7 +22143,7 @@
     </p:spTree>
     <p:extLst>
       <p:ext uri="{BB962C8B-B14F-4D97-AF65-F5344CB8AC3E}">
-        <p14:creationId xmlns:p14="http://schemas.microsoft.com/office/powerpoint/2010/main" val="544325260"/>
+        <p14:creationId xmlns:p14="http://schemas.microsoft.com/office/powerpoint/2010/main" val="1277113126"/>
       </p:ext>
     </p:extLst>
   </p:cSld>
@@ -22107,7 +22212,7 @@
         <p:spPr>
           <a:xfrm>
             <a:off x="110985" y="1172633"/>
-            <a:ext cx="11128648" cy="4462760"/>
+            <a:ext cx="11128648" cy="3785652"/>
           </a:xfrm>
           <a:prstGeom prst="rect">
             <a:avLst/>
@@ -22124,26 +22229,16 @@
               <a:buChar char="•"/>
             </a:pPr>
             <a:r>
-              <a:rPr lang="en-US" sz="3600" dirty="0"/>
-              <a:t>String data is encoded UTF-8 when using a collation with suffix like: LATIN1_GENERAL_100_CI_AS_SC</a:t>
-            </a:r>
-            <a:r>
-              <a:rPr lang="en-US" sz="3600" dirty="0">
-                <a:highlight>
-                  <a:srgbClr val="FFFF00"/>
-                </a:highlight>
-              </a:rPr>
-              <a:t>_UTF8</a:t>
-            </a:r>
-          </a:p>
-          <a:p>
-            <a:pPr marL="1028700" lvl="1" indent="-571500">
-              <a:buFont typeface="Arial" panose="020B0604020202020204" pitchFamily="34" charset="0"/>
-              <a:buChar char="•"/>
-            </a:pPr>
-            <a:r>
-              <a:rPr lang="en-US" sz="3200" dirty="0"/>
-              <a:t>Set at the instance-level or database-level</a:t>
+              <a:rPr lang="en-US" sz="4000" dirty="0"/>
+              <a:t>Choosing a UTF-8 collation allows for a wider variety of character values inside the </a:t>
+            </a:r>
+            <a:r>
+              <a:rPr lang="en-US" sz="4000" b="1" dirty="0"/>
+              <a:t>char/varchar </a:t>
+            </a:r>
+            <a:r>
+              <a:rPr lang="en-US" sz="4000" dirty="0"/>
+              <a:t>data types.</a:t>
             </a:r>
           </a:p>
           <a:p>
@@ -22151,38 +22246,25 @@
               <a:buFont typeface="Arial" panose="020B0604020202020204" pitchFamily="34" charset="0"/>
               <a:buChar char="•"/>
             </a:pPr>
-            <a:endParaRPr lang="en-US" sz="3600" dirty="0"/>
-          </a:p>
-          <a:p>
-            <a:pPr marL="571500" indent="-571500">
-              <a:buFont typeface="Arial" panose="020B0604020202020204" pitchFamily="34" charset="0"/>
-              <a:buChar char="•"/>
-            </a:pPr>
-            <a:r>
-              <a:rPr lang="en-US" sz="3600" dirty="0"/>
-              <a:t>Unless you need to store characters outside of UTF-8, consider </a:t>
-            </a:r>
-            <a:r>
-              <a:rPr lang="en-US" sz="3600" dirty="0" err="1"/>
+            <a:r>
+              <a:rPr lang="en-US" sz="4000" dirty="0"/>
+              <a:t>For mostly Latin characters, should be more efficient than UTF-16 (</a:t>
+            </a:r>
+            <a:r>
+              <a:rPr lang="en-US" sz="4000" b="1" dirty="0" err="1"/>
+              <a:t>nchar</a:t>
+            </a:r>
+            <a:r>
+              <a:rPr lang="en-US" sz="4000" b="1" dirty="0"/>
+              <a:t>/</a:t>
+            </a:r>
+            <a:r>
+              <a:rPr lang="en-US" sz="4000" b="1" dirty="0" err="1"/>
               <a:t>nvarchar</a:t>
             </a:r>
             <a:r>
-              <a:rPr lang="en-US" sz="3600" dirty="0"/>
-              <a:t> no longer useful!</a:t>
-            </a:r>
-            <a:br>
-              <a:rPr lang="en-US" sz="3600" dirty="0"/>
-            </a:br>
-            <a:endParaRPr lang="en-US" sz="3600" dirty="0"/>
-          </a:p>
-          <a:p>
-            <a:pPr marL="571500" indent="-571500">
-              <a:buFont typeface="Arial" panose="020B0604020202020204" pitchFamily="34" charset="0"/>
-              <a:buChar char="•"/>
-            </a:pPr>
-            <a:r>
-              <a:rPr lang="en-US" sz="3600" dirty="0"/>
-              <a:t>Supported in all editions</a:t>
+              <a:rPr lang="en-US" sz="4000" dirty="0"/>
+              <a:t>), reducing storage by 50%. </a:t>
             </a:r>
           </a:p>
         </p:txBody>
@@ -22190,7 +22272,7 @@
     </p:spTree>
     <p:extLst>
       <p:ext uri="{BB962C8B-B14F-4D97-AF65-F5344CB8AC3E}">
-        <p14:creationId xmlns:p14="http://schemas.microsoft.com/office/powerpoint/2010/main" val="1202839573"/>
+        <p14:creationId xmlns:p14="http://schemas.microsoft.com/office/powerpoint/2010/main" val="544325260"/>
       </p:ext>
     </p:extLst>
   </p:cSld>
@@ -22239,25 +22321,17 @@
           <a:p>
             <a:r>
               <a:rPr lang="en-US" b="1" dirty="0"/>
-              <a:t>Major </a:t>
-            </a:r>
-            <a:r>
-              <a:rPr lang="en-US" b="1" dirty="0" err="1"/>
-              <a:t>TempDB</a:t>
-            </a:r>
-            <a:r>
-              <a:rPr lang="en-US" b="1" dirty="0"/>
-              <a:t> improvements</a:t>
-            </a:r>
-          </a:p>
-        </p:txBody>
-      </p:sp>
-      <p:sp>
-        <p:nvSpPr>
-          <p:cNvPr id="2" name="Rectangle 1">
+              <a:t>UTF-8</a:t>
+            </a:r>
+          </a:p>
+        </p:txBody>
+      </p:sp>
+      <p:sp>
+        <p:nvSpPr>
+          <p:cNvPr id="5" name="Rectangle 4">
             <a:extLst>
               <a:ext uri="{FF2B5EF4-FFF2-40B4-BE49-F238E27FC236}">
-                <a16:creationId xmlns:a16="http://schemas.microsoft.com/office/drawing/2014/main" id="{3A456A49-D9F1-4953-8152-0834928543C1}"/>
+                <a16:creationId xmlns:a16="http://schemas.microsoft.com/office/drawing/2014/main" id="{9022255F-B99F-40C9-9C63-688DFB2F9EDA}"/>
               </a:ext>
             </a:extLst>
           </p:cNvPr>
@@ -22267,7 +22341,7 @@
         <p:spPr>
           <a:xfrm>
             <a:off x="110985" y="1172633"/>
-            <a:ext cx="11128648" cy="5016758"/>
+            <a:ext cx="11128648" cy="4462760"/>
           </a:xfrm>
           <a:prstGeom prst="rect">
             <a:avLst/>
@@ -22285,23 +22359,25 @@
             </a:pPr>
             <a:r>
               <a:rPr lang="en-US" sz="3600" dirty="0"/>
-              <a:t>“Memory-optimized </a:t>
-            </a:r>
-            <a:r>
-              <a:rPr lang="en-US" sz="3600" dirty="0" err="1"/>
-              <a:t>tempdb</a:t>
-            </a:r>
-            <a:r>
-              <a:rPr lang="en-US" sz="3600" dirty="0"/>
-              <a:t> metadata” improves writes to </a:t>
-            </a:r>
-            <a:r>
-              <a:rPr lang="en-US" sz="3600" dirty="0" err="1"/>
-              <a:t>TempDB</a:t>
-            </a:r>
-            <a:r>
-              <a:rPr lang="en-US" sz="3600" dirty="0"/>
-              <a:t> as internals are rapidly written.</a:t>
+              <a:t>String data is encoded UTF-8 when using a collation with suffix like: LATIN1_GENERAL_100_CI_AS_SC</a:t>
+            </a:r>
+            <a:r>
+              <a:rPr lang="en-US" sz="3600" dirty="0">
+                <a:highlight>
+                  <a:srgbClr val="FFFF00"/>
+                </a:highlight>
+              </a:rPr>
+              <a:t>_UTF8</a:t>
+            </a:r>
+          </a:p>
+          <a:p>
+            <a:pPr marL="1028700" lvl="1" indent="-571500">
+              <a:buFont typeface="Arial" panose="020B0604020202020204" pitchFamily="34" charset="0"/>
+              <a:buChar char="•"/>
+            </a:pPr>
+            <a:r>
+              <a:rPr lang="en-US" sz="3200" dirty="0"/>
+              <a:t>Set at the instance-level or database-level</a:t>
             </a:r>
           </a:p>
           <a:p>
@@ -22309,18 +22385,7 @@
               <a:buFont typeface="Arial" panose="020B0604020202020204" pitchFamily="34" charset="0"/>
               <a:buChar char="•"/>
             </a:pPr>
-            <a:r>
-              <a:rPr lang="en-US" sz="3600" dirty="0"/>
-              <a:t>Eliminates lock/latch waits observed in </a:t>
-            </a:r>
-            <a:r>
-              <a:rPr lang="en-US" sz="3600" dirty="0" err="1"/>
-              <a:t>databaseid</a:t>
-            </a:r>
-            <a:r>
-              <a:rPr lang="en-US" sz="3600" dirty="0"/>
-              <a:t> = 2</a:t>
-            </a:r>
+            <a:endParaRPr lang="en-US" sz="3600" dirty="0"/>
           </a:p>
           <a:p>
             <a:pPr marL="571500" indent="-571500">
@@ -22329,64 +22394,37 @@
             </a:pPr>
             <a:r>
               <a:rPr lang="en-US" sz="3600" dirty="0"/>
-              <a:t>Typically a problem in workloads with large numbers of concurrent users and/or excessive </a:t>
+              <a:t>Unless you need to store characters outside of UTF-8, consider </a:t>
             </a:r>
             <a:r>
               <a:rPr lang="en-US" sz="3600" dirty="0" err="1"/>
-              <a:t>TempDB</a:t>
+              <a:t>nvarchar</a:t>
             </a:r>
             <a:r>
               <a:rPr lang="en-US" sz="3600" dirty="0"/>
-              <a:t> usage</a:t>
-            </a:r>
+              <a:t> no longer useful!</a:t>
+            </a:r>
+            <a:br>
+              <a:rPr lang="en-US" sz="3600" dirty="0"/>
+            </a:br>
+            <a:endParaRPr lang="en-US" sz="3600" dirty="0"/>
           </a:p>
           <a:p>
             <a:pPr marL="571500" indent="-571500">
               <a:buFont typeface="Arial" panose="020B0604020202020204" pitchFamily="34" charset="0"/>
               <a:buChar char="•"/>
             </a:pPr>
-            <a:endParaRPr lang="en-US" sz="3600" dirty="0"/>
-          </a:p>
-          <a:p>
-            <a:pPr marL="571500" indent="-571500">
-              <a:buFont typeface="Arial" panose="020B0604020202020204" pitchFamily="34" charset="0"/>
-              <a:buChar char="•"/>
-            </a:pPr>
             <a:r>
               <a:rPr lang="en-US" sz="3600" dirty="0"/>
-              <a:t>Enterprise only feature for now.</a:t>
-            </a:r>
-          </a:p>
-          <a:p>
-            <a:pPr marL="571500" indent="-571500">
-              <a:buFont typeface="Arial" panose="020B0604020202020204" pitchFamily="34" charset="0"/>
-              <a:buChar char="•"/>
-            </a:pPr>
-            <a:endParaRPr lang="en-US" sz="3600" dirty="0"/>
-          </a:p>
-          <a:p>
-            <a:pPr marL="571500" indent="-571500">
-              <a:buFont typeface="Arial" panose="020B0604020202020204" pitchFamily="34" charset="0"/>
-              <a:buChar char="•"/>
-            </a:pPr>
-            <a:r>
-              <a:rPr lang="en-US" sz="3200" dirty="0"/>
-              <a:t>Some minor drawbacks: </a:t>
-            </a:r>
-            <a:r>
-              <a:rPr lang="en-US" sz="1600" u="sng" dirty="0">
-                <a:hlinkClick r:id="rId2"/>
-              </a:rPr>
-              <a:t>https://blog.matesic.info/post/Memory-Optimized-TempDB-Metadata</a:t>
-            </a:r>
-            <a:endParaRPr lang="en-US" sz="3200" dirty="0"/>
+              <a:t>Supported in all editions</a:t>
+            </a:r>
           </a:p>
         </p:txBody>
       </p:sp>
     </p:spTree>
     <p:extLst>
       <p:ext uri="{BB962C8B-B14F-4D97-AF65-F5344CB8AC3E}">
-        <p14:creationId xmlns:p14="http://schemas.microsoft.com/office/powerpoint/2010/main" val="3872409477"/>
+        <p14:creationId xmlns:p14="http://schemas.microsoft.com/office/powerpoint/2010/main" val="1202839573"/>
       </p:ext>
     </p:extLst>
   </p:cSld>
@@ -22435,7 +22473,15 @@
           <a:p>
             <a:r>
               <a:rPr lang="en-US" b="1" dirty="0"/>
-              <a:t>New TSQL Syntax in SQL 2019</a:t>
+              <a:t>Major </a:t>
+            </a:r>
+            <a:r>
+              <a:rPr lang="en-US" b="1" dirty="0" err="1"/>
+              <a:t>TempDB</a:t>
+            </a:r>
+            <a:r>
+              <a:rPr lang="en-US" b="1" dirty="0"/>
+              <a:t> improvements</a:t>
             </a:r>
           </a:p>
         </p:txBody>
@@ -22455,7 +22501,7 @@
         <p:spPr>
           <a:xfrm>
             <a:off x="110985" y="1172633"/>
-            <a:ext cx="11128648" cy="5386090"/>
+            <a:ext cx="11128648" cy="5016758"/>
           </a:xfrm>
           <a:prstGeom prst="rect">
             <a:avLst/>
@@ -22473,7 +22519,23 @@
             </a:pPr>
             <a:r>
               <a:rPr lang="en-US" sz="3600" dirty="0"/>
-              <a:t>OPTIMIZE_FOR_SEQUENTIAL_KEY</a:t>
+              <a:t>“Memory-optimized </a:t>
+            </a:r>
+            <a:r>
+              <a:rPr lang="en-US" sz="3600" dirty="0" err="1"/>
+              <a:t>tempdb</a:t>
+            </a:r>
+            <a:r>
+              <a:rPr lang="en-US" sz="3600" dirty="0"/>
+              <a:t> metadata” improves writes to </a:t>
+            </a:r>
+            <a:r>
+              <a:rPr lang="en-US" sz="3600" dirty="0" err="1"/>
+              <a:t>TempDB</a:t>
+            </a:r>
+            <a:r>
+              <a:rPr lang="en-US" sz="3600" dirty="0"/>
+              <a:t> as internals are rapidly written.</a:t>
             </a:r>
           </a:p>
           <a:p>
@@ -22483,7 +22545,15 @@
             </a:pPr>
             <a:r>
               <a:rPr lang="en-US" sz="3600" dirty="0"/>
-              <a:t>Reduces PAGELATCH_EX waits on “hot spots” where rapid inserts occur on the last page</a:t>
+              <a:t>Eliminates lock/latch waits observed in </a:t>
+            </a:r>
+            <a:r>
+              <a:rPr lang="en-US" sz="3600" dirty="0" err="1"/>
+              <a:t>databaseid</a:t>
+            </a:r>
+            <a:r>
+              <a:rPr lang="en-US" sz="3600" dirty="0"/>
+              <a:t> = 2</a:t>
             </a:r>
           </a:p>
           <a:p>
@@ -22493,11 +22563,15 @@
             </a:pPr>
             <a:r>
               <a:rPr lang="en-US" sz="3600" dirty="0"/>
-              <a:t>Improves performance up to 30% for </a:t>
-            </a:r>
-            <a:r>
-              <a:rPr lang="en-US" sz="3600" i="1" dirty="0"/>
-              <a:t>concurrent inserts</a:t>
+              <a:t>Typically a problem in workloads with large numbers of concurrent users and/or excessive </a:t>
+            </a:r>
+            <a:r>
+              <a:rPr lang="en-US" sz="3600" dirty="0" err="1"/>
+              <a:t>TempDB</a:t>
+            </a:r>
+            <a:r>
+              <a:rPr lang="en-US" sz="3600" dirty="0"/>
+              <a:t> usage</a:t>
             </a:r>
           </a:p>
           <a:p>
@@ -22505,10 +22579,7 @@
               <a:buFont typeface="Arial" panose="020B0604020202020204" pitchFamily="34" charset="0"/>
               <a:buChar char="•"/>
             </a:pPr>
-            <a:r>
-              <a:rPr lang="en-US" sz="3600" dirty="0"/>
-              <a:t>Add to the definition of each index!</a:t>
-            </a:r>
+            <a:endParaRPr lang="en-US" sz="3600" dirty="0"/>
           </a:p>
           <a:p>
             <a:pPr marL="571500" indent="-571500">
@@ -22517,7 +22588,7 @@
             </a:pPr>
             <a:r>
               <a:rPr lang="en-US" sz="3600" dirty="0"/>
-              <a:t>A sequential key was always superior to a random key, now it’s even faster </a:t>
+              <a:t>Enterprise only feature for now.</a:t>
             </a:r>
           </a:p>
           <a:p>
@@ -22525,23 +22596,7 @@
               <a:buFont typeface="Arial" panose="020B0604020202020204" pitchFamily="34" charset="0"/>
               <a:buChar char="•"/>
             </a:pPr>
-            <a:r>
-              <a:rPr lang="en-US" sz="2400" dirty="0"/>
-              <a:t>toolbox\lab - </a:t>
-            </a:r>
-            <a:r>
-              <a:rPr lang="en-US" sz="2400" dirty="0" err="1"/>
-              <a:t>optimize_for_sequential_key</a:t>
-            </a:r>
-            <a:r>
-              <a:rPr lang="en-US" sz="2400" dirty="0"/>
-              <a:t> </a:t>
-            </a:r>
-            <a:r>
-              <a:rPr lang="en-US" sz="2400" dirty="0" err="1"/>
-              <a:t>testing.sql</a:t>
-            </a:r>
-            <a:endParaRPr lang="en-US" sz="2400" dirty="0"/>
+            <a:endParaRPr lang="en-US" sz="3600" dirty="0"/>
           </a:p>
           <a:p>
             <a:pPr marL="571500" indent="-571500">
@@ -22549,45 +22604,23 @@
               <a:buChar char="•"/>
             </a:pPr>
             <a:r>
-              <a:rPr lang="en-US" sz="1600" dirty="0">
+              <a:rPr lang="en-US" sz="3200" dirty="0"/>
+              <a:t>Some minor drawbacks: </a:t>
+            </a:r>
+            <a:r>
+              <a:rPr lang="en-US" sz="1600" u="sng" dirty="0">
                 <a:hlinkClick r:id="rId2"/>
               </a:rPr>
-              <a:t>https://techcommunity.microsoft.com/t5/SQL-Server/Behind-the-Scenes-on-OPTIMIZE-FOR-SEQUENTIAL-KEY/ba-p/806888</a:t>
-            </a:r>
-            <a:endParaRPr lang="en-US" sz="1600" dirty="0"/>
-          </a:p>
-          <a:p>
-            <a:pPr marL="571500" indent="-571500">
-              <a:buFont typeface="Arial" panose="020B0604020202020204" pitchFamily="34" charset="0"/>
-              <a:buChar char="•"/>
-            </a:pPr>
-            <a:r>
-              <a:rPr lang="en-US" u="sng" dirty="0">
-                <a:hlinkClick r:id="rId3"/>
-              </a:rPr>
-              <a:t>https://support.microsoft.com/en-us/help/4460004/how-to-resolve-last-page-insert-pagelatch-ex-contention</a:t>
-            </a:r>
-            <a:r>
-              <a:rPr lang="en-US" u="sng" dirty="0">
-                <a:hlinkClick r:id="rId4"/>
-              </a:rPr>
-              <a:t>-in-sql-server</a:t>
-            </a:r>
-            <a:endParaRPr lang="en-US" dirty="0"/>
-          </a:p>
-          <a:p>
-            <a:pPr marL="571500" indent="-571500">
-              <a:buFont typeface="Arial" panose="020B0604020202020204" pitchFamily="34" charset="0"/>
-              <a:buChar char="•"/>
-            </a:pPr>
-            <a:endParaRPr lang="en-US" sz="1600" dirty="0"/>
+              <a:t>https://blog.matesic.info/post/Memory-Optimized-TempDB-Metadata</a:t>
+            </a:r>
+            <a:endParaRPr lang="en-US" sz="3200" dirty="0"/>
           </a:p>
         </p:txBody>
       </p:sp>
     </p:spTree>
     <p:extLst>
       <p:ext uri="{BB962C8B-B14F-4D97-AF65-F5344CB8AC3E}">
-        <p14:creationId xmlns:p14="http://schemas.microsoft.com/office/powerpoint/2010/main" val="2126541291"/>
+        <p14:creationId xmlns:p14="http://schemas.microsoft.com/office/powerpoint/2010/main" val="3872409477"/>
       </p:ext>
     </p:extLst>
   </p:cSld>
@@ -23340,7 +23373,7 @@
         <p:spPr>
           <a:xfrm>
             <a:off x="110985" y="1172633"/>
-            <a:ext cx="11128648" cy="4462760"/>
+            <a:ext cx="11128648" cy="5386090"/>
           </a:xfrm>
           <a:prstGeom prst="rect">
             <a:avLst/>
@@ -23358,7 +23391,7 @@
             </a:pPr>
             <a:r>
               <a:rPr lang="en-US" sz="3600" dirty="0"/>
-              <a:t>APPROX_COUNT_DISTINCT function</a:t>
+              <a:t>OPTIMIZE_FOR_SEQUENTIAL_KEY</a:t>
             </a:r>
           </a:p>
           <a:p>
@@ -23367,8 +23400,8 @@
               <a:buChar char="•"/>
             </a:pPr>
             <a:r>
-              <a:rPr lang="en-US" sz="3200" dirty="0"/>
-              <a:t>Reduces the amount of reads for mass estimation, in very large table scans. </a:t>
+              <a:rPr lang="en-US" sz="3600" dirty="0"/>
+              <a:t>Reduces PAGELATCH_EX waits on “hot spots” where rapid inserts occur on the last page</a:t>
             </a:r>
           </a:p>
           <a:p>
@@ -23377,8 +23410,12 @@
               <a:buChar char="•"/>
             </a:pPr>
             <a:r>
-              <a:rPr lang="en-US" sz="3200" dirty="0"/>
-              <a:t>Could help in determining the bucket sizes for hash indexes</a:t>
+              <a:rPr lang="en-US" sz="3600" dirty="0"/>
+              <a:t>Improves performance up to 30% for </a:t>
+            </a:r>
+            <a:r>
+              <a:rPr lang="en-US" sz="3600" i="1" dirty="0"/>
+              <a:t>concurrent inserts</a:t>
             </a:r>
           </a:p>
           <a:p>
@@ -23387,58 +23424,88 @@
               <a:buChar char="•"/>
             </a:pPr>
             <a:r>
-              <a:rPr lang="en-US" sz="3200" dirty="0"/>
-              <a:t>Unless table has millions+ rows, won't be much of a help.</a:t>
-            </a:r>
-            <a:br>
-              <a:rPr lang="en-US" sz="3200" dirty="0"/>
-            </a:br>
-            <a:endParaRPr lang="en-US" sz="3600" dirty="0"/>
-          </a:p>
-          <a:p>
-            <a:pPr lvl="1"/>
-            <a:r>
-              <a:rPr lang="en-US" sz="2800" dirty="0"/>
-              <a:t>SELECT </a:t>
-            </a:r>
-            <a:r>
-              <a:rPr lang="en-US" sz="2800" b="1" dirty="0"/>
-              <a:t>APPROX_COUNT_DISTINCT</a:t>
-            </a:r>
-            <a:r>
-              <a:rPr lang="en-US" sz="2800" dirty="0"/>
-              <a:t>(id) from table</a:t>
-            </a:r>
-            <a:br>
-              <a:rPr lang="en-US" sz="4800" dirty="0"/>
-            </a:br>
-            <a:r>
-              <a:rPr lang="en-US" sz="2800" dirty="0"/>
-              <a:t>--vs </a:t>
-            </a:r>
-            <a:br>
-              <a:rPr lang="en-US" sz="4800" dirty="0"/>
-            </a:br>
-            <a:r>
-              <a:rPr lang="en-US" sz="2800" dirty="0"/>
-              <a:t>SELECT </a:t>
-            </a:r>
-            <a:r>
-              <a:rPr lang="en-US" sz="2800" b="1" dirty="0"/>
-              <a:t>COUNT(DISTINCT </a:t>
-            </a:r>
-            <a:r>
-              <a:rPr lang="en-US" sz="2800" dirty="0"/>
-              <a:t>id) from table</a:t>
-            </a:r>
-            <a:endParaRPr lang="en-US" sz="4000" dirty="0"/>
+              <a:rPr lang="en-US" sz="3600" dirty="0"/>
+              <a:t>Add to the definition of each index!</a:t>
+            </a:r>
+          </a:p>
+          <a:p>
+            <a:pPr marL="571500" indent="-571500">
+              <a:buFont typeface="Arial" panose="020B0604020202020204" pitchFamily="34" charset="0"/>
+              <a:buChar char="•"/>
+            </a:pPr>
+            <a:r>
+              <a:rPr lang="en-US" sz="3600" dirty="0"/>
+              <a:t>A sequential key was always superior to a random key, now it’s even faster </a:t>
+            </a:r>
+          </a:p>
+          <a:p>
+            <a:pPr marL="571500" indent="-571500">
+              <a:buFont typeface="Arial" panose="020B0604020202020204" pitchFamily="34" charset="0"/>
+              <a:buChar char="•"/>
+            </a:pPr>
+            <a:r>
+              <a:rPr lang="en-US" sz="2400" dirty="0"/>
+              <a:t>toolbox\lab - </a:t>
+            </a:r>
+            <a:r>
+              <a:rPr lang="en-US" sz="2400" dirty="0" err="1"/>
+              <a:t>optimize_for_sequential_key</a:t>
+            </a:r>
+            <a:r>
+              <a:rPr lang="en-US" sz="2400" dirty="0"/>
+              <a:t> </a:t>
+            </a:r>
+            <a:r>
+              <a:rPr lang="en-US" sz="2400" dirty="0" err="1"/>
+              <a:t>testing.sql</a:t>
+            </a:r>
+            <a:endParaRPr lang="en-US" sz="2400" dirty="0"/>
+          </a:p>
+          <a:p>
+            <a:pPr marL="571500" indent="-571500">
+              <a:buFont typeface="Arial" panose="020B0604020202020204" pitchFamily="34" charset="0"/>
+              <a:buChar char="•"/>
+            </a:pPr>
+            <a:r>
+              <a:rPr lang="en-US" sz="1600" dirty="0">
+                <a:hlinkClick r:id="rId2"/>
+              </a:rPr>
+              <a:t>https://techcommunity.microsoft.com/t5/SQL-Server/Behind-the-Scenes-on-OPTIMIZE-FOR-SEQUENTIAL-KEY/ba-p/806888</a:t>
+            </a:r>
+            <a:endParaRPr lang="en-US" sz="1600" dirty="0"/>
+          </a:p>
+          <a:p>
+            <a:pPr marL="571500" indent="-571500">
+              <a:buFont typeface="Arial" panose="020B0604020202020204" pitchFamily="34" charset="0"/>
+              <a:buChar char="•"/>
+            </a:pPr>
+            <a:r>
+              <a:rPr lang="en-US" u="sng" dirty="0">
+                <a:hlinkClick r:id="rId3"/>
+              </a:rPr>
+              <a:t>https://support.microsoft.com/en-us/help/4460004/how-to-resolve-last-page-insert-pagelatch-ex-contention</a:t>
+            </a:r>
+            <a:r>
+              <a:rPr lang="en-US" u="sng" dirty="0">
+                <a:hlinkClick r:id="rId4"/>
+              </a:rPr>
+              <a:t>-in-sql-server</a:t>
+            </a:r>
+            <a:endParaRPr lang="en-US" dirty="0"/>
+          </a:p>
+          <a:p>
+            <a:pPr marL="571500" indent="-571500">
+              <a:buFont typeface="Arial" panose="020B0604020202020204" pitchFamily="34" charset="0"/>
+              <a:buChar char="•"/>
+            </a:pPr>
+            <a:endParaRPr lang="en-US" sz="1600" dirty="0"/>
           </a:p>
         </p:txBody>
       </p:sp>
     </p:spTree>
     <p:extLst>
       <p:ext uri="{BB962C8B-B14F-4D97-AF65-F5344CB8AC3E}">
-        <p14:creationId xmlns:p14="http://schemas.microsoft.com/office/powerpoint/2010/main" val="3097407234"/>
+        <p14:creationId xmlns:p14="http://schemas.microsoft.com/office/powerpoint/2010/main" val="2126541291"/>
       </p:ext>
     </p:extLst>
   </p:cSld>
@@ -23482,14 +23549,12 @@
           </a:xfrm>
         </p:spPr>
         <p:txBody>
-          <a:bodyPr>
-            <a:normAutofit/>
-          </a:bodyPr>
+          <a:bodyPr/>
           <a:lstStyle/>
           <a:p>
             <a:r>
               <a:rPr lang="en-US" b="1" dirty="0"/>
-              <a:t>Accelerated Database Recovery</a:t>
+              <a:t>New TSQL Syntax in SQL 2019</a:t>
             </a:r>
           </a:p>
         </p:txBody>
@@ -23509,7 +23574,7 @@
         <p:spPr>
           <a:xfrm>
             <a:off x="110985" y="1172633"/>
-            <a:ext cx="11128648" cy="4770537"/>
+            <a:ext cx="11128648" cy="4462760"/>
           </a:xfrm>
           <a:prstGeom prst="rect">
             <a:avLst/>
@@ -23527,62 +23592,87 @@
             </a:pPr>
             <a:r>
               <a:rPr lang="en-US" sz="3600" dirty="0"/>
-              <a:t>New in SQL Server 2019</a:t>
-            </a:r>
-          </a:p>
-          <a:p>
+              <a:t>APPROX_COUNT_DISTINCT function</a:t>
+            </a:r>
+          </a:p>
+          <a:p>
+            <a:pPr marL="571500" indent="-571500">
+              <a:buFont typeface="Arial" panose="020B0604020202020204" pitchFamily="34" charset="0"/>
+              <a:buChar char="•"/>
+            </a:pPr>
+            <a:r>
+              <a:rPr lang="en-US" sz="3200" dirty="0"/>
+              <a:t>Reduces the amount of reads for mass estimation, in very large table scans. </a:t>
+            </a:r>
+          </a:p>
+          <a:p>
+            <a:pPr marL="571500" indent="-571500">
+              <a:buFont typeface="Arial" panose="020B0604020202020204" pitchFamily="34" charset="0"/>
+              <a:buChar char="•"/>
+            </a:pPr>
+            <a:r>
+              <a:rPr lang="en-US" sz="3200" dirty="0"/>
+              <a:t>Could help in determining the bucket sizes for hash indexes</a:t>
+            </a:r>
+          </a:p>
+          <a:p>
+            <a:pPr marL="571500" indent="-571500">
+              <a:buFont typeface="Arial" panose="020B0604020202020204" pitchFamily="34" charset="0"/>
+              <a:buChar char="•"/>
+            </a:pPr>
+            <a:r>
+              <a:rPr lang="en-US" sz="3200" dirty="0"/>
+              <a:t>Unless table has millions+ rows, won't be much of a help.</a:t>
+            </a:r>
+            <a:br>
+              <a:rPr lang="en-US" sz="3200" dirty="0"/>
+            </a:br>
             <a:endParaRPr lang="en-US" sz="3600" dirty="0"/>
           </a:p>
           <a:p>
-            <a:pPr marL="742950" indent="-742950">
-              <a:buFont typeface="+mj-lt"/>
-              <a:buAutoNum type="arabicPeriod"/>
-            </a:pPr>
-            <a:r>
-              <a:rPr lang="en-US" sz="3600" dirty="0"/>
-              <a:t>Instant rollback of long-running transactions or </a:t>
-            </a:r>
-            <a:r>
-              <a:rPr lang="en-US" sz="3600" dirty="0" err="1"/>
-              <a:t>maint</a:t>
-            </a:r>
-            <a:r>
-              <a:rPr lang="en-US" sz="3600" dirty="0"/>
-              <a:t> operations</a:t>
-            </a:r>
-          </a:p>
-          <a:p>
-            <a:pPr marL="742950" indent="-742950">
-              <a:buFont typeface="+mj-lt"/>
-              <a:buAutoNum type="arabicPeriod"/>
-            </a:pPr>
-            <a:r>
-              <a:rPr lang="en-US" sz="3600" dirty="0"/>
-              <a:t>Instant recovery for databases at startup</a:t>
-            </a:r>
-          </a:p>
-          <a:p>
-            <a:pPr marL="742950" indent="-742950">
-              <a:buFont typeface="+mj-lt"/>
-              <a:buAutoNum type="arabicPeriod"/>
-            </a:pPr>
-            <a:r>
-              <a:rPr lang="en-US" sz="3600" dirty="0"/>
-              <a:t>Can truncate the transaction log around long running transactions, reducing log file size.</a:t>
-            </a:r>
-          </a:p>
-          <a:p>
+            <a:pPr lvl="1"/>
+            <a:r>
+              <a:rPr lang="en-US" sz="2800" dirty="0"/>
+              <a:t>SELECT </a:t>
+            </a:r>
+            <a:r>
+              <a:rPr lang="en-US" sz="2800" b="1" dirty="0"/>
+              <a:t>APPROX_COUNT_DISTINCT</a:t>
+            </a:r>
+            <a:r>
+              <a:rPr lang="en-US" sz="2800" dirty="0"/>
+              <a:t>(id) from table</a:t>
+            </a:r>
             <a:br>
-              <a:rPr lang="en-US" sz="3600" dirty="0"/>
+              <a:rPr lang="en-US" sz="4800" dirty="0"/>
             </a:br>
-            <a:endParaRPr lang="en-US" sz="1600" dirty="0"/>
+            <a:r>
+              <a:rPr lang="en-US" sz="2800" dirty="0"/>
+              <a:t>--vs </a:t>
+            </a:r>
+            <a:br>
+              <a:rPr lang="en-US" sz="4800" dirty="0"/>
+            </a:br>
+            <a:r>
+              <a:rPr lang="en-US" sz="2800" dirty="0"/>
+              <a:t>SELECT </a:t>
+            </a:r>
+            <a:r>
+              <a:rPr lang="en-US" sz="2800" b="1" dirty="0"/>
+              <a:t>COUNT(DISTINCT </a:t>
+            </a:r>
+            <a:r>
+              <a:rPr lang="en-US" sz="2800" dirty="0"/>
+              <a:t>id) from table</a:t>
+            </a:r>
+            <a:endParaRPr lang="en-US" sz="4000" dirty="0"/>
           </a:p>
         </p:txBody>
       </p:sp>
     </p:spTree>
     <p:extLst>
       <p:ext uri="{BB962C8B-B14F-4D97-AF65-F5344CB8AC3E}">
-        <p14:creationId xmlns:p14="http://schemas.microsoft.com/office/powerpoint/2010/main" val="411091277"/>
+        <p14:creationId xmlns:p14="http://schemas.microsoft.com/office/powerpoint/2010/main" val="3097407234"/>
       </p:ext>
     </p:extLst>
   </p:cSld>
@@ -23653,7 +23743,7 @@
         <p:spPr>
           <a:xfrm>
             <a:off x="110985" y="1172633"/>
-            <a:ext cx="11128648" cy="4893647"/>
+            <a:ext cx="11128648" cy="4770537"/>
           </a:xfrm>
           <a:prstGeom prst="rect">
             <a:avLst/>
@@ -23671,86 +23761,54 @@
             </a:pPr>
             <a:r>
               <a:rPr lang="en-US" sz="3600" dirty="0"/>
-              <a:t>Works via a persistent Version Store stored directly in the User database, may increase .</a:t>
+              <a:t>New in SQL Server 2019</a:t>
+            </a:r>
+          </a:p>
+          <a:p>
+            <a:endParaRPr lang="en-US" sz="3600" dirty="0"/>
+          </a:p>
+          <a:p>
+            <a:pPr marL="742950" indent="-742950">
+              <a:buFont typeface="+mj-lt"/>
+              <a:buAutoNum type="arabicPeriod"/>
+            </a:pPr>
+            <a:r>
+              <a:rPr lang="en-US" sz="3600" dirty="0"/>
+              <a:t>Instant rollback of long-running transactions or </a:t>
             </a:r>
             <a:r>
               <a:rPr lang="en-US" sz="3600" dirty="0" err="1"/>
-              <a:t>mdf</a:t>
+              <a:t>maint</a:t>
             </a:r>
             <a:r>
               <a:rPr lang="en-US" sz="3600" dirty="0"/>
-              <a:t> size by 10%+.</a:t>
-            </a:r>
-          </a:p>
-          <a:p>
-            <a:pPr marL="571500" indent="-571500">
-              <a:buFont typeface="Arial" panose="020B0604020202020204" pitchFamily="34" charset="0"/>
-              <a:buChar char="•"/>
+              <a:t> operations</a:t>
+            </a:r>
+          </a:p>
+          <a:p>
+            <a:pPr marL="742950" indent="-742950">
+              <a:buFont typeface="+mj-lt"/>
+              <a:buAutoNum type="arabicPeriod"/>
             </a:pPr>
             <a:r>
               <a:rPr lang="en-US" sz="3600" dirty="0"/>
-              <a:t>NOT enabled by default </a:t>
-            </a:r>
-          </a:p>
-          <a:p>
-            <a:pPr marL="571500" indent="-571500">
-              <a:buFont typeface="Arial" panose="020B0604020202020204" pitchFamily="34" charset="0"/>
-              <a:buChar char="•"/>
-            </a:pPr>
-            <a:endParaRPr lang="en-US" sz="3600" dirty="0"/>
-          </a:p>
-          <a:p>
-            <a:r>
-              <a:rPr lang="en-US" sz="2200" dirty="0">
-                <a:latin typeface="Consolas" panose="020B0609020204030204" pitchFamily="49" charset="0"/>
-              </a:rPr>
-              <a:t>ALTER DATABASE whatever SET ACCELERATED_DATABASE_RECOVERY = ON;</a:t>
-            </a:r>
-          </a:p>
-          <a:p>
-            <a:endParaRPr lang="en-US" sz="2200" dirty="0">
-              <a:latin typeface="Consolas" panose="020B0609020204030204" pitchFamily="49" charset="0"/>
-            </a:endParaRPr>
-          </a:p>
-          <a:p>
-            <a:pPr marL="571500" indent="-571500">
-              <a:buFont typeface="Arial" panose="020B0604020202020204" pitchFamily="34" charset="0"/>
-              <a:buChar char="•"/>
+              <a:t>Instant recovery for databases at startup</a:t>
+            </a:r>
+          </a:p>
+          <a:p>
+            <a:pPr marL="742950" indent="-742950">
+              <a:buFont typeface="+mj-lt"/>
+              <a:buAutoNum type="arabicPeriod"/>
             </a:pPr>
             <a:r>
               <a:rPr lang="en-US" sz="3600" dirty="0"/>
-              <a:t>Otherwise, it is downright </a:t>
-            </a:r>
-            <a:r>
-              <a:rPr lang="en-US" sz="3600" b="1" dirty="0"/>
-              <a:t>magical</a:t>
-            </a:r>
-            <a:r>
+              <a:t>Can truncate the transaction log around long running transactions, reducing log file size.</a:t>
+            </a:r>
+          </a:p>
+          <a:p>
+            <a:br>
               <a:rPr lang="en-US" sz="3600" dirty="0"/>
-              <a:t>.</a:t>
-            </a:r>
-          </a:p>
-          <a:p>
-            <a:pPr marL="571500" indent="-571500">
-              <a:buFont typeface="Arial" panose="020B0604020202020204" pitchFamily="34" charset="0"/>
-              <a:buChar char="•"/>
-            </a:pPr>
-            <a:r>
-              <a:rPr lang="en-US" sz="3600" dirty="0"/>
-              <a:t>Supported in Enterprise AND Standard edition.</a:t>
-            </a:r>
-          </a:p>
-          <a:p>
-            <a:pPr marL="571500" indent="-571500">
-              <a:buFont typeface="Arial" panose="020B0604020202020204" pitchFamily="34" charset="0"/>
-              <a:buChar char="•"/>
-            </a:pPr>
-            <a:r>
-              <a:rPr lang="en-US" sz="3600" dirty="0"/>
-              <a:t>Works in ANY compatibility level in SQL 2019!</a:t>
-            </a:r>
-          </a:p>
-          <a:p>
+            </a:br>
             <a:endParaRPr lang="en-US" sz="1600" dirty="0"/>
           </a:p>
         </p:txBody>
@@ -23758,7 +23816,7 @@
     </p:spTree>
     <p:extLst>
       <p:ext uri="{BB962C8B-B14F-4D97-AF65-F5344CB8AC3E}">
-        <p14:creationId xmlns:p14="http://schemas.microsoft.com/office/powerpoint/2010/main" val="3555173807"/>
+        <p14:creationId xmlns:p14="http://schemas.microsoft.com/office/powerpoint/2010/main" val="411091277"/>
       </p:ext>
     </p:extLst>
   </p:cSld>
@@ -23787,13 +23845,7 @@
       </p:grpSpPr>
       <p:sp>
         <p:nvSpPr>
-          <p:cNvPr id="2" name="Title 1">
-            <a:extLst>
-              <a:ext uri="{FF2B5EF4-FFF2-40B4-BE49-F238E27FC236}">
-                <a16:creationId xmlns:a16="http://schemas.microsoft.com/office/drawing/2014/main" id="{0E0FB109-75B3-458F-BFE0-3627EDC70203}"/>
-              </a:ext>
-            </a:extLst>
-          </p:cNvPr>
+          <p:cNvPr id="4" name="Title 3"/>
           <p:cNvSpPr>
             <a:spLocks noGrp="1"/>
           </p:cNvSpPr>
@@ -23808,104 +23860,139 @@
           </a:xfrm>
         </p:spPr>
         <p:txBody>
-          <a:bodyPr/>
+          <a:bodyPr>
+            <a:normAutofit/>
+          </a:bodyPr>
           <a:lstStyle/>
           <a:p>
             <a:r>
               <a:rPr lang="en-US" b="1" dirty="0"/>
-              <a:t>New Intelligent Query Processing features</a:t>
-            </a:r>
-          </a:p>
-        </p:txBody>
-      </p:sp>
-      <p:pic>
-        <p:nvPicPr>
-          <p:cNvPr id="5122" name="Picture 2">
+              <a:t>Accelerated Database Recovery</a:t>
+            </a:r>
+          </a:p>
+        </p:txBody>
+      </p:sp>
+      <p:sp>
+        <p:nvSpPr>
+          <p:cNvPr id="2" name="Rectangle 1">
             <a:extLst>
               <a:ext uri="{FF2B5EF4-FFF2-40B4-BE49-F238E27FC236}">
-                <a16:creationId xmlns:a16="http://schemas.microsoft.com/office/drawing/2014/main" id="{A71DA6ED-FEFE-4F61-BFA8-7F2E05C920DC}"/>
+                <a16:creationId xmlns:a16="http://schemas.microsoft.com/office/drawing/2014/main" id="{3A456A49-D9F1-4953-8152-0834928543C1}"/>
               </a:ext>
             </a:extLst>
           </p:cNvPr>
-          <p:cNvPicPr>
-            <a:picLocks noChangeAspect="1" noChangeArrowheads="1"/>
-          </p:cNvPicPr>
+          <p:cNvSpPr/>
           <p:nvPr/>
-        </p:nvPicPr>
-        <p:blipFill>
-          <a:blip r:embed="rId2">
-            <a:extLst>
-              <a:ext uri="{28A0092B-C50C-407E-A947-70E740481C1C}">
-                <a14:useLocalDpi xmlns:a14="http://schemas.microsoft.com/office/drawing/2010/main" val="0"/>
-              </a:ext>
-            </a:extLst>
-          </a:blip>
-          <a:srcRect/>
-          <a:stretch>
-            <a:fillRect/>
-          </a:stretch>
-        </p:blipFill>
-        <p:spPr bwMode="auto">
-          <a:xfrm>
-            <a:off x="1839276" y="963612"/>
-            <a:ext cx="7124623" cy="4844338"/>
+        </p:nvSpPr>
+        <p:spPr>
+          <a:xfrm>
+            <a:off x="110985" y="1172633"/>
+            <a:ext cx="11128648" cy="4893647"/>
           </a:xfrm>
           <a:prstGeom prst="rect">
             <a:avLst/>
           </a:prstGeom>
-          <a:noFill/>
-          <a:extLst>
-            <a:ext uri="{909E8E84-426E-40DD-AFC4-6F175D3DCCD1}">
-              <a14:hiddenFill xmlns:a14="http://schemas.microsoft.com/office/drawing/2010/main">
-                <a:solidFill>
-                  <a:srgbClr val="FFFFFF"/>
-                </a:solidFill>
-              </a14:hiddenFill>
-            </a:ext>
-          </a:extLst>
-        </p:spPr>
-      </p:pic>
-      <p:sp>
-        <p:nvSpPr>
-          <p:cNvPr id="4" name="Rectangle 3">
-            <a:extLst>
-              <a:ext uri="{FF2B5EF4-FFF2-40B4-BE49-F238E27FC236}">
-                <a16:creationId xmlns:a16="http://schemas.microsoft.com/office/drawing/2014/main" id="{B5972DD8-6D79-4B3E-9C3B-2FD3D466B043}"/>
-              </a:ext>
-            </a:extLst>
-          </p:cNvPr>
-          <p:cNvSpPr/>
-          <p:nvPr/>
-        </p:nvSpPr>
-        <p:spPr>
-          <a:xfrm>
-            <a:off x="5401588" y="5807950"/>
-            <a:ext cx="5759450" cy="400110"/>
-          </a:xfrm>
-          <a:prstGeom prst="rect">
-            <a:avLst/>
-          </a:prstGeom>
-        </p:spPr>
-        <p:txBody>
-          <a:bodyPr>
+        </p:spPr>
+        <p:txBody>
+          <a:bodyPr wrap="square">
             <a:spAutoFit/>
           </a:bodyPr>
           <a:lstStyle/>
           <a:p>
-            <a:r>
-              <a:rPr lang="en-US" sz="1000" dirty="0">
-                <a:hlinkClick r:id="rId3"/>
+            <a:pPr marL="571500" indent="-571500">
+              <a:buFont typeface="Arial" panose="020B0604020202020204" pitchFamily="34" charset="0"/>
+              <a:buChar char="•"/>
+            </a:pPr>
+            <a:r>
+              <a:rPr lang="en-US" sz="3600" dirty="0"/>
+              <a:t>Works via a persistent Version Store stored directly in the User database, may increase .</a:t>
+            </a:r>
+            <a:r>
+              <a:rPr lang="en-US" sz="3600" dirty="0" err="1"/>
+              <a:t>mdf</a:t>
+            </a:r>
+            <a:r>
+              <a:rPr lang="en-US" sz="3600" dirty="0"/>
+              <a:t> size by 10%+.</a:t>
+            </a:r>
+          </a:p>
+          <a:p>
+            <a:pPr marL="571500" indent="-571500">
+              <a:buFont typeface="Arial" panose="020B0604020202020204" pitchFamily="34" charset="0"/>
+              <a:buChar char="•"/>
+            </a:pPr>
+            <a:r>
+              <a:rPr lang="en-US" sz="3600" dirty="0"/>
+              <a:t>NOT enabled by default </a:t>
+            </a:r>
+          </a:p>
+          <a:p>
+            <a:pPr marL="571500" indent="-571500">
+              <a:buFont typeface="Arial" panose="020B0604020202020204" pitchFamily="34" charset="0"/>
+              <a:buChar char="•"/>
+            </a:pPr>
+            <a:endParaRPr lang="en-US" sz="3600" dirty="0"/>
+          </a:p>
+          <a:p>
+            <a:r>
+              <a:rPr lang="en-US" sz="2200" dirty="0">
+                <a:latin typeface="Consolas" panose="020B0609020204030204" pitchFamily="49" charset="0"/>
               </a:rPr>
-              <a:t>https://cloudblogs.microsoft.com/sqlserver/2018/09/26/sql-server-2019-celebrating-25-years-of-sql-server-database-engine-and-the-path-forward/</a:t>
-            </a:r>
-            <a:endParaRPr lang="en-US" sz="1000" dirty="0"/>
+              <a:t>ALTER DATABASE whatever SET ACCELERATED_DATABASE_RECOVERY = ON;</a:t>
+            </a:r>
+          </a:p>
+          <a:p>
+            <a:endParaRPr lang="en-US" sz="2200" dirty="0">
+              <a:latin typeface="Consolas" panose="020B0609020204030204" pitchFamily="49" charset="0"/>
+            </a:endParaRPr>
+          </a:p>
+          <a:p>
+            <a:pPr marL="571500" indent="-571500">
+              <a:buFont typeface="Arial" panose="020B0604020202020204" pitchFamily="34" charset="0"/>
+              <a:buChar char="•"/>
+            </a:pPr>
+            <a:r>
+              <a:rPr lang="en-US" sz="3600" dirty="0"/>
+              <a:t>Otherwise, it is downright </a:t>
+            </a:r>
+            <a:r>
+              <a:rPr lang="en-US" sz="3600" b="1" dirty="0"/>
+              <a:t>magical</a:t>
+            </a:r>
+            <a:r>
+              <a:rPr lang="en-US" sz="3600" dirty="0"/>
+              <a:t>.</a:t>
+            </a:r>
+          </a:p>
+          <a:p>
+            <a:pPr marL="571500" indent="-571500">
+              <a:buFont typeface="Arial" panose="020B0604020202020204" pitchFamily="34" charset="0"/>
+              <a:buChar char="•"/>
+            </a:pPr>
+            <a:r>
+              <a:rPr lang="en-US" sz="3600" dirty="0"/>
+              <a:t>Supported in Enterprise AND Standard edition.</a:t>
+            </a:r>
+          </a:p>
+          <a:p>
+            <a:pPr marL="571500" indent="-571500">
+              <a:buFont typeface="Arial" panose="020B0604020202020204" pitchFamily="34" charset="0"/>
+              <a:buChar char="•"/>
+            </a:pPr>
+            <a:r>
+              <a:rPr lang="en-US" sz="3600" dirty="0"/>
+              <a:t>Works in ANY compatibility level in SQL 2019!</a:t>
+            </a:r>
+          </a:p>
+          <a:p>
+            <a:endParaRPr lang="en-US" sz="1600" dirty="0"/>
           </a:p>
         </p:txBody>
       </p:sp>
     </p:spTree>
     <p:extLst>
       <p:ext uri="{BB962C8B-B14F-4D97-AF65-F5344CB8AC3E}">
-        <p14:creationId xmlns:p14="http://schemas.microsoft.com/office/powerpoint/2010/main" val="798057443"/>
+        <p14:creationId xmlns:p14="http://schemas.microsoft.com/office/powerpoint/2010/main" val="3555173807"/>
       </p:ext>
     </p:extLst>
   </p:cSld>
@@ -23934,7 +24021,13 @@
       </p:grpSpPr>
       <p:sp>
         <p:nvSpPr>
-          <p:cNvPr id="4" name="Title 3"/>
+          <p:cNvPr id="2" name="Title 1">
+            <a:extLst>
+              <a:ext uri="{FF2B5EF4-FFF2-40B4-BE49-F238E27FC236}">
+                <a16:creationId xmlns:a16="http://schemas.microsoft.com/office/drawing/2014/main" id="{0E0FB109-75B3-458F-BFE0-3627EDC70203}"/>
+              </a:ext>
+            </a:extLst>
+          </p:cNvPr>
           <p:cNvSpPr>
             <a:spLocks noGrp="1"/>
           </p:cNvSpPr>
@@ -23949,29 +24042,69 @@
           </a:xfrm>
         </p:spPr>
         <p:txBody>
-          <a:bodyPr>
-            <a:normAutofit/>
-          </a:bodyPr>
+          <a:bodyPr/>
           <a:lstStyle/>
           <a:p>
             <a:r>
-              <a:rPr lang="en-US" sz="3600" b="1" dirty="0"/>
-              <a:t>Performance Boost: Batch mode on </a:t>
-            </a:r>
-            <a:r>
-              <a:rPr lang="en-US" sz="3600" b="1" dirty="0" err="1"/>
-              <a:t>rowstore</a:t>
-            </a:r>
-            <a:endParaRPr lang="en-US" sz="3600" b="1" dirty="0"/>
-          </a:p>
-        </p:txBody>
-      </p:sp>
-      <p:sp>
-        <p:nvSpPr>
-          <p:cNvPr id="2" name="Rectangle 1">
+              <a:rPr lang="en-US" b="1" dirty="0"/>
+              <a:t>New Intelligent Query Processing features</a:t>
+            </a:r>
+          </a:p>
+        </p:txBody>
+      </p:sp>
+      <p:pic>
+        <p:nvPicPr>
+          <p:cNvPr id="5122" name="Picture 2">
             <a:extLst>
               <a:ext uri="{FF2B5EF4-FFF2-40B4-BE49-F238E27FC236}">
-                <a16:creationId xmlns:a16="http://schemas.microsoft.com/office/drawing/2014/main" id="{3A456A49-D9F1-4953-8152-0834928543C1}"/>
+                <a16:creationId xmlns:a16="http://schemas.microsoft.com/office/drawing/2014/main" id="{A71DA6ED-FEFE-4F61-BFA8-7F2E05C920DC}"/>
+              </a:ext>
+            </a:extLst>
+          </p:cNvPr>
+          <p:cNvPicPr>
+            <a:picLocks noChangeAspect="1" noChangeArrowheads="1"/>
+          </p:cNvPicPr>
+          <p:nvPr/>
+        </p:nvPicPr>
+        <p:blipFill>
+          <a:blip r:embed="rId2">
+            <a:extLst>
+              <a:ext uri="{28A0092B-C50C-407E-A947-70E740481C1C}">
+                <a14:useLocalDpi xmlns:a14="http://schemas.microsoft.com/office/drawing/2010/main" val="0"/>
+              </a:ext>
+            </a:extLst>
+          </a:blip>
+          <a:srcRect/>
+          <a:stretch>
+            <a:fillRect/>
+          </a:stretch>
+        </p:blipFill>
+        <p:spPr bwMode="auto">
+          <a:xfrm>
+            <a:off x="1839276" y="963612"/>
+            <a:ext cx="7124623" cy="4844338"/>
+          </a:xfrm>
+          <a:prstGeom prst="rect">
+            <a:avLst/>
+          </a:prstGeom>
+          <a:noFill/>
+          <a:extLst>
+            <a:ext uri="{909E8E84-426E-40DD-AFC4-6F175D3DCCD1}">
+              <a14:hiddenFill xmlns:a14="http://schemas.microsoft.com/office/drawing/2010/main">
+                <a:solidFill>
+                  <a:srgbClr val="FFFFFF"/>
+                </a:solidFill>
+              </a14:hiddenFill>
+            </a:ext>
+          </a:extLst>
+        </p:spPr>
+      </p:pic>
+      <p:sp>
+        <p:nvSpPr>
+          <p:cNvPr id="4" name="Rectangle 3">
+            <a:extLst>
+              <a:ext uri="{FF2B5EF4-FFF2-40B4-BE49-F238E27FC236}">
+                <a16:creationId xmlns:a16="http://schemas.microsoft.com/office/drawing/2014/main" id="{B5972DD8-6D79-4B3E-9C3B-2FD3D466B043}"/>
               </a:ext>
             </a:extLst>
           </p:cNvPr>
@@ -23980,114 +24113,33 @@
         </p:nvSpPr>
         <p:spPr>
           <a:xfrm>
-            <a:off x="110985" y="1172633"/>
-            <a:ext cx="11128648" cy="4216539"/>
+            <a:off x="5401588" y="5807950"/>
+            <a:ext cx="5759450" cy="400110"/>
           </a:xfrm>
           <a:prstGeom prst="rect">
             <a:avLst/>
           </a:prstGeom>
         </p:spPr>
         <p:txBody>
-          <a:bodyPr wrap="square">
+          <a:bodyPr>
             <a:spAutoFit/>
           </a:bodyPr>
           <a:lstStyle/>
           <a:p>
-            <a:pPr marL="571500" indent="-571500">
-              <a:buFont typeface="Arial" panose="020B0604020202020204" pitchFamily="34" charset="0"/>
-              <a:buChar char="•"/>
-            </a:pPr>
-            <a:r>
-              <a:rPr lang="en-US" sz="3600" dirty="0"/>
-              <a:t>Batch mode operators work more efficiently for large </a:t>
-            </a:r>
-            <a:r>
-              <a:rPr lang="en-US" sz="3600" dirty="0" err="1"/>
-              <a:t>rowcounts</a:t>
-            </a:r>
-            <a:r>
-              <a:rPr lang="en-US" sz="3600" dirty="0"/>
-              <a:t>, a major scalability improvement</a:t>
-            </a:r>
-          </a:p>
-          <a:p>
-            <a:pPr marL="571500" indent="-571500">
-              <a:buFont typeface="Arial" panose="020B0604020202020204" pitchFamily="34" charset="0"/>
-              <a:buChar char="•"/>
-            </a:pPr>
-            <a:r>
-              <a:rPr lang="en-US" sz="3600" dirty="0"/>
-              <a:t>Prior to </a:t>
-            </a:r>
-            <a:r>
-              <a:rPr lang="en-US" sz="3600" dirty="0" err="1"/>
-              <a:t>compat</a:t>
-            </a:r>
-            <a:r>
-              <a:rPr lang="en-US" sz="3600" dirty="0"/>
-              <a:t> 150, only possible on </a:t>
-            </a:r>
-            <a:r>
-              <a:rPr lang="en-US" sz="3600" dirty="0" err="1"/>
-              <a:t>columnstores</a:t>
-            </a:r>
-            <a:r>
-              <a:rPr lang="en-US" sz="3600" dirty="0"/>
-              <a:t>.</a:t>
-            </a:r>
-          </a:p>
-          <a:p>
-            <a:pPr marL="571500" indent="-571500">
-              <a:buFont typeface="Arial" panose="020B0604020202020204" pitchFamily="34" charset="0"/>
-              <a:buChar char="•"/>
-            </a:pPr>
-            <a:r>
-              <a:rPr lang="en-US" sz="3600" dirty="0"/>
-              <a:t>With </a:t>
-            </a:r>
-            <a:r>
-              <a:rPr lang="en-US" sz="3600" dirty="0" err="1"/>
-              <a:t>compat</a:t>
-            </a:r>
-            <a:r>
-              <a:rPr lang="en-US" sz="3600" dirty="0"/>
-              <a:t> 150, batch mode is another tool for the query optimizer for use on heaps and B-tree indexes.</a:t>
-            </a:r>
-          </a:p>
-          <a:p>
-            <a:pPr marL="571500" indent="-571500">
-              <a:buFont typeface="Arial" panose="020B0604020202020204" pitchFamily="34" charset="0"/>
-              <a:buChar char="•"/>
-            </a:pPr>
-            <a:endParaRPr lang="en-US" dirty="0"/>
-          </a:p>
-          <a:p>
-            <a:pPr marL="571500" indent="-571500">
-              <a:buFont typeface="Arial" panose="020B0604020202020204" pitchFamily="34" charset="0"/>
-              <a:buChar char="•"/>
-            </a:pPr>
-            <a:endParaRPr lang="en-US" dirty="0"/>
-          </a:p>
-          <a:p>
-            <a:pPr marL="571500" indent="-571500">
-              <a:buFont typeface="Arial" panose="020B0604020202020204" pitchFamily="34" charset="0"/>
-              <a:buChar char="•"/>
-            </a:pPr>
-            <a:endParaRPr lang="en-US" sz="3600" dirty="0"/>
-          </a:p>
-          <a:p>
-            <a:pPr marL="571500" indent="-571500">
-              <a:buFont typeface="Arial" panose="020B0604020202020204" pitchFamily="34" charset="0"/>
-              <a:buChar char="•"/>
-            </a:pPr>
-            <a:endParaRPr lang="en-US" sz="1600" dirty="0"/>
+            <a:r>
+              <a:rPr lang="en-US" sz="1000" dirty="0">
+                <a:hlinkClick r:id="rId3"/>
+              </a:rPr>
+              <a:t>https://cloudblogs.microsoft.com/sqlserver/2018/09/26/sql-server-2019-celebrating-25-years-of-sql-server-database-engine-and-the-path-forward/</a:t>
+            </a:r>
+            <a:endParaRPr lang="en-US" sz="1000" dirty="0"/>
           </a:p>
         </p:txBody>
       </p:sp>
     </p:spTree>
     <p:extLst>
       <p:ext uri="{BB962C8B-B14F-4D97-AF65-F5344CB8AC3E}">
-        <p14:creationId xmlns:p14="http://schemas.microsoft.com/office/powerpoint/2010/main" val="2928512945"/>
+        <p14:creationId xmlns:p14="http://schemas.microsoft.com/office/powerpoint/2010/main" val="798057443"/>
       </p:ext>
     </p:extLst>
   </p:cSld>
@@ -24163,7 +24215,7 @@
         <p:spPr>
           <a:xfrm>
             <a:off x="110985" y="1172633"/>
-            <a:ext cx="11128648" cy="4739759"/>
+            <a:ext cx="11128648" cy="4216539"/>
           </a:xfrm>
           <a:prstGeom prst="rect">
             <a:avLst/>
@@ -24181,15 +24233,15 @@
             </a:pPr>
             <a:r>
               <a:rPr lang="en-US" sz="3600" dirty="0"/>
-              <a:t>New </a:t>
-            </a:r>
-            <a:r>
-              <a:rPr lang="en-US" sz="3600" b="1" dirty="0"/>
-              <a:t>BATCH_MODE_ON_ROWSTORE</a:t>
+              <a:t>Batch mode operators work more efficiently for large </a:t>
+            </a:r>
+            <a:r>
+              <a:rPr lang="en-US" sz="3600" dirty="0" err="1"/>
+              <a:t>rowcounts</a:t>
             </a:r>
             <a:r>
               <a:rPr lang="en-US" sz="3600" dirty="0"/>
-              <a:t> database scoped configuration </a:t>
+              <a:t>, a major scalability improvement</a:t>
             </a:r>
           </a:p>
           <a:p>
@@ -24199,7 +24251,7 @@
             </a:pPr>
             <a:r>
               <a:rPr lang="en-US" sz="3600" dirty="0"/>
-              <a:t>On by default in </a:t>
+              <a:t>Prior to </a:t>
             </a:r>
             <a:r>
               <a:rPr lang="en-US" sz="3600" dirty="0" err="1"/>
@@ -24207,9 +24259,16 @@
             </a:r>
             <a:r>
               <a:rPr lang="en-US" sz="3600" dirty="0"/>
-              <a:t> 150</a:t>
-            </a:r>
-            <a:endParaRPr lang="en-US" sz="6000" dirty="0"/>
+              <a:t> 150, only possible on </a:t>
+            </a:r>
+            <a:r>
+              <a:rPr lang="en-US" sz="3600" dirty="0" err="1"/>
+              <a:t>columnstores</a:t>
+            </a:r>
+            <a:r>
+              <a:rPr lang="en-US" sz="3600" dirty="0"/>
+              <a:t>.</a:t>
+            </a:r>
           </a:p>
           <a:p>
             <a:pPr marL="571500" indent="-571500">
@@ -24218,24 +24277,51 @@
             </a:pPr>
             <a:r>
               <a:rPr lang="en-US" sz="3600" dirty="0"/>
-              <a:t>“This batch mode scan can evaluate batch mode bitmap filters. You might also see other batch mode operators in the plan. Examples are hash joins, hash-based aggregates, sorts, window aggregates, filters, concatenation, and compute scalar operators.”</a:t>
-            </a:r>
-          </a:p>
-          <a:p>
-            <a:r>
-              <a:rPr lang="en-US" sz="1400" dirty="0">
-                <a:hlinkClick r:id="rId2"/>
-              </a:rPr>
-              <a:t>https://docs.microsoft.com/en-us/sql/relational-databases/performance/intelligent-query-processing?view=sql-server-ver15#batch-mode-on-rowstore</a:t>
-            </a:r>
-            <a:endParaRPr lang="en-US" sz="1400" dirty="0"/>
+              <a:t>With </a:t>
+            </a:r>
+            <a:r>
+              <a:rPr lang="en-US" sz="3600" dirty="0" err="1"/>
+              <a:t>compat</a:t>
+            </a:r>
+            <a:r>
+              <a:rPr lang="en-US" sz="3600" dirty="0"/>
+              <a:t> 150, batch mode is another tool for the query optimizer for use on heaps and B-tree indexes.</a:t>
+            </a:r>
+          </a:p>
+          <a:p>
+            <a:pPr marL="571500" indent="-571500">
+              <a:buFont typeface="Arial" panose="020B0604020202020204" pitchFamily="34" charset="0"/>
+              <a:buChar char="•"/>
+            </a:pPr>
+            <a:endParaRPr lang="en-US" dirty="0"/>
+          </a:p>
+          <a:p>
+            <a:pPr marL="571500" indent="-571500">
+              <a:buFont typeface="Arial" panose="020B0604020202020204" pitchFamily="34" charset="0"/>
+              <a:buChar char="•"/>
+            </a:pPr>
+            <a:endParaRPr lang="en-US" dirty="0"/>
+          </a:p>
+          <a:p>
+            <a:pPr marL="571500" indent="-571500">
+              <a:buFont typeface="Arial" panose="020B0604020202020204" pitchFamily="34" charset="0"/>
+              <a:buChar char="•"/>
+            </a:pPr>
+            <a:endParaRPr lang="en-US" sz="3600" dirty="0"/>
+          </a:p>
+          <a:p>
+            <a:pPr marL="571500" indent="-571500">
+              <a:buFont typeface="Arial" panose="020B0604020202020204" pitchFamily="34" charset="0"/>
+              <a:buChar char="•"/>
+            </a:pPr>
+            <a:endParaRPr lang="en-US" sz="1600" dirty="0"/>
           </a:p>
         </p:txBody>
       </p:sp>
     </p:spTree>
     <p:extLst>
       <p:ext uri="{BB962C8B-B14F-4D97-AF65-F5344CB8AC3E}">
-        <p14:creationId xmlns:p14="http://schemas.microsoft.com/office/powerpoint/2010/main" val="51730675"/>
+        <p14:creationId xmlns:p14="http://schemas.microsoft.com/office/powerpoint/2010/main" val="2928512945"/>
       </p:ext>
     </p:extLst>
   </p:cSld>
@@ -24286,8 +24372,13 @@
           <a:p>
             <a:r>
               <a:rPr lang="en-US" sz="3600" b="1" dirty="0"/>
-              <a:t>Performance Boost: Memory Grant Feedback</a:t>
-            </a:r>
+              <a:t>Performance Boost: Batch mode on </a:t>
+            </a:r>
+            <a:r>
+              <a:rPr lang="en-US" sz="3600" b="1" dirty="0" err="1"/>
+              <a:t>rowstore</a:t>
+            </a:r>
+            <a:endParaRPr lang="en-US" sz="3600" b="1" dirty="0"/>
           </a:p>
         </p:txBody>
       </p:sp>
@@ -24306,7 +24397,7 @@
         <p:spPr>
           <a:xfrm>
             <a:off x="110985" y="1172633"/>
-            <a:ext cx="11128648" cy="4185761"/>
+            <a:ext cx="11128648" cy="4739759"/>
           </a:xfrm>
           <a:prstGeom prst="rect">
             <a:avLst/>
@@ -24324,7 +24415,15 @@
             </a:pPr>
             <a:r>
               <a:rPr lang="en-US" sz="3600" dirty="0"/>
-              <a:t>Already had Memory Grant Feedback for batch mode. </a:t>
+              <a:t>New </a:t>
+            </a:r>
+            <a:r>
+              <a:rPr lang="en-US" sz="3600" b="1" dirty="0"/>
+              <a:t>BATCH_MODE_ON_ROWSTORE</a:t>
+            </a:r>
+            <a:r>
+              <a:rPr lang="en-US" sz="3600" dirty="0"/>
+              <a:t> database scoped configuration </a:t>
             </a:r>
           </a:p>
           <a:p>
@@ -24334,8 +24433,17 @@
             </a:pPr>
             <a:r>
               <a:rPr lang="en-US" sz="3600" dirty="0"/>
-              <a:t>Now supported for row mode.</a:t>
-            </a:r>
+              <a:t>On by default in </a:t>
+            </a:r>
+            <a:r>
+              <a:rPr lang="en-US" sz="3600" dirty="0" err="1"/>
+              <a:t>compat</a:t>
+            </a:r>
+            <a:r>
+              <a:rPr lang="en-US" sz="3600" dirty="0"/>
+              <a:t> 150</a:t>
+            </a:r>
+            <a:endParaRPr lang="en-US" sz="6000" dirty="0"/>
           </a:p>
           <a:p>
             <a:pPr marL="571500" indent="-571500">
@@ -24344,41 +24452,16 @@
             </a:pPr>
             <a:r>
               <a:rPr lang="en-US" sz="3600" dirty="0"/>
-              <a:t>More efficient memory estimation and handling</a:t>
-            </a:r>
-          </a:p>
-          <a:p>
-            <a:pPr marL="571500" indent="-571500">
-              <a:buFont typeface="Arial" panose="020B0604020202020204" pitchFamily="34" charset="0"/>
-              <a:buChar char="•"/>
-            </a:pPr>
-            <a:r>
-              <a:rPr lang="en-US" sz="3600" dirty="0"/>
-              <a:t>Prevents spill to disk if memory initially underestimated</a:t>
-            </a:r>
-          </a:p>
-          <a:p>
-            <a:pPr marL="571500" indent="-571500">
-              <a:buFont typeface="Arial" panose="020B0604020202020204" pitchFamily="34" charset="0"/>
-              <a:buChar char="•"/>
-            </a:pPr>
-            <a:endParaRPr lang="en-US" sz="3600" dirty="0"/>
-          </a:p>
-          <a:p>
-            <a:pPr marL="571500" indent="-571500">
-              <a:buFont typeface="Arial" panose="020B0604020202020204" pitchFamily="34" charset="0"/>
-              <a:buChar char="•"/>
-            </a:pPr>
-            <a:r>
-              <a:rPr lang="en-US" sz="3600" dirty="0"/>
-              <a:t>Enterprise edition feature only in SQL 2019 for both row and batch mode.</a:t>
-            </a:r>
-          </a:p>
-          <a:p>
-            <a:pPr marL="571500" indent="-571500">
-              <a:buFont typeface="Arial" panose="020B0604020202020204" pitchFamily="34" charset="0"/>
-              <a:buChar char="•"/>
-            </a:pPr>
+              <a:t>“This batch mode scan can evaluate batch mode bitmap filters. You might also see other batch mode operators in the plan. Examples are hash joins, hash-based aggregates, sorts, window aggregates, filters, concatenation, and compute scalar operators.”</a:t>
+            </a:r>
+          </a:p>
+          <a:p>
+            <a:r>
+              <a:rPr lang="en-US" sz="1400" dirty="0">
+                <a:hlinkClick r:id="rId2"/>
+              </a:rPr>
+              <a:t>https://docs.microsoft.com/en-us/sql/relational-databases/performance/intelligent-query-processing?view=sql-server-ver15#batch-mode-on-rowstore</a:t>
+            </a:r>
             <a:endParaRPr lang="en-US" sz="1400" dirty="0"/>
           </a:p>
         </p:txBody>
@@ -24386,7 +24469,7 @@
     </p:spTree>
     <p:extLst>
       <p:ext uri="{BB962C8B-B14F-4D97-AF65-F5344CB8AC3E}">
-        <p14:creationId xmlns:p14="http://schemas.microsoft.com/office/powerpoint/2010/main" val="2394866363"/>
+        <p14:creationId xmlns:p14="http://schemas.microsoft.com/office/powerpoint/2010/main" val="51730675"/>
       </p:ext>
     </p:extLst>
   </p:cSld>
@@ -24436,18 +24519,9 @@
           <a:lstStyle/>
           <a:p>
             <a:r>
-              <a:rPr lang="en-US" b="1" dirty="0"/>
-              <a:t>Performance Boost: </a:t>
-            </a:r>
-            <a:r>
-              <a:rPr lang="en-US" sz="4000" b="1" dirty="0"/>
-              <a:t>Scalar UDF </a:t>
-            </a:r>
-            <a:r>
-              <a:rPr lang="en-US" sz="4000" b="1" dirty="0" err="1"/>
-              <a:t>inlining</a:t>
-            </a:r>
-            <a:endParaRPr lang="en-US" b="1" dirty="0"/>
+              <a:rPr lang="en-US" sz="3600" b="1" dirty="0"/>
+              <a:t>Performance Boost: Memory Grant Feedback</a:t>
+            </a:r>
           </a:p>
         </p:txBody>
       </p:sp>
@@ -24466,7 +24540,7 @@
         <p:spPr>
           <a:xfrm>
             <a:off x="110985" y="1172633"/>
-            <a:ext cx="11128648" cy="4524315"/>
+            <a:ext cx="11128648" cy="4185761"/>
           </a:xfrm>
           <a:prstGeom prst="rect">
             <a:avLst/>
@@ -24478,27 +24552,13 @@
           </a:bodyPr>
           <a:lstStyle/>
           <a:p>
-            <a:r>
-              <a:rPr lang="en-US" sz="3600" i="1" dirty="0"/>
-              <a:t>	Developers now off the hook for some bad habits.</a:t>
-            </a:r>
-            <a:br>
-              <a:rPr lang="en-US" sz="3600" i="1" dirty="0"/>
-            </a:br>
-            <a:endParaRPr lang="en-US" sz="3600" i="1" dirty="0"/>
-          </a:p>
-          <a:p>
             <a:pPr marL="571500" indent="-571500">
               <a:buFont typeface="Arial" panose="020B0604020202020204" pitchFamily="34" charset="0"/>
               <a:buChar char="•"/>
             </a:pPr>
             <a:r>
-              <a:rPr lang="en-US" sz="3600" b="1" dirty="0"/>
-              <a:t>Will immediately, dramatically improve performance </a:t>
-            </a:r>
-            <a:r>
               <a:rPr lang="en-US" sz="3600" dirty="0"/>
-              <a:t>where Scalar UDF’s are abused. Doesn’t help TVF’s.</a:t>
+              <a:t>Already had Memory Grant Feedback for batch mode. </a:t>
             </a:r>
           </a:p>
           <a:p>
@@ -24508,15 +24568,7 @@
             </a:pPr>
             <a:r>
               <a:rPr lang="en-US" sz="3600" dirty="0"/>
-              <a:t>“Scalar UDF </a:t>
-            </a:r>
-            <a:r>
-              <a:rPr lang="en-US" sz="3600" dirty="0" err="1"/>
-              <a:t>Inlining</a:t>
-            </a:r>
-            <a:r>
-              <a:rPr lang="en-US" sz="3600" dirty="0"/>
-              <a:t>” automatically transforms inline-able UDFs into relational expressions. </a:t>
+              <a:t>Now supported for row mode.</a:t>
             </a:r>
           </a:p>
           <a:p>
@@ -24526,15 +24578,49 @@
             </a:pPr>
             <a:r>
               <a:rPr lang="en-US" sz="3600" dirty="0"/>
-              <a:t>Prevents UDF's in the SELECT or ON part of queries from exploding query cost with RBAR.</a:t>
-            </a:r>
+              <a:t>More efficient memory estimation and handling</a:t>
+            </a:r>
+          </a:p>
+          <a:p>
+            <a:pPr marL="571500" indent="-571500">
+              <a:buFont typeface="Arial" panose="020B0604020202020204" pitchFamily="34" charset="0"/>
+              <a:buChar char="•"/>
+            </a:pPr>
+            <a:r>
+              <a:rPr lang="en-US" sz="3600" dirty="0"/>
+              <a:t>Prevents spill to disk if memory initially underestimated</a:t>
+            </a:r>
+          </a:p>
+          <a:p>
+            <a:pPr marL="571500" indent="-571500">
+              <a:buFont typeface="Arial" panose="020B0604020202020204" pitchFamily="34" charset="0"/>
+              <a:buChar char="•"/>
+            </a:pPr>
+            <a:endParaRPr lang="en-US" sz="3600" dirty="0"/>
+          </a:p>
+          <a:p>
+            <a:pPr marL="571500" indent="-571500">
+              <a:buFont typeface="Arial" panose="020B0604020202020204" pitchFamily="34" charset="0"/>
+              <a:buChar char="•"/>
+            </a:pPr>
+            <a:r>
+              <a:rPr lang="en-US" sz="3600" dirty="0"/>
+              <a:t>Enterprise edition feature only in SQL 2019 for both row and batch mode.</a:t>
+            </a:r>
+          </a:p>
+          <a:p>
+            <a:pPr marL="571500" indent="-571500">
+              <a:buFont typeface="Arial" panose="020B0604020202020204" pitchFamily="34" charset="0"/>
+              <a:buChar char="•"/>
+            </a:pPr>
+            <a:endParaRPr lang="en-US" sz="1400" dirty="0"/>
           </a:p>
         </p:txBody>
       </p:sp>
     </p:spTree>
     <p:extLst>
       <p:ext uri="{BB962C8B-B14F-4D97-AF65-F5344CB8AC3E}">
-        <p14:creationId xmlns:p14="http://schemas.microsoft.com/office/powerpoint/2010/main" val="2213567820"/>
+        <p14:creationId xmlns:p14="http://schemas.microsoft.com/office/powerpoint/2010/main" val="2394866363"/>
       </p:ext>
     </p:extLst>
   </p:cSld>
@@ -24614,7 +24700,7 @@
         <p:spPr>
           <a:xfrm>
             <a:off x="110985" y="1172633"/>
-            <a:ext cx="11128648" cy="3847207"/>
+            <a:ext cx="11128648" cy="4524315"/>
           </a:xfrm>
           <a:prstGeom prst="rect">
             <a:avLst/>
@@ -24626,13 +24712,27 @@
           </a:bodyPr>
           <a:lstStyle/>
           <a:p>
+            <a:r>
+              <a:rPr lang="en-US" sz="3600" i="1" dirty="0"/>
+              <a:t>	Developers now off the hook for some bad habits.</a:t>
+            </a:r>
+            <a:br>
+              <a:rPr lang="en-US" sz="3600" i="1" dirty="0"/>
+            </a:br>
+            <a:endParaRPr lang="en-US" sz="3600" i="1" dirty="0"/>
+          </a:p>
+          <a:p>
             <a:pPr marL="571500" indent="-571500">
               <a:buFont typeface="Arial" panose="020B0604020202020204" pitchFamily="34" charset="0"/>
               <a:buChar char="•"/>
             </a:pPr>
             <a:r>
+              <a:rPr lang="en-US" sz="3600" b="1" dirty="0"/>
+              <a:t>Will immediately, dramatically improve performance </a:t>
+            </a:r>
+            <a:r>
               <a:rPr lang="en-US" sz="3600" dirty="0"/>
-              <a:t>On by default with Compatibility Level 150 (SQL 2019), in all editions.</a:t>
+              <a:t>where Scalar UDF’s are abused. Doesn’t help TVF’s.</a:t>
             </a:r>
           </a:p>
           <a:p>
@@ -24642,38 +24742,16 @@
             </a:pPr>
             <a:r>
               <a:rPr lang="en-US" sz="3600" dirty="0"/>
-              <a:t>This can be disabled – there were “several” issues resolved in CU2, one still reported with nested UDF’s.</a:t>
-            </a:r>
-          </a:p>
-          <a:p>
-            <a:pPr lvl="1"/>
-            <a:r>
-              <a:rPr lang="en-US" sz="1200" dirty="0">
-                <a:hlinkClick r:id="rId2"/>
-              </a:rPr>
-              <a:t>https://support.microsoft.com/en-us/help/4538581/fix-scalar-udf-inlining-issues-in-sql-server-2019</a:t>
-            </a:r>
-            <a:endParaRPr lang="en-US" sz="1200" dirty="0"/>
-          </a:p>
-          <a:p>
-            <a:pPr lvl="1"/>
-            <a:r>
-              <a:rPr lang="en-US" sz="1200" dirty="0">
-                <a:hlinkClick r:id="rId3"/>
-              </a:rPr>
-              <a:t>https://twitter.com/tarynpivots/status</a:t>
-            </a:r>
-            <a:r>
-              <a:rPr lang="en-US" sz="1200">
-                <a:hlinkClick r:id="rId3"/>
-              </a:rPr>
-              <a:t>/1228334842300882944</a:t>
-            </a:r>
-            <a:endParaRPr lang="en-US" sz="1200"/>
-          </a:p>
-          <a:p>
-            <a:pPr lvl="1"/>
-            <a:endParaRPr lang="en-US" sz="1200" dirty="0"/>
+              <a:t>“Scalar UDF </a:t>
+            </a:r>
+            <a:r>
+              <a:rPr lang="en-US" sz="3600" dirty="0" err="1"/>
+              <a:t>Inlining</a:t>
+            </a:r>
+            <a:r>
+              <a:rPr lang="en-US" sz="3600" dirty="0"/>
+              <a:t>” automatically transforms inline-able UDFs into relational expressions. </a:t>
+            </a:r>
           </a:p>
           <a:p>
             <a:pPr marL="571500" indent="-571500">
@@ -24681,17 +24759,16 @@
               <a:buChar char="•"/>
             </a:pPr>
             <a:r>
-              <a:rPr lang="en-US" sz="3200" dirty="0"/>
-              <a:t>Another feature introduced in SQL 2017, Interleaved Execution can help with TVF’s.</a:t>
-            </a:r>
-            <a:endParaRPr lang="en-US" sz="1400" dirty="0"/>
+              <a:rPr lang="en-US" sz="3600" dirty="0"/>
+              <a:t>Prevents UDF's in the SELECT or ON part of queries from exploding query cost with RBAR.</a:t>
+            </a:r>
           </a:p>
         </p:txBody>
       </p:sp>
     </p:spTree>
     <p:extLst>
       <p:ext uri="{BB962C8B-B14F-4D97-AF65-F5344CB8AC3E}">
-        <p14:creationId xmlns:p14="http://schemas.microsoft.com/office/powerpoint/2010/main" val="172816241"/>
+        <p14:creationId xmlns:p14="http://schemas.microsoft.com/office/powerpoint/2010/main" val="2213567820"/>
       </p:ext>
     </p:extLst>
   </p:cSld>
@@ -24720,6 +24797,44 @@
       </p:grpSpPr>
       <p:sp>
         <p:nvSpPr>
+          <p:cNvPr id="4" name="Title 3"/>
+          <p:cNvSpPr>
+            <a:spLocks noGrp="1"/>
+          </p:cNvSpPr>
+          <p:nvPr>
+            <p:ph type="title" idx="4294967295"/>
+          </p:nvPr>
+        </p:nvSpPr>
+        <p:spPr>
+          <a:xfrm>
+            <a:off x="719138" y="360363"/>
+            <a:ext cx="10801350" cy="720725"/>
+          </a:xfrm>
+        </p:spPr>
+        <p:txBody>
+          <a:bodyPr>
+            <a:normAutofit/>
+          </a:bodyPr>
+          <a:lstStyle/>
+          <a:p>
+            <a:r>
+              <a:rPr lang="en-US" b="1" dirty="0"/>
+              <a:t>Performance Boost: </a:t>
+            </a:r>
+            <a:r>
+              <a:rPr lang="en-US" sz="4000" b="1" dirty="0"/>
+              <a:t>Scalar UDF </a:t>
+            </a:r>
+            <a:r>
+              <a:rPr lang="en-US" sz="4000" b="1" dirty="0" err="1"/>
+              <a:t>inlining</a:t>
+            </a:r>
+            <a:endParaRPr lang="en-US" b="1" dirty="0"/>
+          </a:p>
+        </p:txBody>
+      </p:sp>
+      <p:sp>
+        <p:nvSpPr>
           <p:cNvPr id="2" name="Rectangle 1">
             <a:extLst>
               <a:ext uri="{FF2B5EF4-FFF2-40B4-BE49-F238E27FC236}">
@@ -24733,7 +24848,7 @@
         <p:spPr>
           <a:xfrm>
             <a:off x="110985" y="1172633"/>
-            <a:ext cx="11128648" cy="4339650"/>
+            <a:ext cx="11128648" cy="3847207"/>
           </a:xfrm>
           <a:prstGeom prst="rect">
             <a:avLst/>
@@ -24751,7 +24866,7 @@
             </a:pPr>
             <a:r>
               <a:rPr lang="en-US" sz="3600" dirty="0"/>
-              <a:t>Improves plan quality, performance of table variables</a:t>
+              <a:t>On by default with Compatibility Level 150 (SQL 2019), in all editions.</a:t>
             </a:r>
           </a:p>
           <a:p>
@@ -24759,7 +24874,40 @@
               <a:buFont typeface="Arial" panose="020B0604020202020204" pitchFamily="34" charset="0"/>
               <a:buChar char="•"/>
             </a:pPr>
-            <a:endParaRPr lang="en-US" sz="3600" dirty="0"/>
+            <a:r>
+              <a:rPr lang="en-US" sz="3600" dirty="0"/>
+              <a:t>This can be disabled – there were “several” issues resolved in CU2, one still reported with nested UDF’s.</a:t>
+            </a:r>
+          </a:p>
+          <a:p>
+            <a:pPr lvl="1"/>
+            <a:r>
+              <a:rPr lang="en-US" sz="1200" dirty="0">
+                <a:hlinkClick r:id="rId2"/>
+              </a:rPr>
+              <a:t>https://support.microsoft.com/en-us/help/4538581/fix-scalar-udf-inlining-issues-in-sql-server-2019</a:t>
+            </a:r>
+            <a:endParaRPr lang="en-US" sz="1200" dirty="0"/>
+          </a:p>
+          <a:p>
+            <a:pPr lvl="1"/>
+            <a:r>
+              <a:rPr lang="en-US" sz="1200" dirty="0">
+                <a:hlinkClick r:id="rId3"/>
+              </a:rPr>
+              <a:t>https://twitter.com/tarynpivots/status</a:t>
+            </a:r>
+            <a:r>
+              <a:rPr lang="en-US" sz="1200">
+                <a:hlinkClick r:id="rId3"/>
+              </a:rPr>
+              <a:t>/1228334842300882944</a:t>
+            </a:r>
+            <a:endParaRPr lang="en-US" sz="1200"/>
+          </a:p>
+          <a:p>
+            <a:pPr lvl="1"/>
+            <a:endParaRPr lang="en-US" sz="1200" dirty="0"/>
           </a:p>
           <a:p>
             <a:pPr marL="571500" indent="-571500">
@@ -24767,134 +24915,17 @@
               <a:buChar char="•"/>
             </a:pPr>
             <a:r>
-              <a:rPr lang="en-US" sz="3600" dirty="0"/>
-              <a:t>Biggest difference from Temp Tables: Table variables still lack column statistics.</a:t>
-            </a:r>
-          </a:p>
-          <a:p>
-            <a:pPr marL="571500" indent="-571500">
-              <a:buFont typeface="Arial" panose="020B0604020202020204" pitchFamily="34" charset="0"/>
-              <a:buChar char="•"/>
-            </a:pPr>
-            <a:r>
-              <a:rPr lang="en-US" sz="3600" dirty="0"/>
-              <a:t>On by default with </a:t>
-            </a:r>
-            <a:r>
-              <a:rPr lang="en-US" sz="3600" dirty="0" err="1"/>
-              <a:t>compat</a:t>
-            </a:r>
-            <a:r>
-              <a:rPr lang="en-US" sz="3600" dirty="0"/>
-              <a:t> level 150.</a:t>
-            </a:r>
-          </a:p>
-          <a:p>
-            <a:pPr marL="571500" indent="-571500">
-              <a:buFont typeface="Arial" panose="020B0604020202020204" pitchFamily="34" charset="0"/>
-              <a:buChar char="•"/>
-            </a:pPr>
-            <a:endParaRPr lang="en-US" sz="1600" dirty="0"/>
-          </a:p>
-          <a:p>
-            <a:pPr marL="571500" indent="-571500">
-              <a:buFont typeface="Arial" panose="020B0604020202020204" pitchFamily="34" charset="0"/>
-              <a:buChar char="•"/>
-            </a:pPr>
-            <a:endParaRPr lang="en-US" sz="1600" dirty="0">
-              <a:hlinkClick r:id="rId2"/>
-            </a:endParaRPr>
-          </a:p>
-          <a:p>
-            <a:pPr marL="571500" indent="-571500">
-              <a:buFont typeface="Arial" panose="020B0604020202020204" pitchFamily="34" charset="0"/>
-              <a:buChar char="•"/>
-            </a:pPr>
-            <a:endParaRPr lang="en-US" sz="1600" dirty="0">
-              <a:hlinkClick r:id="rId2"/>
-            </a:endParaRPr>
-          </a:p>
-          <a:p>
-            <a:pPr marL="571500" indent="-571500">
-              <a:buFont typeface="Arial" panose="020B0604020202020204" pitchFamily="34" charset="0"/>
-              <a:buChar char="•"/>
-            </a:pPr>
-            <a:r>
-              <a:rPr lang="en-US" sz="1600" dirty="0">
-                <a:hlinkClick r:id="rId2"/>
-              </a:rPr>
-              <a:t>https://blogs.msdn.microsoft.com/sqlserverstorageengine/2018/07/16/public-preview-of-table-variable-deferred-compilation-in-azure-sql-database/</a:t>
-            </a:r>
-            <a:endParaRPr lang="en-US" sz="1600" dirty="0"/>
-          </a:p>
-          <a:p>
-            <a:pPr marL="571500" indent="-571500">
-              <a:buFont typeface="Arial" panose="020B0604020202020204" pitchFamily="34" charset="0"/>
-              <a:buChar char="•"/>
-            </a:pPr>
-            <a:endParaRPr lang="en-US" sz="1600" dirty="0"/>
-          </a:p>
-        </p:txBody>
-      </p:sp>
-      <p:sp>
-        <p:nvSpPr>
-          <p:cNvPr id="5" name="Title 3">
-            <a:extLst>
-              <a:ext uri="{FF2B5EF4-FFF2-40B4-BE49-F238E27FC236}">
-                <a16:creationId xmlns:a16="http://schemas.microsoft.com/office/drawing/2014/main" id="{F9E68D72-7E6F-4867-B835-93B9B113E7E2}"/>
-              </a:ext>
-            </a:extLst>
-          </p:cNvPr>
-          <p:cNvSpPr txBox="1">
-            <a:spLocks/>
-          </p:cNvSpPr>
-          <p:nvPr/>
-        </p:nvSpPr>
-        <p:spPr>
-          <a:xfrm>
-            <a:off x="719138" y="360363"/>
-            <a:ext cx="10801350" cy="720725"/>
-          </a:xfrm>
-          <a:prstGeom prst="rect">
-            <a:avLst/>
-          </a:prstGeom>
-        </p:spPr>
-        <p:txBody>
-          <a:bodyPr vert="horz" lIns="91440" tIns="45720" rIns="91440" bIns="45720" rtlCol="0" anchor="ctr">
-            <a:noAutofit/>
-          </a:bodyPr>
-          <a:lstStyle>
-            <a:lvl1pPr algn="l" defTabSz="864017" rtl="0" eaLnBrk="1" latinLnBrk="0" hangingPunct="1">
-              <a:lnSpc>
-                <a:spcPct val="90000"/>
-              </a:lnSpc>
-              <a:spcBef>
-                <a:spcPct val="0"/>
-              </a:spcBef>
-              <a:buNone/>
-              <a:defRPr sz="3780" b="0" kern="1200">
-                <a:solidFill>
-                  <a:schemeClr val="tx1"/>
-                </a:solidFill>
-                <a:latin typeface="+mn-lt"/>
-                <a:ea typeface="+mj-ea"/>
-                <a:cs typeface="+mj-cs"/>
-              </a:defRPr>
-            </a:lvl1pPr>
-          </a:lstStyle>
-          <a:p>
-            <a:r>
-              <a:rPr lang="en-US" sz="3600" b="1"/>
-              <a:t>Performance Boost: Table variable deferred compilation</a:t>
-            </a:r>
-            <a:endParaRPr lang="en-US" sz="3600" b="1" dirty="0"/>
+              <a:rPr lang="en-US" sz="3200" dirty="0"/>
+              <a:t>Another feature introduced in SQL 2017, Interleaved Execution can help with TVF’s.</a:t>
+            </a:r>
+            <a:endParaRPr lang="en-US" sz="1400" dirty="0"/>
           </a:p>
         </p:txBody>
       </p:sp>
     </p:spTree>
     <p:extLst>
       <p:ext uri="{BB962C8B-B14F-4D97-AF65-F5344CB8AC3E}">
-        <p14:creationId xmlns:p14="http://schemas.microsoft.com/office/powerpoint/2010/main" val="3129846281"/>
+        <p14:creationId xmlns:p14="http://schemas.microsoft.com/office/powerpoint/2010/main" val="172816241"/>
       </p:ext>
     </p:extLst>
   </p:cSld>
@@ -25260,35 +25291,6 @@
       </p:grpSpPr>
       <p:sp>
         <p:nvSpPr>
-          <p:cNvPr id="4" name="Title 3"/>
-          <p:cNvSpPr>
-            <a:spLocks noGrp="1"/>
-          </p:cNvSpPr>
-          <p:nvPr>
-            <p:ph type="title" idx="4294967295"/>
-          </p:nvPr>
-        </p:nvSpPr>
-        <p:spPr>
-          <a:xfrm>
-            <a:off x="719138" y="360363"/>
-            <a:ext cx="10801350" cy="720725"/>
-          </a:xfrm>
-        </p:spPr>
-        <p:txBody>
-          <a:bodyPr>
-            <a:noAutofit/>
-          </a:bodyPr>
-          <a:lstStyle/>
-          <a:p>
-            <a:r>
-              <a:rPr lang="en-US" sz="3600" b="1" dirty="0"/>
-              <a:t>Performance Boost: Table variable deferred compilation</a:t>
-            </a:r>
-          </a:p>
-        </p:txBody>
-      </p:sp>
-      <p:sp>
-        <p:nvSpPr>
           <p:cNvPr id="2" name="Rectangle 1">
             <a:extLst>
               <a:ext uri="{FF2B5EF4-FFF2-40B4-BE49-F238E27FC236}">
@@ -25302,7 +25304,7 @@
         <p:spPr>
           <a:xfrm>
             <a:off x="110985" y="1172633"/>
-            <a:ext cx="11128648" cy="4401205"/>
+            <a:ext cx="11128648" cy="4339650"/>
           </a:xfrm>
           <a:prstGeom prst="rect">
             <a:avLst/>
@@ -25319,53 +25321,8 @@
               <a:buChar char="•"/>
             </a:pPr>
             <a:r>
-              <a:rPr lang="en-US" sz="3200" b="1" dirty="0"/>
-              <a:t>Existing behavior: </a:t>
-            </a:r>
-            <a:r>
-              <a:rPr lang="en-US" sz="3200" dirty="0"/>
-              <a:t>Table variables are compiled along with all other statements, cannot know the actual row count at time of execution, so a fixed guess </a:t>
-            </a:r>
-            <a:r>
-              <a:rPr lang="en-US" sz="3200" b="1" dirty="0"/>
-              <a:t>of one row </a:t>
-            </a:r>
-            <a:r>
-              <a:rPr lang="en-US" sz="3200" dirty="0"/>
-              <a:t>is used.  </a:t>
-            </a:r>
-          </a:p>
-          <a:p>
-            <a:pPr marL="1028700" lvl="1" indent="-571500">
-              <a:buFont typeface="Arial" panose="020B0604020202020204" pitchFamily="34" charset="0"/>
-              <a:buChar char="•"/>
-            </a:pPr>
-            <a:r>
-              <a:rPr lang="en-US" sz="2800" dirty="0"/>
-              <a:t>This is why table variables are only good for very small </a:t>
-            </a:r>
-            <a:r>
-              <a:rPr lang="en-US" sz="2800" dirty="0" err="1"/>
-              <a:t>rowcounts</a:t>
-            </a:r>
-            <a:endParaRPr lang="en-US" sz="2800" dirty="0"/>
-          </a:p>
-          <a:p>
-            <a:pPr marL="1028700" lvl="1" indent="-571500">
-              <a:buFont typeface="Arial" panose="020B0604020202020204" pitchFamily="34" charset="0"/>
-              <a:buChar char="•"/>
-            </a:pPr>
-            <a:r>
-              <a:rPr lang="en-US" sz="2800" dirty="0"/>
-              <a:t>Underestimation of </a:t>
-            </a:r>
-            <a:r>
-              <a:rPr lang="en-US" sz="2800" dirty="0" err="1"/>
-              <a:t>rowcount</a:t>
-            </a:r>
-            <a:r>
-              <a:rPr lang="en-US" sz="2800" dirty="0"/>
-              <a:t> caused poor performance</a:t>
+              <a:rPr lang="en-US" sz="3600" dirty="0"/>
+              <a:t>Improves plan quality, performance of table variables</a:t>
             </a:r>
           </a:p>
           <a:p>
@@ -25373,42 +25330,142 @@
               <a:buFont typeface="Arial" panose="020B0604020202020204" pitchFamily="34" charset="0"/>
               <a:buChar char="•"/>
             </a:pPr>
-            <a:r>
-              <a:rPr lang="en-US" sz="3200" b="1" dirty="0"/>
-              <a:t>In SQL 2019: </a:t>
-            </a:r>
-            <a:r>
-              <a:rPr lang="en-US" sz="3200" dirty="0"/>
-              <a:t>compilation behavior matches that of temp tables, and results in the actual </a:t>
-            </a:r>
-            <a:r>
-              <a:rPr lang="en-US" sz="3200" dirty="0" err="1"/>
-              <a:t>rowcount</a:t>
-            </a:r>
-            <a:r>
-              <a:rPr lang="en-US" sz="3200" dirty="0"/>
-              <a:t> being used in the plan, much better plans. </a:t>
-            </a:r>
-            <a:r>
-              <a:rPr lang="en-US" sz="3200" i="1" dirty="0"/>
-              <a:t>No change if you’re already using Table vars appropriately (for very small </a:t>
-            </a:r>
-            <a:r>
-              <a:rPr lang="en-US" sz="3200" i="1" dirty="0" err="1"/>
-              <a:t>rowcounts</a:t>
-            </a:r>
-            <a:r>
-              <a:rPr lang="en-US" sz="3200" i="1" dirty="0"/>
-              <a:t> only).</a:t>
-            </a:r>
-            <a:endParaRPr lang="en-US" sz="1600" i="1" dirty="0"/>
+            <a:endParaRPr lang="en-US" sz="3600" dirty="0"/>
+          </a:p>
+          <a:p>
+            <a:pPr marL="571500" indent="-571500">
+              <a:buFont typeface="Arial" panose="020B0604020202020204" pitchFamily="34" charset="0"/>
+              <a:buChar char="•"/>
+            </a:pPr>
+            <a:r>
+              <a:rPr lang="en-US" sz="3600" dirty="0"/>
+              <a:t>Biggest difference from Temp Tables: Table variables still lack column statistics.</a:t>
+            </a:r>
+          </a:p>
+          <a:p>
+            <a:pPr marL="571500" indent="-571500">
+              <a:buFont typeface="Arial" panose="020B0604020202020204" pitchFamily="34" charset="0"/>
+              <a:buChar char="•"/>
+            </a:pPr>
+            <a:r>
+              <a:rPr lang="en-US" sz="3600" dirty="0"/>
+              <a:t>On by default with </a:t>
+            </a:r>
+            <a:r>
+              <a:rPr lang="en-US" sz="3600" dirty="0" err="1"/>
+              <a:t>compat</a:t>
+            </a:r>
+            <a:r>
+              <a:rPr lang="en-US" sz="3600" dirty="0"/>
+              <a:t> level 150.</a:t>
+            </a:r>
+          </a:p>
+          <a:p>
+            <a:pPr marL="571500" indent="-571500">
+              <a:buFont typeface="Arial" panose="020B0604020202020204" pitchFamily="34" charset="0"/>
+              <a:buChar char="•"/>
+            </a:pPr>
+            <a:endParaRPr lang="en-US" sz="1600" dirty="0"/>
+          </a:p>
+          <a:p>
+            <a:pPr marL="571500" indent="-571500">
+              <a:buFont typeface="Arial" panose="020B0604020202020204" pitchFamily="34" charset="0"/>
+              <a:buChar char="•"/>
+            </a:pPr>
+            <a:endParaRPr lang="en-US" sz="1600" dirty="0">
+              <a:hlinkClick r:id="rId2"/>
+            </a:endParaRPr>
+          </a:p>
+          <a:p>
+            <a:pPr marL="571500" indent="-571500">
+              <a:buFont typeface="Arial" panose="020B0604020202020204" pitchFamily="34" charset="0"/>
+              <a:buChar char="•"/>
+            </a:pPr>
+            <a:endParaRPr lang="en-US" sz="1600" dirty="0">
+              <a:hlinkClick r:id="rId2"/>
+            </a:endParaRPr>
+          </a:p>
+          <a:p>
+            <a:pPr marL="571500" indent="-571500">
+              <a:buFont typeface="Arial" panose="020B0604020202020204" pitchFamily="34" charset="0"/>
+              <a:buChar char="•"/>
+            </a:pPr>
+            <a:r>
+              <a:rPr lang="en-US" sz="1600" dirty="0">
+                <a:hlinkClick r:id="rId2"/>
+              </a:rPr>
+              <a:t>https://blogs.msdn.microsoft.com/sqlserverstorageengine/2018/07/16/public-preview-of-table-variable-deferred-compilation-in-azure-sql-database/</a:t>
+            </a:r>
+            <a:endParaRPr lang="en-US" sz="1600" dirty="0"/>
+          </a:p>
+          <a:p>
+            <a:pPr marL="571500" indent="-571500">
+              <a:buFont typeface="Arial" panose="020B0604020202020204" pitchFamily="34" charset="0"/>
+              <a:buChar char="•"/>
+            </a:pPr>
+            <a:endParaRPr lang="en-US" sz="1600" dirty="0"/>
+          </a:p>
+        </p:txBody>
+      </p:sp>
+      <p:sp>
+        <p:nvSpPr>
+          <p:cNvPr id="5" name="Title 3">
+            <a:extLst>
+              <a:ext uri="{FF2B5EF4-FFF2-40B4-BE49-F238E27FC236}">
+                <a16:creationId xmlns:a16="http://schemas.microsoft.com/office/drawing/2014/main" id="{F9E68D72-7E6F-4867-B835-93B9B113E7E2}"/>
+              </a:ext>
+            </a:extLst>
+          </p:cNvPr>
+          <p:cNvSpPr txBox="1">
+            <a:spLocks/>
+          </p:cNvSpPr>
+          <p:nvPr/>
+        </p:nvSpPr>
+        <p:spPr>
+          <a:xfrm>
+            <a:off x="719138" y="360363"/>
+            <a:ext cx="10801350" cy="720725"/>
+          </a:xfrm>
+          <a:prstGeom prst="rect">
+            <a:avLst/>
+          </a:prstGeom>
+        </p:spPr>
+        <p:txBody>
+          <a:bodyPr vert="horz" lIns="91440" tIns="45720" rIns="91440" bIns="45720" rtlCol="0" anchor="ctr">
+            <a:noAutofit/>
+          </a:bodyPr>
+          <a:lstStyle>
+            <a:lvl1pPr algn="l" defTabSz="864017" rtl="0" eaLnBrk="1" latinLnBrk="0" hangingPunct="1">
+              <a:lnSpc>
+                <a:spcPct val="90000"/>
+              </a:lnSpc>
+              <a:spcBef>
+                <a:spcPct val="0"/>
+              </a:spcBef>
+              <a:buNone/>
+              <a:defRPr sz="3780" b="0" kern="1200">
+                <a:solidFill>
+                  <a:schemeClr val="tx1"/>
+                </a:solidFill>
+                <a:latin typeface="+mn-lt"/>
+                <a:ea typeface="+mj-ea"/>
+                <a:cs typeface="+mj-cs"/>
+              </a:defRPr>
+            </a:lvl1pPr>
+          </a:lstStyle>
+          <a:p>
+            <a:r>
+              <a:rPr lang="en-US" sz="3600" b="1"/>
+              <a:t>Performance Boost: Table variable deferred compilation</a:t>
+            </a:r>
+            <a:endParaRPr lang="en-US" sz="3600" b="1" dirty="0"/>
           </a:p>
         </p:txBody>
       </p:sp>
     </p:spTree>
     <p:extLst>
       <p:ext uri="{BB962C8B-B14F-4D97-AF65-F5344CB8AC3E}">
-        <p14:creationId xmlns:p14="http://schemas.microsoft.com/office/powerpoint/2010/main" val="1128674684"/>
+        <p14:creationId xmlns:p14="http://schemas.microsoft.com/office/powerpoint/2010/main" val="3129846281"/>
       </p:ext>
     </p:extLst>
   </p:cSld>
@@ -25447,34 +25504,29 @@
         </p:nvSpPr>
         <p:spPr>
           <a:xfrm>
-            <a:off x="719138" y="256669"/>
+            <a:off x="719138" y="360363"/>
             <a:ext cx="10801350" cy="720725"/>
           </a:xfrm>
         </p:spPr>
         <p:txBody>
           <a:bodyPr>
-            <a:normAutofit fontScale="90000"/>
+            <a:noAutofit/>
           </a:bodyPr>
           <a:lstStyle/>
           <a:p>
-            <a:pPr>
-              <a:lnSpc>
-                <a:spcPct val="150000"/>
-              </a:lnSpc>
-            </a:pPr>
-            <a:r>
-              <a:rPr lang="en-US" sz="4000" b="1" dirty="0"/>
-              <a:t>More Specific string truncation error messages </a:t>
-            </a:r>
-          </a:p>
-        </p:txBody>
-      </p:sp>
-      <p:sp>
-        <p:nvSpPr>
-          <p:cNvPr id="6" name="Rectangle 5">
+            <a:r>
+              <a:rPr lang="en-US" sz="3600" b="1" dirty="0"/>
+              <a:t>Performance Boost: Table variable deferred compilation</a:t>
+            </a:r>
+          </a:p>
+        </p:txBody>
+      </p:sp>
+      <p:sp>
+        <p:nvSpPr>
+          <p:cNvPr id="2" name="Rectangle 1">
             <a:extLst>
               <a:ext uri="{FF2B5EF4-FFF2-40B4-BE49-F238E27FC236}">
-                <a16:creationId xmlns:a16="http://schemas.microsoft.com/office/drawing/2014/main" id="{9FD716AD-0B4D-4E8B-A3D8-87DF012EBF35}"/>
+                <a16:creationId xmlns:a16="http://schemas.microsoft.com/office/drawing/2014/main" id="{3A456A49-D9F1-4953-8152-0834928543C1}"/>
               </a:ext>
             </a:extLst>
           </p:cNvPr>
@@ -25483,8 +25535,8 @@
         </p:nvSpPr>
         <p:spPr>
           <a:xfrm>
-            <a:off x="7289" y="1172633"/>
-            <a:ext cx="11653667" cy="4832092"/>
+            <a:off x="110985" y="1172633"/>
+            <a:ext cx="11128648" cy="4401205"/>
           </a:xfrm>
           <a:prstGeom prst="rect">
             <a:avLst/>
@@ -25496,206 +25548,101 @@
           </a:bodyPr>
           <a:lstStyle/>
           <a:p>
-            <a:pPr marL="457200" indent="-457200">
+            <a:pPr marL="571500" indent="-571500">
               <a:buFont typeface="Arial" panose="020B0604020202020204" pitchFamily="34" charset="0"/>
               <a:buChar char="•"/>
             </a:pPr>
             <a:r>
-              <a:rPr lang="en-US" sz="3000" dirty="0"/>
-              <a:t>Introduced in </a:t>
-            </a:r>
-            <a:r>
-              <a:rPr lang="en-US" sz="3000" b="1" dirty="0"/>
-              <a:t>SQL 2019</a:t>
-            </a:r>
-            <a:r>
-              <a:rPr lang="en-US" sz="3000" dirty="0"/>
-              <a:t>. With </a:t>
-            </a:r>
-            <a:r>
-              <a:rPr lang="en-US" sz="3000" b="1" dirty="0"/>
-              <a:t>SQL 2017 CU12 </a:t>
-            </a:r>
-            <a:r>
-              <a:rPr lang="en-US" sz="3000" dirty="0"/>
-              <a:t>and </a:t>
-            </a:r>
-            <a:r>
-              <a:rPr lang="en-US" sz="3000" b="1" dirty="0"/>
-              <a:t>SQL 2016 SP2 CU6 </a:t>
-            </a:r>
-            <a:r>
-              <a:rPr lang="en-US" sz="3000" dirty="0"/>
-              <a:t>this can be enabled with trace flag 460 (recommended!) </a:t>
-            </a:r>
-            <a:endParaRPr lang="en-US" sz="1200" dirty="0"/>
-          </a:p>
-          <a:p>
-            <a:r>
-              <a:rPr lang="en-US" sz="2800" dirty="0"/>
-              <a:t>Old: </a:t>
-            </a:r>
-          </a:p>
-          <a:p>
-            <a:r>
-              <a:rPr lang="en-US" sz="1600" dirty="0">
-                <a:solidFill>
-                  <a:srgbClr val="FF0000"/>
-                </a:solidFill>
-                <a:latin typeface="Consolas" panose="020B0609020204030204" pitchFamily="49" charset="0"/>
-              </a:rPr>
-              <a:t>Msg 2628, Level 16, State 1, Line 10</a:t>
-            </a:r>
-          </a:p>
-          <a:p>
-            <a:r>
-              <a:rPr lang="en-US" sz="1600" dirty="0">
-                <a:solidFill>
-                  <a:srgbClr val="FF0000"/>
-                </a:solidFill>
-                <a:latin typeface="Consolas" panose="020B0609020204030204" pitchFamily="49" charset="0"/>
-              </a:rPr>
-              <a:t>String or binary data would be truncated.</a:t>
-            </a:r>
-          </a:p>
-          <a:p>
-            <a:r>
-              <a:rPr lang="en-US" sz="1600" dirty="0">
-                <a:latin typeface="Consolas" panose="020B0609020204030204" pitchFamily="49" charset="0"/>
-              </a:rPr>
-              <a:t>The statement has been terminated.</a:t>
-            </a:r>
-          </a:p>
-          <a:p>
-            <a:endParaRPr lang="en-US" sz="1600" dirty="0">
-              <a:latin typeface="Consolas" panose="020B0609020204030204" pitchFamily="49" charset="0"/>
-            </a:endParaRPr>
-          </a:p>
-          <a:p>
-            <a:r>
-              <a:rPr lang="en-US" sz="2800" dirty="0"/>
-              <a:t>New:</a:t>
-            </a:r>
-            <a:br>
-              <a:rPr lang="en-US" sz="2800" dirty="0"/>
-            </a:br>
-            <a:r>
-              <a:rPr lang="en-US" sz="1600" dirty="0">
-                <a:solidFill>
-                  <a:srgbClr val="FF0000"/>
-                </a:solidFill>
-                <a:latin typeface="Consolas" panose="020B0609020204030204" pitchFamily="49" charset="0"/>
-              </a:rPr>
-              <a:t>Msg 2628, Level 16, State 1, Line 37</a:t>
-            </a:r>
-          </a:p>
-          <a:p>
-            <a:r>
-              <a:rPr lang="en-US" sz="1600" dirty="0">
-                <a:solidFill>
-                  <a:srgbClr val="FF0000"/>
-                </a:solidFill>
-                <a:latin typeface="Consolas" panose="020B0609020204030204" pitchFamily="49" charset="0"/>
-              </a:rPr>
-              <a:t>String or binary data would be truncated in table '</a:t>
-            </a:r>
-            <a:r>
-              <a:rPr lang="en-US" sz="1600" dirty="0" err="1">
-                <a:solidFill>
-                  <a:srgbClr val="FF0000"/>
-                </a:solidFill>
-                <a:latin typeface="Consolas" panose="020B0609020204030204" pitchFamily="49" charset="0"/>
-              </a:rPr>
-              <a:t>tempdb.dbo.string_truncation_test</a:t>
-            </a:r>
-            <a:r>
-              <a:rPr lang="en-US" sz="1600" dirty="0">
-                <a:solidFill>
-                  <a:srgbClr val="FF0000"/>
-                </a:solidFill>
-                <a:latin typeface="Consolas" panose="020B0609020204030204" pitchFamily="49" charset="0"/>
-              </a:rPr>
-              <a:t>', column 'chars'. </a:t>
-            </a:r>
-          </a:p>
-          <a:p>
-            <a:r>
-              <a:rPr lang="en-US" sz="1600" dirty="0">
-                <a:solidFill>
-                  <a:srgbClr val="FF0000"/>
-                </a:solidFill>
-                <a:latin typeface="Consolas" panose="020B0609020204030204" pitchFamily="49" charset="0"/>
-              </a:rPr>
-              <a:t>Truncated value: 'aaaaaaaaaaaaaaaaaaaaaaaaaaaaaaaaaaaaaaaaaaaaaaaaaaaaaaaaaaaaaaaaaaaaaaaaaaaaaaaaaaaa</a:t>
-            </a:r>
-            <a:br>
-              <a:rPr lang="en-US" sz="1600" dirty="0">
-                <a:solidFill>
-                  <a:srgbClr val="FF0000"/>
-                </a:solidFill>
-                <a:latin typeface="Consolas" panose="020B0609020204030204" pitchFamily="49" charset="0"/>
-              </a:rPr>
-            </a:br>
-            <a:r>
-              <a:rPr lang="en-US" sz="1600" dirty="0" err="1">
-                <a:solidFill>
-                  <a:srgbClr val="FF0000"/>
-                </a:solidFill>
-                <a:latin typeface="Consolas" panose="020B0609020204030204" pitchFamily="49" charset="0"/>
-              </a:rPr>
-              <a:t>aaaaaaaaaaaaaaaa</a:t>
-            </a:r>
-            <a:r>
-              <a:rPr lang="en-US" sz="1600" dirty="0">
-                <a:solidFill>
-                  <a:srgbClr val="FF0000"/>
-                </a:solidFill>
-                <a:latin typeface="Consolas" panose="020B0609020204030204" pitchFamily="49" charset="0"/>
-              </a:rPr>
-              <a:t>'.</a:t>
-            </a:r>
-          </a:p>
-          <a:p>
-            <a:r>
-              <a:rPr lang="en-US" sz="1600" dirty="0">
-                <a:latin typeface="Consolas" panose="020B0609020204030204" pitchFamily="49" charset="0"/>
-              </a:rPr>
-              <a:t>The statement has been terminated.</a:t>
-            </a:r>
-            <a:br>
-              <a:rPr lang="en-US" dirty="0">
-                <a:latin typeface="Consolas" panose="020B0609020204030204" pitchFamily="49" charset="0"/>
-              </a:rPr>
-            </a:br>
-            <a:endParaRPr lang="en-US" dirty="0">
-              <a:latin typeface="Consolas" panose="020B0609020204030204" pitchFamily="49" charset="0"/>
-            </a:endParaRPr>
-          </a:p>
-          <a:p>
-            <a:pPr marL="285750" indent="-285750">
+              <a:rPr lang="en-US" sz="3200" b="1" dirty="0"/>
+              <a:t>Existing behavior: </a:t>
+            </a:r>
+            <a:r>
+              <a:rPr lang="en-US" sz="3200" dirty="0"/>
+              <a:t>Table variables are compiled along with all other statements, cannot know the actual row count at time of execution, so a fixed guess </a:t>
+            </a:r>
+            <a:r>
+              <a:rPr lang="en-US" sz="3200" b="1" dirty="0"/>
+              <a:t>of one row </a:t>
+            </a:r>
+            <a:r>
+              <a:rPr lang="en-US" sz="3200" dirty="0"/>
+              <a:t>is used.  </a:t>
+            </a:r>
+          </a:p>
+          <a:p>
+            <a:pPr marL="1028700" lvl="1" indent="-571500">
               <a:buFont typeface="Arial" panose="020B0604020202020204" pitchFamily="34" charset="0"/>
               <a:buChar char="•"/>
             </a:pPr>
             <a:r>
-              <a:rPr lang="en-US" sz="1600" dirty="0"/>
-              <a:t>Lab - toolbox\lab - string truncation error message improvement in SQL 2019.sql</a:t>
-            </a:r>
-          </a:p>
-          <a:p>
-            <a:r>
-              <a:rPr lang="en-US" sz="1200" dirty="0">
-                <a:hlinkClick r:id="rId2"/>
-              </a:rPr>
-              <a:t>https://support.microsoft.com/en-us/help/4468101/optional-replacement-for-string-or-binary-data-would-be-truncated</a:t>
-            </a:r>
-            <a:endParaRPr lang="en-US" sz="1200" dirty="0"/>
+              <a:rPr lang="en-US" sz="2800" dirty="0"/>
+              <a:t>This is why table variables are only good for very small </a:t>
+            </a:r>
+            <a:r>
+              <a:rPr lang="en-US" sz="2800" dirty="0" err="1"/>
+              <a:t>rowcounts</a:t>
+            </a:r>
+            <a:endParaRPr lang="en-US" sz="2800" dirty="0"/>
+          </a:p>
+          <a:p>
+            <a:pPr marL="1028700" lvl="1" indent="-571500">
+              <a:buFont typeface="Arial" panose="020B0604020202020204" pitchFamily="34" charset="0"/>
+              <a:buChar char="•"/>
+            </a:pPr>
+            <a:r>
+              <a:rPr lang="en-US" sz="2800" dirty="0"/>
+              <a:t>Underestimation of </a:t>
+            </a:r>
+            <a:r>
+              <a:rPr lang="en-US" sz="2800" dirty="0" err="1"/>
+              <a:t>rowcount</a:t>
+            </a:r>
+            <a:r>
+              <a:rPr lang="en-US" sz="2800" dirty="0"/>
+              <a:t> caused poor performance</a:t>
+            </a:r>
+          </a:p>
+          <a:p>
+            <a:pPr marL="571500" indent="-571500">
+              <a:buFont typeface="Arial" panose="020B0604020202020204" pitchFamily="34" charset="0"/>
+              <a:buChar char="•"/>
+            </a:pPr>
+            <a:r>
+              <a:rPr lang="en-US" sz="3200" b="1" dirty="0"/>
+              <a:t>In SQL 2019: </a:t>
+            </a:r>
+            <a:r>
+              <a:rPr lang="en-US" sz="3200" dirty="0"/>
+              <a:t>compilation behavior matches that of temp tables, and results in the actual </a:t>
+            </a:r>
+            <a:r>
+              <a:rPr lang="en-US" sz="3200" dirty="0" err="1"/>
+              <a:t>rowcount</a:t>
+            </a:r>
+            <a:r>
+              <a:rPr lang="en-US" sz="3200" dirty="0"/>
+              <a:t> being used in the plan, much better plans. </a:t>
+            </a:r>
+            <a:r>
+              <a:rPr lang="en-US" sz="3200" i="1" dirty="0"/>
+              <a:t>No change if you’re already using Table vars appropriately (for very small </a:t>
+            </a:r>
+            <a:r>
+              <a:rPr lang="en-US" sz="3200" i="1" dirty="0" err="1"/>
+              <a:t>rowcounts</a:t>
+            </a:r>
+            <a:r>
+              <a:rPr lang="en-US" sz="3200" i="1" dirty="0"/>
+              <a:t> only).</a:t>
+            </a:r>
+            <a:endParaRPr lang="en-US" sz="1600" i="1" dirty="0"/>
           </a:p>
         </p:txBody>
       </p:sp>
     </p:spTree>
     <p:extLst>
       <p:ext uri="{BB962C8B-B14F-4D97-AF65-F5344CB8AC3E}">
-        <p14:creationId xmlns:p14="http://schemas.microsoft.com/office/powerpoint/2010/main" val="1313392188"/>
+        <p14:creationId xmlns:p14="http://schemas.microsoft.com/office/powerpoint/2010/main" val="1128674684"/>
       </p:ext>
     </p:extLst>
   </p:cSld>
@@ -25734,7 +25681,7 @@
         </p:nvSpPr>
         <p:spPr>
           <a:xfrm>
-            <a:off x="719138" y="360363"/>
+            <a:off x="719138" y="256669"/>
             <a:ext cx="10801350" cy="720725"/>
           </a:xfrm>
         </p:spPr>
@@ -25751,17 +25698,17 @@
             </a:pPr>
             <a:r>
               <a:rPr lang="en-US" sz="4000" b="1" dirty="0"/>
-              <a:t>New Data Classification Schema</a:t>
-            </a:r>
-          </a:p>
-        </p:txBody>
-      </p:sp>
-      <p:sp>
-        <p:nvSpPr>
-          <p:cNvPr id="3" name="Rectangle 2">
+              <a:t>More Specific string truncation error messages </a:t>
+            </a:r>
+          </a:p>
+        </p:txBody>
+      </p:sp>
+      <p:sp>
+        <p:nvSpPr>
+          <p:cNvPr id="6" name="Rectangle 5">
             <a:extLst>
               <a:ext uri="{FF2B5EF4-FFF2-40B4-BE49-F238E27FC236}">
-                <a16:creationId xmlns:a16="http://schemas.microsoft.com/office/drawing/2014/main" id="{5FE92851-6189-408B-832C-D2FB84FA89B1}"/>
+                <a16:creationId xmlns:a16="http://schemas.microsoft.com/office/drawing/2014/main" id="{9FD716AD-0B4D-4E8B-A3D8-87DF012EBF35}"/>
               </a:ext>
             </a:extLst>
           </p:cNvPr>
@@ -25770,8 +25717,8 @@
         </p:nvSpPr>
         <p:spPr>
           <a:xfrm>
-            <a:off x="110985" y="1172633"/>
-            <a:ext cx="11128648" cy="4216539"/>
+            <a:off x="7289" y="1172633"/>
+            <a:ext cx="11653667" cy="4832092"/>
           </a:xfrm>
           <a:prstGeom prst="rect">
             <a:avLst/>
@@ -25783,79 +25730,206 @@
           </a:bodyPr>
           <a:lstStyle/>
           <a:p>
-            <a:pPr marL="571500" indent="-571500">
+            <a:pPr marL="457200" indent="-457200">
               <a:buFont typeface="Arial" panose="020B0604020202020204" pitchFamily="34" charset="0"/>
               <a:buChar char="•"/>
             </a:pPr>
             <a:r>
-              <a:rPr lang="en-US" sz="3600" dirty="0"/>
-              <a:t>Before SQL 2019, Data Classification feature used database extended properties to store this data.</a:t>
-            </a:r>
-          </a:p>
-          <a:p>
-            <a:pPr marL="571500" indent="-571500">
+              <a:rPr lang="en-US" sz="3000" dirty="0"/>
+              <a:t>Introduced in </a:t>
+            </a:r>
+            <a:r>
+              <a:rPr lang="en-US" sz="3000" b="1" dirty="0"/>
+              <a:t>SQL 2019</a:t>
+            </a:r>
+            <a:r>
+              <a:rPr lang="en-US" sz="3000" dirty="0"/>
+              <a:t>. With </a:t>
+            </a:r>
+            <a:r>
+              <a:rPr lang="en-US" sz="3000" b="1" dirty="0"/>
+              <a:t>SQL 2017 CU12 </a:t>
+            </a:r>
+            <a:r>
+              <a:rPr lang="en-US" sz="3000" dirty="0"/>
+              <a:t>and </a:t>
+            </a:r>
+            <a:r>
+              <a:rPr lang="en-US" sz="3000" b="1" dirty="0"/>
+              <a:t>SQL 2016 SP2 CU6 </a:t>
+            </a:r>
+            <a:r>
+              <a:rPr lang="en-US" sz="3000" dirty="0"/>
+              <a:t>this can be enabled with trace flag 460 (recommended!) </a:t>
+            </a:r>
+            <a:endParaRPr lang="en-US" sz="1200" dirty="0"/>
+          </a:p>
+          <a:p>
+            <a:r>
+              <a:rPr lang="en-US" sz="2800" dirty="0"/>
+              <a:t>Old: </a:t>
+            </a:r>
+          </a:p>
+          <a:p>
+            <a:r>
+              <a:rPr lang="en-US" sz="1600" dirty="0">
+                <a:solidFill>
+                  <a:srgbClr val="FF0000"/>
+                </a:solidFill>
+                <a:latin typeface="Consolas" panose="020B0609020204030204" pitchFamily="49" charset="0"/>
+              </a:rPr>
+              <a:t>Msg 2628, Level 16, State 1, Line 10</a:t>
+            </a:r>
+          </a:p>
+          <a:p>
+            <a:r>
+              <a:rPr lang="en-US" sz="1600" dirty="0">
+                <a:solidFill>
+                  <a:srgbClr val="FF0000"/>
+                </a:solidFill>
+                <a:latin typeface="Consolas" panose="020B0609020204030204" pitchFamily="49" charset="0"/>
+              </a:rPr>
+              <a:t>String or binary data would be truncated.</a:t>
+            </a:r>
+          </a:p>
+          <a:p>
+            <a:r>
+              <a:rPr lang="en-US" sz="1600" dirty="0">
+                <a:latin typeface="Consolas" panose="020B0609020204030204" pitchFamily="49" charset="0"/>
+              </a:rPr>
+              <a:t>The statement has been terminated.</a:t>
+            </a:r>
+          </a:p>
+          <a:p>
+            <a:endParaRPr lang="en-US" sz="1600" dirty="0">
+              <a:latin typeface="Consolas" panose="020B0609020204030204" pitchFamily="49" charset="0"/>
+            </a:endParaRPr>
+          </a:p>
+          <a:p>
+            <a:r>
+              <a:rPr lang="en-US" sz="2800" dirty="0"/>
+              <a:t>New:</a:t>
+            </a:r>
+            <a:br>
+              <a:rPr lang="en-US" sz="2800" dirty="0"/>
+            </a:br>
+            <a:r>
+              <a:rPr lang="en-US" sz="1600" dirty="0">
+                <a:solidFill>
+                  <a:srgbClr val="FF0000"/>
+                </a:solidFill>
+                <a:latin typeface="Consolas" panose="020B0609020204030204" pitchFamily="49" charset="0"/>
+              </a:rPr>
+              <a:t>Msg 2628, Level 16, State 1, Line 37</a:t>
+            </a:r>
+          </a:p>
+          <a:p>
+            <a:r>
+              <a:rPr lang="en-US" sz="1600" dirty="0">
+                <a:solidFill>
+                  <a:srgbClr val="FF0000"/>
+                </a:solidFill>
+                <a:latin typeface="Consolas" panose="020B0609020204030204" pitchFamily="49" charset="0"/>
+              </a:rPr>
+              <a:t>String or binary data would be truncated in table '</a:t>
+            </a:r>
+            <a:r>
+              <a:rPr lang="en-US" sz="1600" dirty="0" err="1">
+                <a:solidFill>
+                  <a:srgbClr val="FF0000"/>
+                </a:solidFill>
+                <a:latin typeface="Consolas" panose="020B0609020204030204" pitchFamily="49" charset="0"/>
+              </a:rPr>
+              <a:t>tempdb.dbo.string_truncation_test</a:t>
+            </a:r>
+            <a:r>
+              <a:rPr lang="en-US" sz="1600" dirty="0">
+                <a:solidFill>
+                  <a:srgbClr val="FF0000"/>
+                </a:solidFill>
+                <a:latin typeface="Consolas" panose="020B0609020204030204" pitchFamily="49" charset="0"/>
+              </a:rPr>
+              <a:t>', column 'chars'. </a:t>
+            </a:r>
+          </a:p>
+          <a:p>
+            <a:r>
+              <a:rPr lang="en-US" sz="1600" dirty="0">
+                <a:solidFill>
+                  <a:srgbClr val="FF0000"/>
+                </a:solidFill>
+                <a:latin typeface="Consolas" panose="020B0609020204030204" pitchFamily="49" charset="0"/>
+              </a:rPr>
+              <a:t>Truncated value: 'aaaaaaaaaaaaaaaaaaaaaaaaaaaaaaaaaaaaaaaaaaaaaaaaaaaaaaaaaaaaaaaaaaaaaaaaaaaaaaaaaaaa</a:t>
+            </a:r>
+            <a:br>
+              <a:rPr lang="en-US" sz="1600" dirty="0">
+                <a:solidFill>
+                  <a:srgbClr val="FF0000"/>
+                </a:solidFill>
+                <a:latin typeface="Consolas" panose="020B0609020204030204" pitchFamily="49" charset="0"/>
+              </a:rPr>
+            </a:br>
+            <a:r>
+              <a:rPr lang="en-US" sz="1600" dirty="0" err="1">
+                <a:solidFill>
+                  <a:srgbClr val="FF0000"/>
+                </a:solidFill>
+                <a:latin typeface="Consolas" panose="020B0609020204030204" pitchFamily="49" charset="0"/>
+              </a:rPr>
+              <a:t>aaaaaaaaaaaaaaaa</a:t>
+            </a:r>
+            <a:r>
+              <a:rPr lang="en-US" sz="1600" dirty="0">
+                <a:solidFill>
+                  <a:srgbClr val="FF0000"/>
+                </a:solidFill>
+                <a:latin typeface="Consolas" panose="020B0609020204030204" pitchFamily="49" charset="0"/>
+              </a:rPr>
+              <a:t>'.</a:t>
+            </a:r>
+          </a:p>
+          <a:p>
+            <a:r>
+              <a:rPr lang="en-US" sz="1600" dirty="0">
+                <a:latin typeface="Consolas" panose="020B0609020204030204" pitchFamily="49" charset="0"/>
+              </a:rPr>
+              <a:t>The statement has been terminated.</a:t>
+            </a:r>
+            <a:br>
+              <a:rPr lang="en-US" dirty="0">
+                <a:latin typeface="Consolas" panose="020B0609020204030204" pitchFamily="49" charset="0"/>
+              </a:rPr>
+            </a:br>
+            <a:endParaRPr lang="en-US" dirty="0">
+              <a:latin typeface="Consolas" panose="020B0609020204030204" pitchFamily="49" charset="0"/>
+            </a:endParaRPr>
+          </a:p>
+          <a:p>
+            <a:pPr marL="285750" indent="-285750">
               <a:buFont typeface="Arial" panose="020B0604020202020204" pitchFamily="34" charset="0"/>
               <a:buChar char="•"/>
             </a:pPr>
             <a:r>
-              <a:rPr lang="en-US" sz="3600" dirty="0"/>
-              <a:t>Now, a dedicated schema for this data in SQL 2019.</a:t>
-            </a:r>
-          </a:p>
-          <a:p>
-            <a:pPr marL="571500" indent="-571500">
-              <a:buFont typeface="Arial" panose="020B0604020202020204" pitchFamily="34" charset="0"/>
-              <a:buChar char="•"/>
-            </a:pPr>
-            <a:r>
-              <a:rPr lang="en-US" sz="3600" dirty="0"/>
-              <a:t>Designed to aid auditing, GDPR, and compliance.</a:t>
-            </a:r>
-          </a:p>
-          <a:p>
-            <a:pPr marL="571500" indent="-571500">
-              <a:buFont typeface="Arial" panose="020B0604020202020204" pitchFamily="34" charset="0"/>
-              <a:buChar char="•"/>
-            </a:pPr>
-            <a:r>
-              <a:rPr lang="en-US" sz="3200" dirty="0"/>
-              <a:t>Related to the “SQL Data Discovery and Classification” tool introduced in SSMS 17.5.</a:t>
-            </a:r>
-            <a:br>
-              <a:rPr lang="en-US" sz="3200" dirty="0"/>
-            </a:br>
+              <a:rPr lang="en-US" sz="1600" dirty="0"/>
+              <a:t>Lab - toolbox\lab - string truncation error message improvement in SQL 2019.sql</a:t>
+            </a:r>
+          </a:p>
+          <a:p>
             <a:r>
               <a:rPr lang="en-US" sz="1200" dirty="0">
                 <a:hlinkClick r:id="rId2"/>
               </a:rPr>
-              <a:t>https://docs.microsoft.com/en-us/sql/relational-databases/security/sql-data-discovery-and-classification?view=sql-server-ver15&amp;tabs=t-sql</a:t>
+              <a:t>https://support.microsoft.com/en-us/help/4468101/optional-replacement-for-string-or-binary-data-would-be-truncated</a:t>
             </a:r>
             <a:endParaRPr lang="en-US" sz="1200" dirty="0"/>
-          </a:p>
-          <a:p>
-            <a:pPr marL="571500" indent="-571500">
-              <a:buFont typeface="Arial" panose="020B0604020202020204" pitchFamily="34" charset="0"/>
-              <a:buChar char="•"/>
-            </a:pPr>
-            <a:endParaRPr lang="en-US" sz="1200" dirty="0"/>
-          </a:p>
-          <a:p>
-            <a:pPr marL="571500" indent="-571500">
-              <a:buFont typeface="Arial" panose="020B0604020202020204" pitchFamily="34" charset="0"/>
-              <a:buChar char="•"/>
-            </a:pPr>
-            <a:r>
-              <a:rPr lang="en-US" sz="3600" dirty="0"/>
-              <a:t>Available in all editions.</a:t>
-            </a:r>
-            <a:endParaRPr lang="en-US" sz="1600" dirty="0"/>
           </a:p>
         </p:txBody>
       </p:sp>
     </p:spTree>
     <p:extLst>
       <p:ext uri="{BB962C8B-B14F-4D97-AF65-F5344CB8AC3E}">
-        <p14:creationId xmlns:p14="http://schemas.microsoft.com/office/powerpoint/2010/main" val="462918957"/>
+        <p14:creationId xmlns:p14="http://schemas.microsoft.com/office/powerpoint/2010/main" val="1313392188"/>
       </p:ext>
     </p:extLst>
   </p:cSld>
@@ -25911,7 +25985,7 @@
             </a:pPr>
             <a:r>
               <a:rPr lang="en-US" sz="4000" b="1" dirty="0"/>
-              <a:t>SQL Assessment API</a:t>
+              <a:t>New Data Classification Schema</a:t>
             </a:r>
           </a:p>
         </p:txBody>
@@ -25931,7 +26005,7 @@
         <p:spPr>
           <a:xfrm>
             <a:off x="110985" y="1172633"/>
-            <a:ext cx="11128648" cy="3693319"/>
+            <a:ext cx="11128648" cy="4216539"/>
           </a:xfrm>
           <a:prstGeom prst="rect">
             <a:avLst/>
@@ -25949,7 +26023,7 @@
             </a:pPr>
             <a:r>
               <a:rPr lang="en-US" sz="3600" dirty="0"/>
-              <a:t>New programmatic interface for Microsoft-provided SQL Server Health Checks.</a:t>
+              <a:t>Before SQL 2019, Data Classification feature used database extended properties to store this data.</a:t>
             </a:r>
           </a:p>
           <a:p>
@@ -25959,7 +26033,7 @@
             </a:pPr>
             <a:r>
               <a:rPr lang="en-US" sz="3600" dirty="0"/>
-              <a:t>Can access with .NET, PowerShell, etc.</a:t>
+              <a:t>Now, a dedicated schema for this data in SQL 2019.</a:t>
             </a:r>
           </a:p>
           <a:p>
@@ -25969,7 +26043,7 @@
             </a:pPr>
             <a:r>
               <a:rPr lang="en-US" sz="3600" dirty="0"/>
-              <a:t>Part of the new SMO, actually delivered with the latest editions of SSMS, not SQL Server.</a:t>
+              <a:t>Designed to aid auditing, GDPR, and compliance.</a:t>
             </a:r>
           </a:p>
           <a:p>
@@ -25978,29 +26052,44 @@
               <a:buChar char="•"/>
             </a:pPr>
             <a:r>
-              <a:rPr lang="en-US" sz="3600" dirty="0"/>
-              <a:t>Available in all editions.</a:t>
-            </a:r>
+              <a:rPr lang="en-US" sz="3200" dirty="0"/>
+              <a:t>Related to the “SQL Data Discovery and Classification” tool introduced in SSMS 17.5.</a:t>
+            </a:r>
+            <a:br>
+              <a:rPr lang="en-US" sz="3200" dirty="0"/>
+            </a:br>
+            <a:r>
+              <a:rPr lang="en-US" sz="1200" dirty="0">
+                <a:hlinkClick r:id="rId2"/>
+              </a:rPr>
+              <a:t>https://docs.microsoft.com/en-us/sql/relational-databases/security/sql-data-discovery-and-classification?view=sql-server-ver15&amp;tabs=t-sql</a:t>
+            </a:r>
+            <a:endParaRPr lang="en-US" sz="1200" dirty="0"/>
           </a:p>
           <a:p>
             <a:pPr marL="571500" indent="-571500">
               <a:buFont typeface="Arial" panose="020B0604020202020204" pitchFamily="34" charset="0"/>
               <a:buChar char="•"/>
             </a:pPr>
-            <a:r>
-              <a:rPr lang="en-US" dirty="0">
-                <a:hlinkClick r:id="rId2"/>
-              </a:rPr>
-              <a:t>https://docs.microsoft.com/en-us/sql/sql-assessment-api/sql-assessment-api-overview?view=sql-server-ver15</a:t>
-            </a:r>
-            <a:endParaRPr lang="en-US" dirty="0"/>
+            <a:endParaRPr lang="en-US" sz="1200" dirty="0"/>
+          </a:p>
+          <a:p>
+            <a:pPr marL="571500" indent="-571500">
+              <a:buFont typeface="Arial" panose="020B0604020202020204" pitchFamily="34" charset="0"/>
+              <a:buChar char="•"/>
+            </a:pPr>
+            <a:r>
+              <a:rPr lang="en-US" sz="3600" dirty="0"/>
+              <a:t>Available in all editions.</a:t>
+            </a:r>
+            <a:endParaRPr lang="en-US" sz="1600" dirty="0"/>
           </a:p>
         </p:txBody>
       </p:sp>
     </p:spTree>
     <p:extLst>
       <p:ext uri="{BB962C8B-B14F-4D97-AF65-F5344CB8AC3E}">
-        <p14:creationId xmlns:p14="http://schemas.microsoft.com/office/powerpoint/2010/main" val="919756478"/>
+        <p14:creationId xmlns:p14="http://schemas.microsoft.com/office/powerpoint/2010/main" val="462918957"/>
       </p:ext>
     </p:extLst>
   </p:cSld>
@@ -26029,6 +26118,151 @@
       </p:grpSpPr>
       <p:sp>
         <p:nvSpPr>
+          <p:cNvPr id="4" name="Title 3"/>
+          <p:cNvSpPr>
+            <a:spLocks noGrp="1"/>
+          </p:cNvSpPr>
+          <p:nvPr>
+            <p:ph type="title" idx="4294967295"/>
+          </p:nvPr>
+        </p:nvSpPr>
+        <p:spPr>
+          <a:xfrm>
+            <a:off x="719138" y="360363"/>
+            <a:ext cx="10801350" cy="720725"/>
+          </a:xfrm>
+        </p:spPr>
+        <p:txBody>
+          <a:bodyPr>
+            <a:normAutofit fontScale="90000"/>
+          </a:bodyPr>
+          <a:lstStyle/>
+          <a:p>
+            <a:pPr>
+              <a:lnSpc>
+                <a:spcPct val="150000"/>
+              </a:lnSpc>
+            </a:pPr>
+            <a:r>
+              <a:rPr lang="en-US" sz="4000" b="1" dirty="0"/>
+              <a:t>SQL Assessment API</a:t>
+            </a:r>
+          </a:p>
+        </p:txBody>
+      </p:sp>
+      <p:sp>
+        <p:nvSpPr>
+          <p:cNvPr id="3" name="Rectangle 2">
+            <a:extLst>
+              <a:ext uri="{FF2B5EF4-FFF2-40B4-BE49-F238E27FC236}">
+                <a16:creationId xmlns:a16="http://schemas.microsoft.com/office/drawing/2014/main" id="{5FE92851-6189-408B-832C-D2FB84FA89B1}"/>
+              </a:ext>
+            </a:extLst>
+          </p:cNvPr>
+          <p:cNvSpPr/>
+          <p:nvPr/>
+        </p:nvSpPr>
+        <p:spPr>
+          <a:xfrm>
+            <a:off x="110985" y="1172633"/>
+            <a:ext cx="11128648" cy="3693319"/>
+          </a:xfrm>
+          <a:prstGeom prst="rect">
+            <a:avLst/>
+          </a:prstGeom>
+        </p:spPr>
+        <p:txBody>
+          <a:bodyPr wrap="square">
+            <a:spAutoFit/>
+          </a:bodyPr>
+          <a:lstStyle/>
+          <a:p>
+            <a:pPr marL="571500" indent="-571500">
+              <a:buFont typeface="Arial" panose="020B0604020202020204" pitchFamily="34" charset="0"/>
+              <a:buChar char="•"/>
+            </a:pPr>
+            <a:r>
+              <a:rPr lang="en-US" sz="3600" dirty="0"/>
+              <a:t>New programmatic interface for Microsoft-provided SQL Server Health Checks.</a:t>
+            </a:r>
+          </a:p>
+          <a:p>
+            <a:pPr marL="571500" indent="-571500">
+              <a:buFont typeface="Arial" panose="020B0604020202020204" pitchFamily="34" charset="0"/>
+              <a:buChar char="•"/>
+            </a:pPr>
+            <a:r>
+              <a:rPr lang="en-US" sz="3600" dirty="0"/>
+              <a:t>Can access with .NET, PowerShell, etc.</a:t>
+            </a:r>
+          </a:p>
+          <a:p>
+            <a:pPr marL="571500" indent="-571500">
+              <a:buFont typeface="Arial" panose="020B0604020202020204" pitchFamily="34" charset="0"/>
+              <a:buChar char="•"/>
+            </a:pPr>
+            <a:r>
+              <a:rPr lang="en-US" sz="3600" dirty="0"/>
+              <a:t>Part of the new SMO, actually delivered with the latest editions of SSMS, not SQL Server.</a:t>
+            </a:r>
+          </a:p>
+          <a:p>
+            <a:pPr marL="571500" indent="-571500">
+              <a:buFont typeface="Arial" panose="020B0604020202020204" pitchFamily="34" charset="0"/>
+              <a:buChar char="•"/>
+            </a:pPr>
+            <a:r>
+              <a:rPr lang="en-US" sz="3600" dirty="0"/>
+              <a:t>Available in all editions.</a:t>
+            </a:r>
+          </a:p>
+          <a:p>
+            <a:pPr marL="571500" indent="-571500">
+              <a:buFont typeface="Arial" panose="020B0604020202020204" pitchFamily="34" charset="0"/>
+              <a:buChar char="•"/>
+            </a:pPr>
+            <a:r>
+              <a:rPr lang="en-US" dirty="0">
+                <a:hlinkClick r:id="rId2"/>
+              </a:rPr>
+              <a:t>https://docs.microsoft.com/en-us/sql/sql-assessment-api/sql-assessment-api-overview?view=sql-server-ver15</a:t>
+            </a:r>
+            <a:endParaRPr lang="en-US" dirty="0"/>
+          </a:p>
+        </p:txBody>
+      </p:sp>
+    </p:spTree>
+    <p:extLst>
+      <p:ext uri="{BB962C8B-B14F-4D97-AF65-F5344CB8AC3E}">
+        <p14:creationId xmlns:p14="http://schemas.microsoft.com/office/powerpoint/2010/main" val="919756478"/>
+      </p:ext>
+    </p:extLst>
+  </p:cSld>
+  <p:clrMapOvr>
+    <a:masterClrMapping/>
+  </p:clrMapOvr>
+</p:sld>
+</file>
+
+<file path=ppt/slides/slide55.xml><?xml version="1.0" encoding="utf-8"?>
+<p:sld xmlns:a="http://schemas.openxmlformats.org/drawingml/2006/main" xmlns:r="http://schemas.openxmlformats.org/officeDocument/2006/relationships" xmlns:p="http://schemas.openxmlformats.org/presentationml/2006/main">
+  <p:cSld>
+    <p:spTree>
+      <p:nvGrpSpPr>
+        <p:cNvPr id="1" name=""/>
+        <p:cNvGrpSpPr/>
+        <p:nvPr/>
+      </p:nvGrpSpPr>
+      <p:grpSpPr>
+        <a:xfrm>
+          <a:off x="0" y="0"/>
+          <a:ext cx="0" cy="0"/>
+          <a:chOff x="0" y="0"/>
+          <a:chExt cx="0" cy="0"/>
+        </a:xfrm>
+      </p:grpSpPr>
+      <p:sp>
+        <p:nvSpPr>
           <p:cNvPr id="5" name="Slide Number Placeholder 4"/>
           <p:cNvSpPr>
             <a:spLocks noGrp="1"/>
@@ -26048,7 +26282,7 @@
                   <a:srgbClr val="82BC00"/>
                 </a:solidFill>
               </a:rPr>
-              <a:t>54</a:t>
+              <a:t>55</a:t>
             </a:fld>
             <a:endParaRPr lang="en-US">
               <a:solidFill>
@@ -26736,7 +26970,7 @@
 </p:sld>
 </file>
 
-<file path=ppt/slides/slide55.xml><?xml version="1.0" encoding="utf-8"?>
+<file path=ppt/slides/slide56.xml><?xml version="1.0" encoding="utf-8"?>
 <p:sld xmlns:a="http://schemas.openxmlformats.org/drawingml/2006/main" xmlns:r="http://schemas.openxmlformats.org/officeDocument/2006/relationships" xmlns:p="http://schemas.openxmlformats.org/presentationml/2006/main">
   <p:cSld>
     <p:spTree>
@@ -26840,7 +27074,7 @@
                   <a:srgbClr val="82BC00"/>
                 </a:solidFill>
               </a:rPr>
-              <a:t>55</a:t>
+              <a:t>56</a:t>
             </a:fld>
             <a:endParaRPr lang="en-US">
               <a:solidFill>
@@ -28076,293 +28310,6 @@
     <p:extLst>
       <p:ext uri="{BB962C8B-B14F-4D97-AF65-F5344CB8AC3E}">
         <p14:creationId xmlns:p14="http://schemas.microsoft.com/office/powerpoint/2010/main" val="2066195230"/>
-      </p:ext>
-    </p:extLst>
-  </p:cSld>
-  <p:clrMapOvr>
-    <a:masterClrMapping/>
-  </p:clrMapOvr>
-  <mc:AlternateContent xmlns:mc="http://schemas.openxmlformats.org/markup-compatibility/2006" xmlns:p14="http://schemas.microsoft.com/office/powerpoint/2010/main">
-    <mc:Choice Requires="p14">
-      <p:transition spd="slow" p14:dur="2000" advTm="10000"/>
-    </mc:Choice>
-    <mc:Fallback xmlns="">
-      <p:transition spd="slow" advTm="10000"/>
-    </mc:Fallback>
-  </mc:AlternateContent>
-</p:sld>
-</file>
-
-<file path=ppt/slides/slide56.xml><?xml version="1.0" encoding="utf-8"?>
-<p:sld xmlns:a="http://schemas.openxmlformats.org/drawingml/2006/main" xmlns:r="http://schemas.openxmlformats.org/officeDocument/2006/relationships" xmlns:p="http://schemas.openxmlformats.org/presentationml/2006/main">
-  <p:cSld>
-    <p:spTree>
-      <p:nvGrpSpPr>
-        <p:cNvPr id="1" name=""/>
-        <p:cNvGrpSpPr/>
-        <p:nvPr/>
-      </p:nvGrpSpPr>
-      <p:grpSpPr>
-        <a:xfrm>
-          <a:off x="0" y="0"/>
-          <a:ext cx="0" cy="0"/>
-          <a:chOff x="0" y="0"/>
-          <a:chExt cx="0" cy="0"/>
-        </a:xfrm>
-      </p:grpSpPr>
-      <p:sp>
-        <p:nvSpPr>
-          <p:cNvPr id="21" name="Title 1"/>
-          <p:cNvSpPr txBox="1">
-            <a:spLocks/>
-          </p:cNvSpPr>
-          <p:nvPr/>
-        </p:nvSpPr>
-        <p:spPr>
-          <a:xfrm>
-            <a:off x="373080" y="-29657"/>
-            <a:ext cx="9936268" cy="1056255"/>
-          </a:xfrm>
-          <a:prstGeom prst="rect">
-            <a:avLst/>
-          </a:prstGeom>
-        </p:spPr>
-        <p:txBody>
-          <a:bodyPr vert="horz" lIns="86402" tIns="43201" rIns="86402" bIns="43201" rtlCol="0" anchor="ctr">
-            <a:normAutofit/>
-          </a:bodyPr>
-          <a:lstStyle>
-            <a:lvl1pPr algn="l" defTabSz="914400" rtl="0" eaLnBrk="1" latinLnBrk="0" hangingPunct="1">
-              <a:lnSpc>
-                <a:spcPct val="90000"/>
-              </a:lnSpc>
-              <a:spcBef>
-                <a:spcPct val="0"/>
-              </a:spcBef>
-              <a:buNone/>
-              <a:defRPr sz="4400" kern="1200">
-                <a:solidFill>
-                  <a:schemeClr val="tx1"/>
-                </a:solidFill>
-                <a:latin typeface="+mj-lt"/>
-                <a:ea typeface="+mj-ea"/>
-                <a:cs typeface="+mj-cs"/>
-              </a:defRPr>
-            </a:lvl1pPr>
-          </a:lstStyle>
-          <a:p>
-            <a:r>
-              <a:rPr lang="en-US" sz="3402" b="1" i="1" dirty="0">
-                <a:solidFill>
-                  <a:srgbClr val="82BC00"/>
-                </a:solidFill>
-                <a:latin typeface="Geogrotesque SemiBold" charset="0"/>
-                <a:ea typeface="Geogrotesque SemiBold" charset="0"/>
-                <a:cs typeface="Geogrotesque SemiBold" charset="0"/>
-              </a:rPr>
-              <a:t>Sparkhound SQL DBA Consulting Services</a:t>
-            </a:r>
-          </a:p>
-        </p:txBody>
-      </p:sp>
-      <p:pic>
-        <p:nvPicPr>
-          <p:cNvPr id="38" name="Content Placeholder 3"/>
-          <p:cNvPicPr>
-            <a:picLocks noChangeAspect="1"/>
-          </p:cNvPicPr>
-          <p:nvPr/>
-        </p:nvPicPr>
-        <p:blipFill>
-          <a:blip r:embed="rId3" cstate="email">
-            <a:extLst>
-              <a:ext uri="{28A0092B-C50C-407E-A947-70E740481C1C}">
-                <a14:useLocalDpi xmlns:a14="http://schemas.microsoft.com/office/drawing/2010/main"/>
-              </a:ext>
-            </a:extLst>
-          </a:blip>
-          <a:stretch>
-            <a:fillRect/>
-          </a:stretch>
-        </p:blipFill>
-        <p:spPr>
-          <a:xfrm>
-            <a:off x="90" y="5714162"/>
-            <a:ext cx="11520308" cy="797191"/>
-          </a:xfrm>
-          <a:prstGeom prst="rect">
-            <a:avLst/>
-          </a:prstGeom>
-        </p:spPr>
-      </p:pic>
-      <p:sp>
-        <p:nvSpPr>
-          <p:cNvPr id="4" name="TextBox 3">
-            <a:extLst>
-              <a:ext uri="{FF2B5EF4-FFF2-40B4-BE49-F238E27FC236}">
-                <a16:creationId xmlns:a16="http://schemas.microsoft.com/office/drawing/2014/main" id="{5AA8B08D-D90D-4FD4-BEB0-8875C881F81E}"/>
-              </a:ext>
-            </a:extLst>
-          </p:cNvPr>
-          <p:cNvSpPr txBox="1"/>
-          <p:nvPr/>
-        </p:nvSpPr>
-        <p:spPr>
-          <a:xfrm>
-            <a:off x="90" y="883775"/>
-            <a:ext cx="10967136" cy="5327741"/>
-          </a:xfrm>
-          <a:prstGeom prst="rect">
-            <a:avLst/>
-          </a:prstGeom>
-          <a:noFill/>
-        </p:spPr>
-        <p:txBody>
-          <a:bodyPr wrap="square" rtlCol="0">
-            <a:spAutoFit/>
-          </a:bodyPr>
-          <a:lstStyle/>
-          <a:p>
-            <a:pPr marL="864017" lvl="1" indent="-432008">
-              <a:buFont typeface="Arial" panose="020B0604020202020204" pitchFamily="34" charset="0"/>
-              <a:buChar char="•"/>
-            </a:pPr>
-            <a:r>
-              <a:rPr lang="en-US" sz="3402" b="1" dirty="0">
-                <a:latin typeface="Geogrotesque Regular" panose="02000506040000020004" pitchFamily="50" charset="0"/>
-              </a:rPr>
-              <a:t>Performance Tuning, with App Services team</a:t>
-            </a:r>
-          </a:p>
-          <a:p>
-            <a:pPr marL="864017" lvl="1" indent="-432008">
-              <a:buFont typeface="Arial" panose="020B0604020202020204" pitchFamily="34" charset="0"/>
-              <a:buChar char="•"/>
-            </a:pPr>
-            <a:r>
-              <a:rPr lang="en-US" sz="3402" b="1" dirty="0">
-                <a:latin typeface="Geogrotesque Regular" panose="02000506040000020004" pitchFamily="50" charset="0"/>
-              </a:rPr>
-              <a:t>Reporting, with our Data Analytics team</a:t>
-            </a:r>
-          </a:p>
-          <a:p>
-            <a:pPr marL="864017" lvl="1" indent="-432008">
-              <a:buFont typeface="Arial" panose="020B0604020202020204" pitchFamily="34" charset="0"/>
-              <a:buChar char="•"/>
-            </a:pPr>
-            <a:r>
-              <a:rPr lang="en-US" sz="3402" dirty="0">
-                <a:latin typeface="Geogrotesque Regular" panose="02000506040000020004" pitchFamily="50" charset="0"/>
-              </a:rPr>
-              <a:t>Upgrades/Migrations/Data Conversions</a:t>
-            </a:r>
-          </a:p>
-          <a:p>
-            <a:pPr marL="864017" lvl="1" indent="-432008">
-              <a:buFont typeface="Arial" panose="020B0604020202020204" pitchFamily="34" charset="0"/>
-              <a:buChar char="•"/>
-            </a:pPr>
-            <a:r>
-              <a:rPr lang="en-US" sz="3402" dirty="0">
-                <a:latin typeface="Geogrotesque Regular" panose="02000506040000020004" pitchFamily="50" charset="0"/>
-              </a:rPr>
-              <a:t>High Availability/Disaster Recovery solutions</a:t>
-            </a:r>
-          </a:p>
-          <a:p>
-            <a:pPr marL="864017" lvl="1" indent="-432008">
-              <a:buFont typeface="Arial" panose="020B0604020202020204" pitchFamily="34" charset="0"/>
-              <a:buChar char="•"/>
-            </a:pPr>
-            <a:r>
-              <a:rPr lang="en-US" sz="3402" dirty="0">
-                <a:solidFill>
-                  <a:srgbClr val="FF0000"/>
-                </a:solidFill>
-                <a:latin typeface="Geogrotesque Regular" panose="02000506040000020004" pitchFamily="50" charset="0"/>
-              </a:rPr>
-              <a:t>Pre-audit, encryption, database security</a:t>
-            </a:r>
-          </a:p>
-          <a:p>
-            <a:pPr marL="864017" lvl="1" indent="-432008">
-              <a:buFont typeface="Arial" panose="020B0604020202020204" pitchFamily="34" charset="0"/>
-              <a:buChar char="•"/>
-            </a:pPr>
-            <a:r>
-              <a:rPr lang="en-US" sz="3402" dirty="0">
-                <a:latin typeface="Geogrotesque Regular" panose="02000506040000020004" pitchFamily="50" charset="0"/>
-              </a:rPr>
-              <a:t>Maintenance/administration</a:t>
-            </a:r>
-          </a:p>
-          <a:p>
-            <a:pPr marL="864017" lvl="1" indent="-432008">
-              <a:buFont typeface="Arial" panose="020B0604020202020204" pitchFamily="34" charset="0"/>
-              <a:buChar char="•"/>
-            </a:pPr>
-            <a:r>
-              <a:rPr lang="en-US" sz="3402" dirty="0">
-                <a:latin typeface="Geogrotesque Regular" panose="02000506040000020004" pitchFamily="50" charset="0"/>
-              </a:rPr>
-              <a:t>Automation/PowerShell</a:t>
-            </a:r>
-          </a:p>
-          <a:p>
-            <a:pPr marL="864017" lvl="1" indent="-432008">
-              <a:buFont typeface="Arial" panose="020B0604020202020204" pitchFamily="34" charset="0"/>
-              <a:buChar char="•"/>
-            </a:pPr>
-            <a:r>
-              <a:rPr lang="en-US" sz="3402" dirty="0">
-                <a:latin typeface="Geogrotesque Regular" panose="02000506040000020004" pitchFamily="50" charset="0"/>
-              </a:rPr>
-              <a:t>Azure SQL (IaaS or PaaS) architecture</a:t>
-            </a:r>
-          </a:p>
-          <a:p>
-            <a:pPr marL="864017" lvl="1" indent="-432008">
-              <a:buFont typeface="Arial" panose="020B0604020202020204" pitchFamily="34" charset="0"/>
-              <a:buChar char="•"/>
-            </a:pPr>
-            <a:r>
-              <a:rPr lang="en-US" sz="3402" dirty="0">
-                <a:latin typeface="Geogrotesque Regular" panose="02000506040000020004" pitchFamily="50" charset="0"/>
-              </a:rPr>
-              <a:t>Training/</a:t>
-            </a:r>
-            <a:r>
-              <a:rPr lang="en-US" sz="3402" dirty="0">
-                <a:solidFill>
-                  <a:srgbClr val="FF0000"/>
-                </a:solidFill>
-                <a:latin typeface="Geogrotesque Regular" panose="02000506040000020004" pitchFamily="50" charset="0"/>
-              </a:rPr>
-              <a:t>Knowledge Transfer</a:t>
-            </a:r>
-            <a:r>
-              <a:rPr lang="en-US" sz="3402" dirty="0">
-                <a:latin typeface="Geogrotesque Regular" panose="02000506040000020004" pitchFamily="50" charset="0"/>
-              </a:rPr>
-              <a:t>/skillset updates</a:t>
-            </a:r>
-          </a:p>
-          <a:p>
-            <a:pPr marL="864017" lvl="1" indent="-432008">
-              <a:buFont typeface="Arial" panose="020B0604020202020204" pitchFamily="34" charset="0"/>
-              <a:buChar char="•"/>
-            </a:pPr>
-            <a:endParaRPr lang="en-US" sz="3402" dirty="0">
-              <a:latin typeface="Geogrotesque Regular" panose="02000506040000020004" pitchFamily="50" charset="0"/>
-            </a:endParaRPr>
-          </a:p>
-        </p:txBody>
-      </p:sp>
-    </p:spTree>
-    <p:extLst>
-      <p:ext uri="{BB962C8B-B14F-4D97-AF65-F5344CB8AC3E}">
-        <p14:creationId xmlns:p14="http://schemas.microsoft.com/office/powerpoint/2010/main" val="1994065593"/>
       </p:ext>
     </p:extLst>
   </p:cSld>
@@ -28399,6 +28346,293 @@
       </p:grpSpPr>
       <p:sp>
         <p:nvSpPr>
+          <p:cNvPr id="21" name="Title 1"/>
+          <p:cNvSpPr txBox="1">
+            <a:spLocks/>
+          </p:cNvSpPr>
+          <p:nvPr/>
+        </p:nvSpPr>
+        <p:spPr>
+          <a:xfrm>
+            <a:off x="373080" y="-29657"/>
+            <a:ext cx="9936268" cy="1056255"/>
+          </a:xfrm>
+          <a:prstGeom prst="rect">
+            <a:avLst/>
+          </a:prstGeom>
+        </p:spPr>
+        <p:txBody>
+          <a:bodyPr vert="horz" lIns="86402" tIns="43201" rIns="86402" bIns="43201" rtlCol="0" anchor="ctr">
+            <a:normAutofit/>
+          </a:bodyPr>
+          <a:lstStyle>
+            <a:lvl1pPr algn="l" defTabSz="914400" rtl="0" eaLnBrk="1" latinLnBrk="0" hangingPunct="1">
+              <a:lnSpc>
+                <a:spcPct val="90000"/>
+              </a:lnSpc>
+              <a:spcBef>
+                <a:spcPct val="0"/>
+              </a:spcBef>
+              <a:buNone/>
+              <a:defRPr sz="4400" kern="1200">
+                <a:solidFill>
+                  <a:schemeClr val="tx1"/>
+                </a:solidFill>
+                <a:latin typeface="+mj-lt"/>
+                <a:ea typeface="+mj-ea"/>
+                <a:cs typeface="+mj-cs"/>
+              </a:defRPr>
+            </a:lvl1pPr>
+          </a:lstStyle>
+          <a:p>
+            <a:r>
+              <a:rPr lang="en-US" sz="3402" b="1" i="1" dirty="0">
+                <a:solidFill>
+                  <a:srgbClr val="82BC00"/>
+                </a:solidFill>
+                <a:latin typeface="Geogrotesque SemiBold" charset="0"/>
+                <a:ea typeface="Geogrotesque SemiBold" charset="0"/>
+                <a:cs typeface="Geogrotesque SemiBold" charset="0"/>
+              </a:rPr>
+              <a:t>Sparkhound SQL DBA Consulting Services</a:t>
+            </a:r>
+          </a:p>
+        </p:txBody>
+      </p:sp>
+      <p:pic>
+        <p:nvPicPr>
+          <p:cNvPr id="38" name="Content Placeholder 3"/>
+          <p:cNvPicPr>
+            <a:picLocks noChangeAspect="1"/>
+          </p:cNvPicPr>
+          <p:nvPr/>
+        </p:nvPicPr>
+        <p:blipFill>
+          <a:blip r:embed="rId3" cstate="email">
+            <a:extLst>
+              <a:ext uri="{28A0092B-C50C-407E-A947-70E740481C1C}">
+                <a14:useLocalDpi xmlns:a14="http://schemas.microsoft.com/office/drawing/2010/main"/>
+              </a:ext>
+            </a:extLst>
+          </a:blip>
+          <a:stretch>
+            <a:fillRect/>
+          </a:stretch>
+        </p:blipFill>
+        <p:spPr>
+          <a:xfrm>
+            <a:off x="90" y="5714162"/>
+            <a:ext cx="11520308" cy="797191"/>
+          </a:xfrm>
+          <a:prstGeom prst="rect">
+            <a:avLst/>
+          </a:prstGeom>
+        </p:spPr>
+      </p:pic>
+      <p:sp>
+        <p:nvSpPr>
+          <p:cNvPr id="4" name="TextBox 3">
+            <a:extLst>
+              <a:ext uri="{FF2B5EF4-FFF2-40B4-BE49-F238E27FC236}">
+                <a16:creationId xmlns:a16="http://schemas.microsoft.com/office/drawing/2014/main" id="{5AA8B08D-D90D-4FD4-BEB0-8875C881F81E}"/>
+              </a:ext>
+            </a:extLst>
+          </p:cNvPr>
+          <p:cNvSpPr txBox="1"/>
+          <p:nvPr/>
+        </p:nvSpPr>
+        <p:spPr>
+          <a:xfrm>
+            <a:off x="90" y="883775"/>
+            <a:ext cx="10967136" cy="5327741"/>
+          </a:xfrm>
+          <a:prstGeom prst="rect">
+            <a:avLst/>
+          </a:prstGeom>
+          <a:noFill/>
+        </p:spPr>
+        <p:txBody>
+          <a:bodyPr wrap="square" rtlCol="0">
+            <a:spAutoFit/>
+          </a:bodyPr>
+          <a:lstStyle/>
+          <a:p>
+            <a:pPr marL="864017" lvl="1" indent="-432008">
+              <a:buFont typeface="Arial" panose="020B0604020202020204" pitchFamily="34" charset="0"/>
+              <a:buChar char="•"/>
+            </a:pPr>
+            <a:r>
+              <a:rPr lang="en-US" sz="3402" b="1" dirty="0">
+                <a:latin typeface="Geogrotesque Regular" panose="02000506040000020004" pitchFamily="50" charset="0"/>
+              </a:rPr>
+              <a:t>Performance Tuning, with App Services team</a:t>
+            </a:r>
+          </a:p>
+          <a:p>
+            <a:pPr marL="864017" lvl="1" indent="-432008">
+              <a:buFont typeface="Arial" panose="020B0604020202020204" pitchFamily="34" charset="0"/>
+              <a:buChar char="•"/>
+            </a:pPr>
+            <a:r>
+              <a:rPr lang="en-US" sz="3402" b="1" dirty="0">
+                <a:latin typeface="Geogrotesque Regular" panose="02000506040000020004" pitchFamily="50" charset="0"/>
+              </a:rPr>
+              <a:t>Reporting, with our Data Analytics team</a:t>
+            </a:r>
+          </a:p>
+          <a:p>
+            <a:pPr marL="864017" lvl="1" indent="-432008">
+              <a:buFont typeface="Arial" panose="020B0604020202020204" pitchFamily="34" charset="0"/>
+              <a:buChar char="•"/>
+            </a:pPr>
+            <a:r>
+              <a:rPr lang="en-US" sz="3402" dirty="0">
+                <a:latin typeface="Geogrotesque Regular" panose="02000506040000020004" pitchFamily="50" charset="0"/>
+              </a:rPr>
+              <a:t>Upgrades/Migrations/Data Conversions</a:t>
+            </a:r>
+          </a:p>
+          <a:p>
+            <a:pPr marL="864017" lvl="1" indent="-432008">
+              <a:buFont typeface="Arial" panose="020B0604020202020204" pitchFamily="34" charset="0"/>
+              <a:buChar char="•"/>
+            </a:pPr>
+            <a:r>
+              <a:rPr lang="en-US" sz="3402" dirty="0">
+                <a:latin typeface="Geogrotesque Regular" panose="02000506040000020004" pitchFamily="50" charset="0"/>
+              </a:rPr>
+              <a:t>High Availability/Disaster Recovery solutions</a:t>
+            </a:r>
+          </a:p>
+          <a:p>
+            <a:pPr marL="864017" lvl="1" indent="-432008">
+              <a:buFont typeface="Arial" panose="020B0604020202020204" pitchFamily="34" charset="0"/>
+              <a:buChar char="•"/>
+            </a:pPr>
+            <a:r>
+              <a:rPr lang="en-US" sz="3402" dirty="0">
+                <a:solidFill>
+                  <a:srgbClr val="FF0000"/>
+                </a:solidFill>
+                <a:latin typeface="Geogrotesque Regular" panose="02000506040000020004" pitchFamily="50" charset="0"/>
+              </a:rPr>
+              <a:t>Pre-audit, encryption, database security</a:t>
+            </a:r>
+          </a:p>
+          <a:p>
+            <a:pPr marL="864017" lvl="1" indent="-432008">
+              <a:buFont typeface="Arial" panose="020B0604020202020204" pitchFamily="34" charset="0"/>
+              <a:buChar char="•"/>
+            </a:pPr>
+            <a:r>
+              <a:rPr lang="en-US" sz="3402" dirty="0">
+                <a:latin typeface="Geogrotesque Regular" panose="02000506040000020004" pitchFamily="50" charset="0"/>
+              </a:rPr>
+              <a:t>Maintenance/administration</a:t>
+            </a:r>
+          </a:p>
+          <a:p>
+            <a:pPr marL="864017" lvl="1" indent="-432008">
+              <a:buFont typeface="Arial" panose="020B0604020202020204" pitchFamily="34" charset="0"/>
+              <a:buChar char="•"/>
+            </a:pPr>
+            <a:r>
+              <a:rPr lang="en-US" sz="3402" dirty="0">
+                <a:latin typeface="Geogrotesque Regular" panose="02000506040000020004" pitchFamily="50" charset="0"/>
+              </a:rPr>
+              <a:t>Automation/PowerShell</a:t>
+            </a:r>
+          </a:p>
+          <a:p>
+            <a:pPr marL="864017" lvl="1" indent="-432008">
+              <a:buFont typeface="Arial" panose="020B0604020202020204" pitchFamily="34" charset="0"/>
+              <a:buChar char="•"/>
+            </a:pPr>
+            <a:r>
+              <a:rPr lang="en-US" sz="3402" dirty="0">
+                <a:latin typeface="Geogrotesque Regular" panose="02000506040000020004" pitchFamily="50" charset="0"/>
+              </a:rPr>
+              <a:t>Azure SQL (IaaS or PaaS) architecture</a:t>
+            </a:r>
+          </a:p>
+          <a:p>
+            <a:pPr marL="864017" lvl="1" indent="-432008">
+              <a:buFont typeface="Arial" panose="020B0604020202020204" pitchFamily="34" charset="0"/>
+              <a:buChar char="•"/>
+            </a:pPr>
+            <a:r>
+              <a:rPr lang="en-US" sz="3402" dirty="0">
+                <a:latin typeface="Geogrotesque Regular" panose="02000506040000020004" pitchFamily="50" charset="0"/>
+              </a:rPr>
+              <a:t>Training/</a:t>
+            </a:r>
+            <a:r>
+              <a:rPr lang="en-US" sz="3402" dirty="0">
+                <a:solidFill>
+                  <a:srgbClr val="FF0000"/>
+                </a:solidFill>
+                <a:latin typeface="Geogrotesque Regular" panose="02000506040000020004" pitchFamily="50" charset="0"/>
+              </a:rPr>
+              <a:t>Knowledge Transfer</a:t>
+            </a:r>
+            <a:r>
+              <a:rPr lang="en-US" sz="3402" dirty="0">
+                <a:latin typeface="Geogrotesque Regular" panose="02000506040000020004" pitchFamily="50" charset="0"/>
+              </a:rPr>
+              <a:t>/skillset updates</a:t>
+            </a:r>
+          </a:p>
+          <a:p>
+            <a:pPr marL="864017" lvl="1" indent="-432008">
+              <a:buFont typeface="Arial" panose="020B0604020202020204" pitchFamily="34" charset="0"/>
+              <a:buChar char="•"/>
+            </a:pPr>
+            <a:endParaRPr lang="en-US" sz="3402" dirty="0">
+              <a:latin typeface="Geogrotesque Regular" panose="02000506040000020004" pitchFamily="50" charset="0"/>
+            </a:endParaRPr>
+          </a:p>
+        </p:txBody>
+      </p:sp>
+    </p:spTree>
+    <p:extLst>
+      <p:ext uri="{BB962C8B-B14F-4D97-AF65-F5344CB8AC3E}">
+        <p14:creationId xmlns:p14="http://schemas.microsoft.com/office/powerpoint/2010/main" val="1994065593"/>
+      </p:ext>
+    </p:extLst>
+  </p:cSld>
+  <p:clrMapOvr>
+    <a:masterClrMapping/>
+  </p:clrMapOvr>
+  <mc:AlternateContent xmlns:mc="http://schemas.openxmlformats.org/markup-compatibility/2006" xmlns:p14="http://schemas.microsoft.com/office/powerpoint/2010/main">
+    <mc:Choice Requires="p14">
+      <p:transition spd="slow" p14:dur="2000" advTm="10000"/>
+    </mc:Choice>
+    <mc:Fallback xmlns="">
+      <p:transition spd="slow" advTm="10000"/>
+    </mc:Fallback>
+  </mc:AlternateContent>
+</p:sld>
+</file>
+
+<file path=ppt/slides/slide58.xml><?xml version="1.0" encoding="utf-8"?>
+<p:sld xmlns:a="http://schemas.openxmlformats.org/drawingml/2006/main" xmlns:r="http://schemas.openxmlformats.org/officeDocument/2006/relationships" xmlns:p="http://schemas.openxmlformats.org/presentationml/2006/main">
+  <p:cSld>
+    <p:spTree>
+      <p:nvGrpSpPr>
+        <p:cNvPr id="1" name=""/>
+        <p:cNvGrpSpPr/>
+        <p:nvPr/>
+      </p:nvGrpSpPr>
+      <p:grpSpPr>
+        <a:xfrm>
+          <a:off x="0" y="0"/>
+          <a:ext cx="0" cy="0"/>
+          <a:chOff x="0" y="0"/>
+          <a:chExt cx="0" cy="0"/>
+        </a:xfrm>
+      </p:grpSpPr>
+      <p:sp>
+        <p:nvSpPr>
           <p:cNvPr id="4" name="Title 3">
             <a:extLst>
               <a:ext uri="{FF2B5EF4-FFF2-40B4-BE49-F238E27FC236}">
@@ -28611,7 +28845,7 @@
 </p:sld>
 </file>
 
-<file path=ppt/slides/slide58.xml><?xml version="1.0" encoding="utf-8"?>
+<file path=ppt/slides/slide59.xml><?xml version="1.0" encoding="utf-8"?>
 <p:sld xmlns:a="http://schemas.openxmlformats.org/drawingml/2006/main" xmlns:r="http://schemas.openxmlformats.org/officeDocument/2006/relationships" xmlns:p="http://schemas.openxmlformats.org/presentationml/2006/main">
   <p:cSld>
     <p:bg>
@@ -28947,451 +29181,6 @@
     <p:extLst>
       <p:ext uri="{BB962C8B-B14F-4D97-AF65-F5344CB8AC3E}">
         <p14:creationId xmlns:p14="http://schemas.microsoft.com/office/powerpoint/2010/main" val="282819259"/>
-      </p:ext>
-    </p:extLst>
-  </p:cSld>
-  <p:clrMapOvr>
-    <a:masterClrMapping/>
-  </p:clrMapOvr>
-</p:sld>
-</file>
-
-<file path=ppt/slides/slide59.xml><?xml version="1.0" encoding="utf-8"?>
-<p:sld xmlns:a="http://schemas.openxmlformats.org/drawingml/2006/main" xmlns:r="http://schemas.openxmlformats.org/officeDocument/2006/relationships" xmlns:p="http://schemas.openxmlformats.org/presentationml/2006/main">
-  <p:cSld>
-    <p:spTree>
-      <p:nvGrpSpPr>
-        <p:cNvPr id="1" name=""/>
-        <p:cNvGrpSpPr/>
-        <p:nvPr/>
-      </p:nvGrpSpPr>
-      <p:grpSpPr>
-        <a:xfrm>
-          <a:off x="0" y="0"/>
-          <a:ext cx="0" cy="0"/>
-          <a:chOff x="0" y="0"/>
-          <a:chExt cx="0" cy="0"/>
-        </a:xfrm>
-      </p:grpSpPr>
-      <p:sp>
-        <p:nvSpPr>
-          <p:cNvPr id="7" name="Title 6">
-            <a:extLst>
-              <a:ext uri="{FF2B5EF4-FFF2-40B4-BE49-F238E27FC236}">
-                <a16:creationId xmlns:a16="http://schemas.microsoft.com/office/drawing/2014/main" id="{20F166F8-64A3-40BE-AC80-199547ECEFC8}"/>
-              </a:ext>
-            </a:extLst>
-          </p:cNvPr>
-          <p:cNvSpPr>
-            <a:spLocks noGrp="1"/>
-          </p:cNvSpPr>
-          <p:nvPr>
-            <p:ph type="title"/>
-          </p:nvPr>
-        </p:nvSpPr>
-        <p:spPr/>
-        <p:txBody>
-          <a:bodyPr/>
-          <a:lstStyle/>
-          <a:p>
-            <a:r>
-              <a:rPr lang="en-US" b="1" cap="all" dirty="0">
-                <a:solidFill>
-                  <a:srgbClr val="3D156F"/>
-                </a:solidFill>
-              </a:rPr>
-              <a:t>Bio and contact</a:t>
-            </a:r>
-            <a:endParaRPr lang="en-US" dirty="0"/>
-          </a:p>
-        </p:txBody>
-      </p:sp>
-      <p:sp>
-        <p:nvSpPr>
-          <p:cNvPr id="3" name="Content Placeholder 2"/>
-          <p:cNvSpPr>
-            <a:spLocks noGrp="1"/>
-          </p:cNvSpPr>
-          <p:nvPr>
-            <p:ph idx="1"/>
-          </p:nvPr>
-        </p:nvSpPr>
-        <p:spPr>
-          <a:xfrm>
-            <a:off x="654398" y="3659262"/>
-            <a:ext cx="10368280" cy="2604908"/>
-          </a:xfrm>
-        </p:spPr>
-        <p:txBody>
-          <a:bodyPr>
-            <a:normAutofit/>
-          </a:bodyPr>
-          <a:lstStyle/>
-          <a:p>
-            <a:pPr marL="0" indent="0" algn="ctr">
-              <a:buNone/>
-            </a:pPr>
-            <a:r>
-              <a:rPr lang="en-US" sz="3780" dirty="0"/>
-              <a:t>This presentation, including all source code, available at my blog:</a:t>
-            </a:r>
-          </a:p>
-          <a:p>
-            <a:pPr marL="0" indent="0" algn="ctr">
-              <a:buNone/>
-            </a:pPr>
-            <a:r>
-              <a:rPr lang="en-US" sz="6236" b="1" dirty="0">
-                <a:hlinkClick r:id="rId2"/>
-              </a:rPr>
-              <a:t>SQLTact.com</a:t>
-            </a:r>
-            <a:endParaRPr lang="en-US" sz="6236" b="1" dirty="0"/>
-          </a:p>
-          <a:p>
-            <a:endParaRPr lang="en-US" sz="4536" dirty="0"/>
-          </a:p>
-          <a:p>
-            <a:endParaRPr lang="en-US" sz="4536" dirty="0"/>
-          </a:p>
-        </p:txBody>
-      </p:sp>
-      <p:sp>
-        <p:nvSpPr>
-          <p:cNvPr id="4" name="Subtitle 2"/>
-          <p:cNvSpPr txBox="1">
-            <a:spLocks/>
-          </p:cNvSpPr>
-          <p:nvPr/>
-        </p:nvSpPr>
-        <p:spPr>
-          <a:xfrm>
-            <a:off x="654398" y="828895"/>
-            <a:ext cx="8561940" cy="2830366"/>
-          </a:xfrm>
-          <a:prstGeom prst="rect">
-            <a:avLst/>
-          </a:prstGeom>
-        </p:spPr>
-        <p:txBody>
-          <a:bodyPr vert="horz" lIns="86400" tIns="43200" rIns="86400" bIns="43200" rtlCol="0">
-            <a:normAutofit fontScale="92500"/>
-          </a:bodyPr>
-          <a:lstStyle>
-            <a:lvl1pPr marL="342900" indent="-342900" algn="l" defTabSz="914400" rtl="0" eaLnBrk="1" latinLnBrk="0" hangingPunct="1">
-              <a:spcBef>
-                <a:spcPct val="20000"/>
-              </a:spcBef>
-              <a:buFont typeface="Arial" pitchFamily="34" charset="0"/>
-              <a:buChar char="•"/>
-              <a:defRPr sz="3200" kern="1200">
-                <a:solidFill>
-                  <a:schemeClr val="tx1"/>
-                </a:solidFill>
-                <a:latin typeface="+mn-lt"/>
-                <a:ea typeface="+mn-ea"/>
-                <a:cs typeface="+mn-cs"/>
-              </a:defRPr>
-            </a:lvl1pPr>
-            <a:lvl2pPr marL="742950" indent="-285750" algn="l" defTabSz="914400" rtl="0" eaLnBrk="1" latinLnBrk="0" hangingPunct="1">
-              <a:spcBef>
-                <a:spcPct val="20000"/>
-              </a:spcBef>
-              <a:buFont typeface="Arial" pitchFamily="34" charset="0"/>
-              <a:buChar char="–"/>
-              <a:defRPr sz="2800" kern="1200">
-                <a:solidFill>
-                  <a:schemeClr val="tx1"/>
-                </a:solidFill>
-                <a:latin typeface="+mn-lt"/>
-                <a:ea typeface="+mn-ea"/>
-                <a:cs typeface="+mn-cs"/>
-              </a:defRPr>
-            </a:lvl2pPr>
-            <a:lvl3pPr marL="1143000" indent="-228600" algn="l" defTabSz="914400" rtl="0" eaLnBrk="1" latinLnBrk="0" hangingPunct="1">
-              <a:spcBef>
-                <a:spcPct val="20000"/>
-              </a:spcBef>
-              <a:buFont typeface="Arial" pitchFamily="34" charset="0"/>
-              <a:buChar char="•"/>
-              <a:defRPr sz="2400" kern="1200">
-                <a:solidFill>
-                  <a:schemeClr val="tx1"/>
-                </a:solidFill>
-                <a:latin typeface="+mn-lt"/>
-                <a:ea typeface="+mn-ea"/>
-                <a:cs typeface="+mn-cs"/>
-              </a:defRPr>
-            </a:lvl3pPr>
-            <a:lvl4pPr marL="1600200" indent="-228600" algn="l" defTabSz="914400" rtl="0" eaLnBrk="1" latinLnBrk="0" hangingPunct="1">
-              <a:spcBef>
-                <a:spcPct val="20000"/>
-              </a:spcBef>
-              <a:buFont typeface="Arial" pitchFamily="34" charset="0"/>
-              <a:buChar char="–"/>
-              <a:defRPr sz="2000" kern="1200">
-                <a:solidFill>
-                  <a:schemeClr val="tx1"/>
-                </a:solidFill>
-                <a:latin typeface="+mn-lt"/>
-                <a:ea typeface="+mn-ea"/>
-                <a:cs typeface="+mn-cs"/>
-              </a:defRPr>
-            </a:lvl4pPr>
-            <a:lvl5pPr marL="2057400" indent="-228600" algn="l" defTabSz="914400" rtl="0" eaLnBrk="1" latinLnBrk="0" hangingPunct="1">
-              <a:spcBef>
-                <a:spcPct val="20000"/>
-              </a:spcBef>
-              <a:buFont typeface="Arial" pitchFamily="34" charset="0"/>
-              <a:buChar char="»"/>
-              <a:defRPr sz="2000" kern="1200">
-                <a:solidFill>
-                  <a:schemeClr val="tx1"/>
-                </a:solidFill>
-                <a:latin typeface="+mn-lt"/>
-                <a:ea typeface="+mn-ea"/>
-                <a:cs typeface="+mn-cs"/>
-              </a:defRPr>
-            </a:lvl5pPr>
-            <a:lvl6pPr marL="2514600" indent="-228600" algn="l" defTabSz="914400" rtl="0" eaLnBrk="1" latinLnBrk="0" hangingPunct="1">
-              <a:spcBef>
-                <a:spcPct val="20000"/>
-              </a:spcBef>
-              <a:buFont typeface="Arial" pitchFamily="34" charset="0"/>
-              <a:buChar char="•"/>
-              <a:defRPr sz="2000" kern="1200">
-                <a:solidFill>
-                  <a:schemeClr val="tx1"/>
-                </a:solidFill>
-                <a:latin typeface="+mn-lt"/>
-                <a:ea typeface="+mn-ea"/>
-                <a:cs typeface="+mn-cs"/>
-              </a:defRPr>
-            </a:lvl6pPr>
-            <a:lvl7pPr marL="2971800" indent="-228600" algn="l" defTabSz="914400" rtl="0" eaLnBrk="1" latinLnBrk="0" hangingPunct="1">
-              <a:spcBef>
-                <a:spcPct val="20000"/>
-              </a:spcBef>
-              <a:buFont typeface="Arial" pitchFamily="34" charset="0"/>
-              <a:buChar char="•"/>
-              <a:defRPr sz="2000" kern="1200">
-                <a:solidFill>
-                  <a:schemeClr val="tx1"/>
-                </a:solidFill>
-                <a:latin typeface="+mn-lt"/>
-                <a:ea typeface="+mn-ea"/>
-                <a:cs typeface="+mn-cs"/>
-              </a:defRPr>
-            </a:lvl7pPr>
-            <a:lvl8pPr marL="3429000" indent="-228600" algn="l" defTabSz="914400" rtl="0" eaLnBrk="1" latinLnBrk="0" hangingPunct="1">
-              <a:spcBef>
-                <a:spcPct val="20000"/>
-              </a:spcBef>
-              <a:buFont typeface="Arial" pitchFamily="34" charset="0"/>
-              <a:buChar char="•"/>
-              <a:defRPr sz="2000" kern="1200">
-                <a:solidFill>
-                  <a:schemeClr val="tx1"/>
-                </a:solidFill>
-                <a:latin typeface="+mn-lt"/>
-                <a:ea typeface="+mn-ea"/>
-                <a:cs typeface="+mn-cs"/>
-              </a:defRPr>
-            </a:lvl8pPr>
-            <a:lvl9pPr marL="3886200" indent="-228600" algn="l" defTabSz="914400" rtl="0" eaLnBrk="1" latinLnBrk="0" hangingPunct="1">
-              <a:spcBef>
-                <a:spcPct val="20000"/>
-              </a:spcBef>
-              <a:buFont typeface="Arial" pitchFamily="34" charset="0"/>
-              <a:buChar char="•"/>
-              <a:defRPr sz="2000" kern="1200">
-                <a:solidFill>
-                  <a:schemeClr val="tx1"/>
-                </a:solidFill>
-                <a:latin typeface="+mn-lt"/>
-                <a:ea typeface="+mn-ea"/>
-                <a:cs typeface="+mn-cs"/>
-              </a:defRPr>
-            </a:lvl9pPr>
-          </a:lstStyle>
-          <a:p>
-            <a:pPr marL="342896" indent="-342896" defTabSz="914389">
-              <a:defRPr/>
-            </a:pPr>
-            <a:r>
-              <a:rPr lang="en-US" sz="3024" dirty="0">
-                <a:solidFill>
-                  <a:srgbClr val="101820"/>
-                </a:solidFill>
-                <a:latin typeface="Roboto" panose="02000000000000000000" pitchFamily="2" charset="0"/>
-                <a:ea typeface="Roboto" panose="02000000000000000000" pitchFamily="2" charset="0"/>
-              </a:rPr>
-              <a:t>William D Assaf, MCSE</a:t>
-            </a:r>
-          </a:p>
-          <a:p>
-            <a:pPr marL="342896" indent="-342896" defTabSz="914389">
-              <a:defRPr/>
-            </a:pPr>
-            <a:r>
-              <a:rPr lang="en-US" sz="3024" dirty="0">
-                <a:solidFill>
-                  <a:srgbClr val="101820"/>
-                </a:solidFill>
-                <a:latin typeface="Roboto" panose="02000000000000000000" pitchFamily="2" charset="0"/>
-                <a:ea typeface="Roboto" panose="02000000000000000000" pitchFamily="2" charset="0"/>
-              </a:rPr>
-              <a:t>Baton Rouge SQL Server UG board</a:t>
-            </a:r>
-          </a:p>
-          <a:p>
-            <a:pPr marL="342896" indent="-342896" defTabSz="914389">
-              <a:defRPr/>
-            </a:pPr>
-            <a:r>
-              <a:rPr lang="en-US" sz="3024" dirty="0">
-                <a:solidFill>
-                  <a:srgbClr val="101820"/>
-                </a:solidFill>
-                <a:latin typeface="Roboto" panose="02000000000000000000" pitchFamily="2" charset="0"/>
-                <a:ea typeface="Roboto" panose="02000000000000000000" pitchFamily="2" charset="0"/>
-              </a:rPr>
-              <a:t>Principal Consultant, SQL Manager at Sparkhound</a:t>
-            </a:r>
-          </a:p>
-          <a:p>
-            <a:pPr marL="342896" indent="-342896" defTabSz="914389">
-              <a:defRPr/>
-            </a:pPr>
-            <a:r>
-              <a:rPr lang="en-US" sz="3024" dirty="0">
-                <a:solidFill>
-                  <a:srgbClr val="101820"/>
-                </a:solidFill>
-                <a:latin typeface="Roboto" panose="02000000000000000000" pitchFamily="2" charset="0"/>
-                <a:ea typeface="Roboto" panose="02000000000000000000" pitchFamily="2" charset="0"/>
-                <a:hlinkClick r:id="rId3"/>
-              </a:rPr>
-              <a:t>William.Assaf@sparkhound.com</a:t>
-            </a:r>
-            <a:endParaRPr lang="en-US" sz="3024" dirty="0">
-              <a:solidFill>
-                <a:srgbClr val="101820"/>
-              </a:solidFill>
-              <a:latin typeface="Roboto" panose="02000000000000000000" pitchFamily="2" charset="0"/>
-              <a:ea typeface="Roboto" panose="02000000000000000000" pitchFamily="2" charset="0"/>
-            </a:endParaRPr>
-          </a:p>
-          <a:p>
-            <a:pPr marL="342896" indent="-342896" defTabSz="914389">
-              <a:defRPr/>
-            </a:pPr>
-            <a:r>
-              <a:rPr lang="en-US" sz="3024" dirty="0">
-                <a:solidFill>
-                  <a:srgbClr val="101820"/>
-                </a:solidFill>
-                <a:latin typeface="Roboto" panose="02000000000000000000" pitchFamily="2" charset="0"/>
-                <a:ea typeface="Roboto" panose="02000000000000000000" pitchFamily="2" charset="0"/>
-              </a:rPr>
-              <a:t>Twitter: @</a:t>
-            </a:r>
-            <a:r>
-              <a:rPr lang="en-US" sz="3024" dirty="0" err="1">
-                <a:solidFill>
-                  <a:srgbClr val="101820"/>
-                </a:solidFill>
-                <a:latin typeface="Roboto" panose="02000000000000000000" pitchFamily="2" charset="0"/>
-                <a:ea typeface="Roboto" panose="02000000000000000000" pitchFamily="2" charset="0"/>
-              </a:rPr>
-              <a:t>william_a_dba</a:t>
-            </a:r>
-            <a:endParaRPr lang="en-US" sz="3024" dirty="0">
-              <a:solidFill>
-                <a:srgbClr val="101820"/>
-              </a:solidFill>
-              <a:latin typeface="Roboto" panose="02000000000000000000" pitchFamily="2" charset="0"/>
-              <a:ea typeface="Roboto" panose="02000000000000000000" pitchFamily="2" charset="0"/>
-            </a:endParaRPr>
-          </a:p>
-          <a:p>
-            <a:pPr marL="342896" indent="-342896" defTabSz="914389">
-              <a:defRPr/>
-            </a:pPr>
-            <a:endParaRPr lang="en-US" sz="3024" dirty="0">
-              <a:solidFill>
-                <a:srgbClr val="101820"/>
-              </a:solidFill>
-              <a:latin typeface="Roboto" panose="02000000000000000000" pitchFamily="2" charset="0"/>
-              <a:ea typeface="Roboto" panose="02000000000000000000" pitchFamily="2" charset="0"/>
-            </a:endParaRPr>
-          </a:p>
-          <a:p>
-            <a:pPr marL="0" indent="0" defTabSz="914389">
-              <a:buNone/>
-              <a:defRPr/>
-            </a:pPr>
-            <a:endParaRPr lang="en-US" sz="3024" dirty="0">
-              <a:solidFill>
-                <a:srgbClr val="101820"/>
-              </a:solidFill>
-              <a:latin typeface="Roboto" panose="02000000000000000000" pitchFamily="2" charset="0"/>
-              <a:ea typeface="Roboto" panose="02000000000000000000" pitchFamily="2" charset="0"/>
-            </a:endParaRPr>
-          </a:p>
-        </p:txBody>
-      </p:sp>
-      <p:pic>
-        <p:nvPicPr>
-          <p:cNvPr id="6" name="Picture 2" descr="William Assaf">
-            <a:extLst>
-              <a:ext uri="{FF2B5EF4-FFF2-40B4-BE49-F238E27FC236}">
-                <a16:creationId xmlns:a16="http://schemas.microsoft.com/office/drawing/2014/main" id="{2BAE5041-34BB-4C0C-A938-11DDAAA023DE}"/>
-              </a:ext>
-            </a:extLst>
-          </p:cNvPr>
-          <p:cNvPicPr>
-            <a:picLocks noChangeAspect="1" noChangeArrowheads="1"/>
-          </p:cNvPicPr>
-          <p:nvPr/>
-        </p:nvPicPr>
-        <p:blipFill>
-          <a:blip r:embed="rId4">
-            <a:extLst>
-              <a:ext uri="{28A0092B-C50C-407E-A947-70E740481C1C}">
-                <a14:useLocalDpi xmlns:a14="http://schemas.microsoft.com/office/drawing/2010/main" val="0"/>
-              </a:ext>
-            </a:extLst>
-          </a:blip>
-          <a:srcRect/>
-          <a:stretch>
-            <a:fillRect/>
-          </a:stretch>
-        </p:blipFill>
-        <p:spPr bwMode="auto">
-          <a:xfrm>
-            <a:off x="9432343" y="720057"/>
-            <a:ext cx="1872051" cy="1872051"/>
-          </a:xfrm>
-          <a:prstGeom prst="rect">
-            <a:avLst/>
-          </a:prstGeom>
-          <a:noFill/>
-          <a:extLst>
-            <a:ext uri="{909E8E84-426E-40DD-AFC4-6F175D3DCCD1}">
-              <a14:hiddenFill xmlns:a14="http://schemas.microsoft.com/office/drawing/2010/main">
-                <a:solidFill>
-                  <a:srgbClr val="FFFFFF"/>
-                </a:solidFill>
-              </a14:hiddenFill>
-            </a:ext>
-          </a:extLst>
-        </p:spPr>
-      </p:pic>
-    </p:spTree>
-    <p:extLst>
-      <p:ext uri="{BB962C8B-B14F-4D97-AF65-F5344CB8AC3E}">
-        <p14:creationId xmlns:p14="http://schemas.microsoft.com/office/powerpoint/2010/main" val="2576131179"/>
       </p:ext>
     </p:extLst>
   </p:cSld>
@@ -29830,6 +29619,451 @@
       <p:bldP spid="19" grpId="0" build="p"/>
     </p:bldLst>
   </p:timing>
+</p:sld>
+</file>
+
+<file path=ppt/slides/slide60.xml><?xml version="1.0" encoding="utf-8"?>
+<p:sld xmlns:a="http://schemas.openxmlformats.org/drawingml/2006/main" xmlns:r="http://schemas.openxmlformats.org/officeDocument/2006/relationships" xmlns:p="http://schemas.openxmlformats.org/presentationml/2006/main">
+  <p:cSld>
+    <p:spTree>
+      <p:nvGrpSpPr>
+        <p:cNvPr id="1" name=""/>
+        <p:cNvGrpSpPr/>
+        <p:nvPr/>
+      </p:nvGrpSpPr>
+      <p:grpSpPr>
+        <a:xfrm>
+          <a:off x="0" y="0"/>
+          <a:ext cx="0" cy="0"/>
+          <a:chOff x="0" y="0"/>
+          <a:chExt cx="0" cy="0"/>
+        </a:xfrm>
+      </p:grpSpPr>
+      <p:sp>
+        <p:nvSpPr>
+          <p:cNvPr id="7" name="Title 6">
+            <a:extLst>
+              <a:ext uri="{FF2B5EF4-FFF2-40B4-BE49-F238E27FC236}">
+                <a16:creationId xmlns:a16="http://schemas.microsoft.com/office/drawing/2014/main" id="{20F166F8-64A3-40BE-AC80-199547ECEFC8}"/>
+              </a:ext>
+            </a:extLst>
+          </p:cNvPr>
+          <p:cNvSpPr>
+            <a:spLocks noGrp="1"/>
+          </p:cNvSpPr>
+          <p:nvPr>
+            <p:ph type="title"/>
+          </p:nvPr>
+        </p:nvSpPr>
+        <p:spPr/>
+        <p:txBody>
+          <a:bodyPr/>
+          <a:lstStyle/>
+          <a:p>
+            <a:r>
+              <a:rPr lang="en-US" b="1" cap="all" dirty="0">
+                <a:solidFill>
+                  <a:srgbClr val="3D156F"/>
+                </a:solidFill>
+              </a:rPr>
+              <a:t>Bio and contact</a:t>
+            </a:r>
+            <a:endParaRPr lang="en-US" dirty="0"/>
+          </a:p>
+        </p:txBody>
+      </p:sp>
+      <p:sp>
+        <p:nvSpPr>
+          <p:cNvPr id="3" name="Content Placeholder 2"/>
+          <p:cNvSpPr>
+            <a:spLocks noGrp="1"/>
+          </p:cNvSpPr>
+          <p:nvPr>
+            <p:ph idx="1"/>
+          </p:nvPr>
+        </p:nvSpPr>
+        <p:spPr>
+          <a:xfrm>
+            <a:off x="654398" y="3659262"/>
+            <a:ext cx="10368280" cy="2604908"/>
+          </a:xfrm>
+        </p:spPr>
+        <p:txBody>
+          <a:bodyPr>
+            <a:normAutofit/>
+          </a:bodyPr>
+          <a:lstStyle/>
+          <a:p>
+            <a:pPr marL="0" indent="0" algn="ctr">
+              <a:buNone/>
+            </a:pPr>
+            <a:r>
+              <a:rPr lang="en-US" sz="3780" dirty="0"/>
+              <a:t>This presentation, including all source code, available at my blog:</a:t>
+            </a:r>
+          </a:p>
+          <a:p>
+            <a:pPr marL="0" indent="0" algn="ctr">
+              <a:buNone/>
+            </a:pPr>
+            <a:r>
+              <a:rPr lang="en-US" sz="6236" b="1" dirty="0">
+                <a:hlinkClick r:id="rId2"/>
+              </a:rPr>
+              <a:t>SQLTact.com</a:t>
+            </a:r>
+            <a:endParaRPr lang="en-US" sz="6236" b="1" dirty="0"/>
+          </a:p>
+          <a:p>
+            <a:endParaRPr lang="en-US" sz="4536" dirty="0"/>
+          </a:p>
+          <a:p>
+            <a:endParaRPr lang="en-US" sz="4536" dirty="0"/>
+          </a:p>
+        </p:txBody>
+      </p:sp>
+      <p:sp>
+        <p:nvSpPr>
+          <p:cNvPr id="4" name="Subtitle 2"/>
+          <p:cNvSpPr txBox="1">
+            <a:spLocks/>
+          </p:cNvSpPr>
+          <p:nvPr/>
+        </p:nvSpPr>
+        <p:spPr>
+          <a:xfrm>
+            <a:off x="654398" y="828895"/>
+            <a:ext cx="8561940" cy="2830366"/>
+          </a:xfrm>
+          <a:prstGeom prst="rect">
+            <a:avLst/>
+          </a:prstGeom>
+        </p:spPr>
+        <p:txBody>
+          <a:bodyPr vert="horz" lIns="86400" tIns="43200" rIns="86400" bIns="43200" rtlCol="0">
+            <a:normAutofit fontScale="92500"/>
+          </a:bodyPr>
+          <a:lstStyle>
+            <a:lvl1pPr marL="342900" indent="-342900" algn="l" defTabSz="914400" rtl="0" eaLnBrk="1" latinLnBrk="0" hangingPunct="1">
+              <a:spcBef>
+                <a:spcPct val="20000"/>
+              </a:spcBef>
+              <a:buFont typeface="Arial" pitchFamily="34" charset="0"/>
+              <a:buChar char="•"/>
+              <a:defRPr sz="3200" kern="1200">
+                <a:solidFill>
+                  <a:schemeClr val="tx1"/>
+                </a:solidFill>
+                <a:latin typeface="+mn-lt"/>
+                <a:ea typeface="+mn-ea"/>
+                <a:cs typeface="+mn-cs"/>
+              </a:defRPr>
+            </a:lvl1pPr>
+            <a:lvl2pPr marL="742950" indent="-285750" algn="l" defTabSz="914400" rtl="0" eaLnBrk="1" latinLnBrk="0" hangingPunct="1">
+              <a:spcBef>
+                <a:spcPct val="20000"/>
+              </a:spcBef>
+              <a:buFont typeface="Arial" pitchFamily="34" charset="0"/>
+              <a:buChar char="–"/>
+              <a:defRPr sz="2800" kern="1200">
+                <a:solidFill>
+                  <a:schemeClr val="tx1"/>
+                </a:solidFill>
+                <a:latin typeface="+mn-lt"/>
+                <a:ea typeface="+mn-ea"/>
+                <a:cs typeface="+mn-cs"/>
+              </a:defRPr>
+            </a:lvl2pPr>
+            <a:lvl3pPr marL="1143000" indent="-228600" algn="l" defTabSz="914400" rtl="0" eaLnBrk="1" latinLnBrk="0" hangingPunct="1">
+              <a:spcBef>
+                <a:spcPct val="20000"/>
+              </a:spcBef>
+              <a:buFont typeface="Arial" pitchFamily="34" charset="0"/>
+              <a:buChar char="•"/>
+              <a:defRPr sz="2400" kern="1200">
+                <a:solidFill>
+                  <a:schemeClr val="tx1"/>
+                </a:solidFill>
+                <a:latin typeface="+mn-lt"/>
+                <a:ea typeface="+mn-ea"/>
+                <a:cs typeface="+mn-cs"/>
+              </a:defRPr>
+            </a:lvl3pPr>
+            <a:lvl4pPr marL="1600200" indent="-228600" algn="l" defTabSz="914400" rtl="0" eaLnBrk="1" latinLnBrk="0" hangingPunct="1">
+              <a:spcBef>
+                <a:spcPct val="20000"/>
+              </a:spcBef>
+              <a:buFont typeface="Arial" pitchFamily="34" charset="0"/>
+              <a:buChar char="–"/>
+              <a:defRPr sz="2000" kern="1200">
+                <a:solidFill>
+                  <a:schemeClr val="tx1"/>
+                </a:solidFill>
+                <a:latin typeface="+mn-lt"/>
+                <a:ea typeface="+mn-ea"/>
+                <a:cs typeface="+mn-cs"/>
+              </a:defRPr>
+            </a:lvl4pPr>
+            <a:lvl5pPr marL="2057400" indent="-228600" algn="l" defTabSz="914400" rtl="0" eaLnBrk="1" latinLnBrk="0" hangingPunct="1">
+              <a:spcBef>
+                <a:spcPct val="20000"/>
+              </a:spcBef>
+              <a:buFont typeface="Arial" pitchFamily="34" charset="0"/>
+              <a:buChar char="»"/>
+              <a:defRPr sz="2000" kern="1200">
+                <a:solidFill>
+                  <a:schemeClr val="tx1"/>
+                </a:solidFill>
+                <a:latin typeface="+mn-lt"/>
+                <a:ea typeface="+mn-ea"/>
+                <a:cs typeface="+mn-cs"/>
+              </a:defRPr>
+            </a:lvl5pPr>
+            <a:lvl6pPr marL="2514600" indent="-228600" algn="l" defTabSz="914400" rtl="0" eaLnBrk="1" latinLnBrk="0" hangingPunct="1">
+              <a:spcBef>
+                <a:spcPct val="20000"/>
+              </a:spcBef>
+              <a:buFont typeface="Arial" pitchFamily="34" charset="0"/>
+              <a:buChar char="•"/>
+              <a:defRPr sz="2000" kern="1200">
+                <a:solidFill>
+                  <a:schemeClr val="tx1"/>
+                </a:solidFill>
+                <a:latin typeface="+mn-lt"/>
+                <a:ea typeface="+mn-ea"/>
+                <a:cs typeface="+mn-cs"/>
+              </a:defRPr>
+            </a:lvl6pPr>
+            <a:lvl7pPr marL="2971800" indent="-228600" algn="l" defTabSz="914400" rtl="0" eaLnBrk="1" latinLnBrk="0" hangingPunct="1">
+              <a:spcBef>
+                <a:spcPct val="20000"/>
+              </a:spcBef>
+              <a:buFont typeface="Arial" pitchFamily="34" charset="0"/>
+              <a:buChar char="•"/>
+              <a:defRPr sz="2000" kern="1200">
+                <a:solidFill>
+                  <a:schemeClr val="tx1"/>
+                </a:solidFill>
+                <a:latin typeface="+mn-lt"/>
+                <a:ea typeface="+mn-ea"/>
+                <a:cs typeface="+mn-cs"/>
+              </a:defRPr>
+            </a:lvl7pPr>
+            <a:lvl8pPr marL="3429000" indent="-228600" algn="l" defTabSz="914400" rtl="0" eaLnBrk="1" latinLnBrk="0" hangingPunct="1">
+              <a:spcBef>
+                <a:spcPct val="20000"/>
+              </a:spcBef>
+              <a:buFont typeface="Arial" pitchFamily="34" charset="0"/>
+              <a:buChar char="•"/>
+              <a:defRPr sz="2000" kern="1200">
+                <a:solidFill>
+                  <a:schemeClr val="tx1"/>
+                </a:solidFill>
+                <a:latin typeface="+mn-lt"/>
+                <a:ea typeface="+mn-ea"/>
+                <a:cs typeface="+mn-cs"/>
+              </a:defRPr>
+            </a:lvl8pPr>
+            <a:lvl9pPr marL="3886200" indent="-228600" algn="l" defTabSz="914400" rtl="0" eaLnBrk="1" latinLnBrk="0" hangingPunct="1">
+              <a:spcBef>
+                <a:spcPct val="20000"/>
+              </a:spcBef>
+              <a:buFont typeface="Arial" pitchFamily="34" charset="0"/>
+              <a:buChar char="•"/>
+              <a:defRPr sz="2000" kern="1200">
+                <a:solidFill>
+                  <a:schemeClr val="tx1"/>
+                </a:solidFill>
+                <a:latin typeface="+mn-lt"/>
+                <a:ea typeface="+mn-ea"/>
+                <a:cs typeface="+mn-cs"/>
+              </a:defRPr>
+            </a:lvl9pPr>
+          </a:lstStyle>
+          <a:p>
+            <a:pPr marL="342896" indent="-342896" defTabSz="914389">
+              <a:defRPr/>
+            </a:pPr>
+            <a:r>
+              <a:rPr lang="en-US" sz="3024" dirty="0">
+                <a:solidFill>
+                  <a:srgbClr val="101820"/>
+                </a:solidFill>
+                <a:latin typeface="Roboto" panose="02000000000000000000" pitchFamily="2" charset="0"/>
+                <a:ea typeface="Roboto" panose="02000000000000000000" pitchFamily="2" charset="0"/>
+              </a:rPr>
+              <a:t>William D Assaf, MCSE</a:t>
+            </a:r>
+          </a:p>
+          <a:p>
+            <a:pPr marL="342896" indent="-342896" defTabSz="914389">
+              <a:defRPr/>
+            </a:pPr>
+            <a:r>
+              <a:rPr lang="en-US" sz="3024" dirty="0">
+                <a:solidFill>
+                  <a:srgbClr val="101820"/>
+                </a:solidFill>
+                <a:latin typeface="Roboto" panose="02000000000000000000" pitchFamily="2" charset="0"/>
+                <a:ea typeface="Roboto" panose="02000000000000000000" pitchFamily="2" charset="0"/>
+              </a:rPr>
+              <a:t>Baton Rouge SQL Server UG board</a:t>
+            </a:r>
+          </a:p>
+          <a:p>
+            <a:pPr marL="342896" indent="-342896" defTabSz="914389">
+              <a:defRPr/>
+            </a:pPr>
+            <a:r>
+              <a:rPr lang="en-US" sz="3024" dirty="0">
+                <a:solidFill>
+                  <a:srgbClr val="101820"/>
+                </a:solidFill>
+                <a:latin typeface="Roboto" panose="02000000000000000000" pitchFamily="2" charset="0"/>
+                <a:ea typeface="Roboto" panose="02000000000000000000" pitchFamily="2" charset="0"/>
+              </a:rPr>
+              <a:t>Principal Consultant, SQL Manager at Sparkhound</a:t>
+            </a:r>
+          </a:p>
+          <a:p>
+            <a:pPr marL="342896" indent="-342896" defTabSz="914389">
+              <a:defRPr/>
+            </a:pPr>
+            <a:r>
+              <a:rPr lang="en-US" sz="3024" dirty="0">
+                <a:solidFill>
+                  <a:srgbClr val="101820"/>
+                </a:solidFill>
+                <a:latin typeface="Roboto" panose="02000000000000000000" pitchFamily="2" charset="0"/>
+                <a:ea typeface="Roboto" panose="02000000000000000000" pitchFamily="2" charset="0"/>
+                <a:hlinkClick r:id="rId3"/>
+              </a:rPr>
+              <a:t>William.Assaf@sparkhound.com</a:t>
+            </a:r>
+            <a:endParaRPr lang="en-US" sz="3024" dirty="0">
+              <a:solidFill>
+                <a:srgbClr val="101820"/>
+              </a:solidFill>
+              <a:latin typeface="Roboto" panose="02000000000000000000" pitchFamily="2" charset="0"/>
+              <a:ea typeface="Roboto" panose="02000000000000000000" pitchFamily="2" charset="0"/>
+            </a:endParaRPr>
+          </a:p>
+          <a:p>
+            <a:pPr marL="342896" indent="-342896" defTabSz="914389">
+              <a:defRPr/>
+            </a:pPr>
+            <a:r>
+              <a:rPr lang="en-US" sz="3024" dirty="0">
+                <a:solidFill>
+                  <a:srgbClr val="101820"/>
+                </a:solidFill>
+                <a:latin typeface="Roboto" panose="02000000000000000000" pitchFamily="2" charset="0"/>
+                <a:ea typeface="Roboto" panose="02000000000000000000" pitchFamily="2" charset="0"/>
+              </a:rPr>
+              <a:t>Twitter: @</a:t>
+            </a:r>
+            <a:r>
+              <a:rPr lang="en-US" sz="3024" dirty="0" err="1">
+                <a:solidFill>
+                  <a:srgbClr val="101820"/>
+                </a:solidFill>
+                <a:latin typeface="Roboto" panose="02000000000000000000" pitchFamily="2" charset="0"/>
+                <a:ea typeface="Roboto" panose="02000000000000000000" pitchFamily="2" charset="0"/>
+              </a:rPr>
+              <a:t>william_a_dba</a:t>
+            </a:r>
+            <a:endParaRPr lang="en-US" sz="3024" dirty="0">
+              <a:solidFill>
+                <a:srgbClr val="101820"/>
+              </a:solidFill>
+              <a:latin typeface="Roboto" panose="02000000000000000000" pitchFamily="2" charset="0"/>
+              <a:ea typeface="Roboto" panose="02000000000000000000" pitchFamily="2" charset="0"/>
+            </a:endParaRPr>
+          </a:p>
+          <a:p>
+            <a:pPr marL="342896" indent="-342896" defTabSz="914389">
+              <a:defRPr/>
+            </a:pPr>
+            <a:endParaRPr lang="en-US" sz="3024" dirty="0">
+              <a:solidFill>
+                <a:srgbClr val="101820"/>
+              </a:solidFill>
+              <a:latin typeface="Roboto" panose="02000000000000000000" pitchFamily="2" charset="0"/>
+              <a:ea typeface="Roboto" panose="02000000000000000000" pitchFamily="2" charset="0"/>
+            </a:endParaRPr>
+          </a:p>
+          <a:p>
+            <a:pPr marL="0" indent="0" defTabSz="914389">
+              <a:buNone/>
+              <a:defRPr/>
+            </a:pPr>
+            <a:endParaRPr lang="en-US" sz="3024" dirty="0">
+              <a:solidFill>
+                <a:srgbClr val="101820"/>
+              </a:solidFill>
+              <a:latin typeface="Roboto" panose="02000000000000000000" pitchFamily="2" charset="0"/>
+              <a:ea typeface="Roboto" panose="02000000000000000000" pitchFamily="2" charset="0"/>
+            </a:endParaRPr>
+          </a:p>
+        </p:txBody>
+      </p:sp>
+      <p:pic>
+        <p:nvPicPr>
+          <p:cNvPr id="6" name="Picture 2" descr="William Assaf">
+            <a:extLst>
+              <a:ext uri="{FF2B5EF4-FFF2-40B4-BE49-F238E27FC236}">
+                <a16:creationId xmlns:a16="http://schemas.microsoft.com/office/drawing/2014/main" id="{2BAE5041-34BB-4C0C-A938-11DDAAA023DE}"/>
+              </a:ext>
+            </a:extLst>
+          </p:cNvPr>
+          <p:cNvPicPr>
+            <a:picLocks noChangeAspect="1" noChangeArrowheads="1"/>
+          </p:cNvPicPr>
+          <p:nvPr/>
+        </p:nvPicPr>
+        <p:blipFill>
+          <a:blip r:embed="rId4">
+            <a:extLst>
+              <a:ext uri="{28A0092B-C50C-407E-A947-70E740481C1C}">
+                <a14:useLocalDpi xmlns:a14="http://schemas.microsoft.com/office/drawing/2010/main" val="0"/>
+              </a:ext>
+            </a:extLst>
+          </a:blip>
+          <a:srcRect/>
+          <a:stretch>
+            <a:fillRect/>
+          </a:stretch>
+        </p:blipFill>
+        <p:spPr bwMode="auto">
+          <a:xfrm>
+            <a:off x="9432343" y="720057"/>
+            <a:ext cx="1872051" cy="1872051"/>
+          </a:xfrm>
+          <a:prstGeom prst="rect">
+            <a:avLst/>
+          </a:prstGeom>
+          <a:noFill/>
+          <a:extLst>
+            <a:ext uri="{909E8E84-426E-40DD-AFC4-6F175D3DCCD1}">
+              <a14:hiddenFill xmlns:a14="http://schemas.microsoft.com/office/drawing/2010/main">
+                <a:solidFill>
+                  <a:srgbClr val="FFFFFF"/>
+                </a:solidFill>
+              </a14:hiddenFill>
+            </a:ext>
+          </a:extLst>
+        </p:spPr>
+      </p:pic>
+    </p:spTree>
+    <p:extLst>
+      <p:ext uri="{BB962C8B-B14F-4D97-AF65-F5344CB8AC3E}">
+        <p14:creationId xmlns:p14="http://schemas.microsoft.com/office/powerpoint/2010/main" val="2576131179"/>
+      </p:ext>
+    </p:extLst>
+  </p:cSld>
+  <p:clrMapOvr>
+    <a:masterClrMapping/>
+  </p:clrMapOvr>
 </p:sld>
 </file>
 
